--- a/project_presentation.pptx
+++ b/project_presentation.pptx
@@ -9,24 +9,22 @@
     <p:sldId id="257" r:id="rId3"/>
     <p:sldId id="258" r:id="rId4"/>
     <p:sldId id="260" r:id="rId5"/>
-    <p:sldId id="261" r:id="rId6"/>
-    <p:sldId id="262" r:id="rId7"/>
-    <p:sldId id="259" r:id="rId8"/>
-    <p:sldId id="263" r:id="rId9"/>
-    <p:sldId id="264" r:id="rId10"/>
-    <p:sldId id="265" r:id="rId11"/>
-    <p:sldId id="266" r:id="rId12"/>
-    <p:sldId id="267" r:id="rId13"/>
-    <p:sldId id="268" r:id="rId14"/>
-    <p:sldId id="269" r:id="rId15"/>
-    <p:sldId id="270" r:id="rId16"/>
-    <p:sldId id="271" r:id="rId17"/>
-    <p:sldId id="272" r:id="rId18"/>
-    <p:sldId id="273" r:id="rId19"/>
-    <p:sldId id="277" r:id="rId20"/>
-    <p:sldId id="274" r:id="rId21"/>
-    <p:sldId id="275" r:id="rId22"/>
-    <p:sldId id="276" r:id="rId23"/>
+    <p:sldId id="259" r:id="rId6"/>
+    <p:sldId id="263" r:id="rId7"/>
+    <p:sldId id="264" r:id="rId8"/>
+    <p:sldId id="265" r:id="rId9"/>
+    <p:sldId id="266" r:id="rId10"/>
+    <p:sldId id="267" r:id="rId11"/>
+    <p:sldId id="268" r:id="rId12"/>
+    <p:sldId id="269" r:id="rId13"/>
+    <p:sldId id="270" r:id="rId14"/>
+    <p:sldId id="271" r:id="rId15"/>
+    <p:sldId id="272" r:id="rId16"/>
+    <p:sldId id="273" r:id="rId17"/>
+    <p:sldId id="277" r:id="rId18"/>
+    <p:sldId id="274" r:id="rId19"/>
+    <p:sldId id="275" r:id="rId20"/>
+    <p:sldId id="276" r:id="rId21"/>
   </p:sldIdLst>
   <p:sldSz cx="12192000" cy="6858000"/>
   <p:notesSz cx="6858000" cy="9144000"/>
@@ -136,7 +134,7 @@
 <file path=ppt/revisionInfo.xml><?xml version="1.0" encoding="utf-8"?>
 <p1510:revInfo xmlns:a="http://schemas.openxmlformats.org/drawingml/2006/main" xmlns:r="http://schemas.openxmlformats.org/officeDocument/2006/relationships" xmlns:p1510="http://schemas.microsoft.com/office/powerpoint/2015/10/main">
   <p1510:revLst>
-    <p1510:client id="{02425BE5-8436-4554-ACE2-9107AA67D41A}" v="47" dt="2025-10-24T13:57:01.734"/>
+    <p1510:client id="{FE6F6F7D-017C-4E81-88EE-5540CCD997AD}" v="22" dt="2025-10-26T19:51:03.828"/>
   </p1510:revLst>
 </p1510:revInfo>
 </file>
@@ -145,8 +143,8 @@
 <pc:chgInfo xmlns:a="http://schemas.openxmlformats.org/drawingml/2006/main" xmlns:r="http://schemas.openxmlformats.org/officeDocument/2006/relationships" xmlns:ac="http://schemas.microsoft.com/office/drawing/2013/main/command" xmlns:pc="http://schemas.microsoft.com/office/powerpoint/2013/main/command">
   <pc:docChgLst>
     <pc:chgData name="Dor Knafo" userId="dfde85f9-a1e8-4add-8a5f-b9593dfbdaf6" providerId="ADAL" clId="{D060D16D-AEC5-4FFA-94EF-2E7FFA1D1CAB}"/>
-    <pc:docChg chg="undo custSel addSld modSld sldOrd">
-      <pc:chgData name="Dor Knafo" userId="dfde85f9-a1e8-4add-8a5f-b9593dfbdaf6" providerId="ADAL" clId="{D060D16D-AEC5-4FFA-94EF-2E7FFA1D1CAB}" dt="2025-10-24T13:59:05.716" v="791" actId="20577"/>
+    <pc:docChg chg="undo custSel addSld delSld modSld sldOrd">
+      <pc:chgData name="Dor Knafo" userId="dfde85f9-a1e8-4add-8a5f-b9593dfbdaf6" providerId="ADAL" clId="{D060D16D-AEC5-4FFA-94EF-2E7FFA1D1CAB}" dt="2025-10-26T19:51:19.168" v="928"/>
       <pc:docMkLst>
         <pc:docMk/>
       </pc:docMkLst>
@@ -156,30 +154,6 @@
           <pc:docMk/>
           <pc:sldMk cId="1711763387" sldId="256"/>
         </pc:sldMkLst>
-        <pc:spChg chg="del">
-          <ac:chgData name="Dor Knafo" userId="dfde85f9-a1e8-4add-8a5f-b9593dfbdaf6" providerId="ADAL" clId="{D060D16D-AEC5-4FFA-94EF-2E7FFA1D1CAB}" dt="2025-10-24T11:35:52.405" v="2" actId="478"/>
-          <ac:spMkLst>
-            <pc:docMk/>
-            <pc:sldMk cId="1711763387" sldId="256"/>
-            <ac:spMk id="2" creationId="{D67634AB-B301-6CF9-CA1A-BDBE1A417E3B}"/>
-          </ac:spMkLst>
-        </pc:spChg>
-        <pc:spChg chg="del">
-          <ac:chgData name="Dor Knafo" userId="dfde85f9-a1e8-4add-8a5f-b9593dfbdaf6" providerId="ADAL" clId="{D060D16D-AEC5-4FFA-94EF-2E7FFA1D1CAB}" dt="2025-10-24T11:35:51.181" v="1" actId="478"/>
-          <ac:spMkLst>
-            <pc:docMk/>
-            <pc:sldMk cId="1711763387" sldId="256"/>
-            <ac:spMk id="3" creationId="{C1FDF951-9797-67F3-23E2-5D27F548F315}"/>
-          </ac:spMkLst>
-        </pc:spChg>
-        <pc:spChg chg="add mod">
-          <ac:chgData name="Dor Knafo" userId="dfde85f9-a1e8-4add-8a5f-b9593dfbdaf6" providerId="ADAL" clId="{D060D16D-AEC5-4FFA-94EF-2E7FFA1D1CAB}" dt="2025-10-24T11:36:23.269" v="46"/>
-          <ac:spMkLst>
-            <pc:docMk/>
-            <pc:sldMk cId="1711763387" sldId="256"/>
-            <ac:spMk id="4" creationId="{84A38629-3F31-49CF-8115-964C7BD93F5B}"/>
-          </ac:spMkLst>
-        </pc:spChg>
         <pc:spChg chg="add mod">
           <ac:chgData name="Dor Knafo" userId="dfde85f9-a1e8-4add-8a5f-b9593dfbdaf6" providerId="ADAL" clId="{D060D16D-AEC5-4FFA-94EF-2E7FFA1D1CAB}" dt="2025-10-24T11:38:05.403" v="78" actId="20577"/>
           <ac:spMkLst>
@@ -203,22 +177,6 @@
           <pc:docMk/>
           <pc:sldMk cId="4089230360" sldId="257"/>
         </pc:sldMkLst>
-        <pc:spChg chg="del mod">
-          <ac:chgData name="Dor Knafo" userId="dfde85f9-a1e8-4add-8a5f-b9593dfbdaf6" providerId="ADAL" clId="{D060D16D-AEC5-4FFA-94EF-2E7FFA1D1CAB}" dt="2025-10-24T11:38:29.202" v="101" actId="478"/>
-          <ac:spMkLst>
-            <pc:docMk/>
-            <pc:sldMk cId="4089230360" sldId="257"/>
-            <ac:spMk id="2" creationId="{3C1FD286-518F-8560-6585-B67A4D7EF740}"/>
-          </ac:spMkLst>
-        </pc:spChg>
-        <pc:spChg chg="del">
-          <ac:chgData name="Dor Knafo" userId="dfde85f9-a1e8-4add-8a5f-b9593dfbdaf6" providerId="ADAL" clId="{D060D16D-AEC5-4FFA-94EF-2E7FFA1D1CAB}" dt="2025-10-24T11:38:26.771" v="100" actId="478"/>
-          <ac:spMkLst>
-            <pc:docMk/>
-            <pc:sldMk cId="4089230360" sldId="257"/>
-            <ac:spMk id="3" creationId="{2955D371-DB76-E136-CBC0-3992067D66C4}"/>
-          </ac:spMkLst>
-        </pc:spChg>
         <pc:spChg chg="add mod">
           <ac:chgData name="Dor Knafo" userId="dfde85f9-a1e8-4add-8a5f-b9593dfbdaf6" providerId="ADAL" clId="{D060D16D-AEC5-4FFA-94EF-2E7FFA1D1CAB}" dt="2025-10-24T11:38:46.055" v="123" actId="1076"/>
           <ac:spMkLst>
@@ -273,17 +231,9 @@
             <ac:spMk id="3" creationId="{BF17FA6D-B9D6-CDA7-9FB7-7CC4B2F55CC3}"/>
           </ac:spMkLst>
         </pc:spChg>
-        <pc:spChg chg="add del">
-          <ac:chgData name="Dor Knafo" userId="dfde85f9-a1e8-4add-8a5f-b9593dfbdaf6" providerId="ADAL" clId="{D060D16D-AEC5-4FFA-94EF-2E7FFA1D1CAB}" dt="2025-10-24T12:32:46.952" v="399" actId="22"/>
-          <ac:spMkLst>
-            <pc:docMk/>
-            <pc:sldMk cId="2721499045" sldId="259"/>
-            <ac:spMk id="5" creationId="{10242B1D-DEE4-0303-8689-9E36893484F3}"/>
-          </ac:spMkLst>
-        </pc:spChg>
       </pc:sldChg>
       <pc:sldChg chg="addSp delSp modSp new mod ord">
-        <pc:chgData name="Dor Knafo" userId="dfde85f9-a1e8-4add-8a5f-b9593dfbdaf6" providerId="ADAL" clId="{D060D16D-AEC5-4FFA-94EF-2E7FFA1D1CAB}" dt="2025-10-24T12:26:31.891" v="393" actId="14100"/>
+        <pc:chgData name="Dor Knafo" userId="dfde85f9-a1e8-4add-8a5f-b9593dfbdaf6" providerId="ADAL" clId="{D060D16D-AEC5-4FFA-94EF-2E7FFA1D1CAB}" dt="2025-10-26T17:45:23.009" v="800" actId="1076"/>
         <pc:sldMkLst>
           <pc:docMk/>
           <pc:sldMk cId="1285520832" sldId="260"/>
@@ -296,16 +246,8 @@
             <ac:spMk id="2" creationId="{816342D4-EEC1-5291-C2CA-C5D2FFEC6F94}"/>
           </ac:spMkLst>
         </pc:spChg>
-        <pc:spChg chg="del mod">
-          <ac:chgData name="Dor Knafo" userId="dfde85f9-a1e8-4add-8a5f-b9593dfbdaf6" providerId="ADAL" clId="{D060D16D-AEC5-4FFA-94EF-2E7FFA1D1CAB}" dt="2025-10-24T12:09:02.449" v="312" actId="478"/>
-          <ac:spMkLst>
-            <pc:docMk/>
-            <pc:sldMk cId="1285520832" sldId="260"/>
-            <ac:spMk id="3" creationId="{94BD42D6-BA8F-75A3-58DA-58AE65FAD49C}"/>
-          </ac:spMkLst>
-        </pc:spChg>
         <pc:spChg chg="add mod">
-          <ac:chgData name="Dor Knafo" userId="dfde85f9-a1e8-4add-8a5f-b9593dfbdaf6" providerId="ADAL" clId="{D060D16D-AEC5-4FFA-94EF-2E7FFA1D1CAB}" dt="2025-10-24T12:26:31.891" v="393" actId="14100"/>
+          <ac:chgData name="Dor Knafo" userId="dfde85f9-a1e8-4add-8a5f-b9593dfbdaf6" providerId="ADAL" clId="{D060D16D-AEC5-4FFA-94EF-2E7FFA1D1CAB}" dt="2025-10-26T17:45:02.276" v="794" actId="1076"/>
           <ac:spMkLst>
             <pc:docMk/>
             <pc:sldMk cId="1285520832" sldId="260"/>
@@ -313,23 +255,31 @@
           </ac:spMkLst>
         </pc:spChg>
         <pc:spChg chg="add mod">
-          <ac:chgData name="Dor Knafo" userId="dfde85f9-a1e8-4add-8a5f-b9593dfbdaf6" providerId="ADAL" clId="{D060D16D-AEC5-4FFA-94EF-2E7FFA1D1CAB}" dt="2025-10-24T12:26:10.391" v="392" actId="1076"/>
+          <ac:chgData name="Dor Knafo" userId="dfde85f9-a1e8-4add-8a5f-b9593dfbdaf6" providerId="ADAL" clId="{D060D16D-AEC5-4FFA-94EF-2E7FFA1D1CAB}" dt="2025-10-26T17:45:02.276" v="794" actId="1076"/>
           <ac:spMkLst>
             <pc:docMk/>
             <pc:sldMk cId="1285520832" sldId="260"/>
             <ac:spMk id="9" creationId="{0F0A9372-C573-353A-B1AE-C59F28F6A0E2}"/>
           </ac:spMkLst>
         </pc:spChg>
-        <pc:picChg chg="add del mod">
-          <ac:chgData name="Dor Knafo" userId="dfde85f9-a1e8-4add-8a5f-b9593dfbdaf6" providerId="ADAL" clId="{D060D16D-AEC5-4FFA-94EF-2E7FFA1D1CAB}" dt="2025-10-24T12:22:31.769" v="340" actId="478"/>
+        <pc:picChg chg="add mod">
+          <ac:chgData name="Dor Knafo" userId="dfde85f9-a1e8-4add-8a5f-b9593dfbdaf6" providerId="ADAL" clId="{D060D16D-AEC5-4FFA-94EF-2E7FFA1D1CAB}" dt="2025-10-26T17:45:13.157" v="797" actId="1076"/>
           <ac:picMkLst>
             <pc:docMk/>
             <pc:sldMk cId="1285520832" sldId="260"/>
-            <ac:picMk id="5" creationId="{17C65120-56A9-F529-1F48-1DD23FF9F21F}"/>
+            <ac:picMk id="3" creationId="{47F788B3-0673-2F3F-99D4-39BD14403C3D}"/>
           </ac:picMkLst>
         </pc:picChg>
         <pc:picChg chg="add mod">
-          <ac:chgData name="Dor Knafo" userId="dfde85f9-a1e8-4add-8a5f-b9593dfbdaf6" providerId="ADAL" clId="{D060D16D-AEC5-4FFA-94EF-2E7FFA1D1CAB}" dt="2025-10-24T12:22:43.355" v="344" actId="1076"/>
+          <ac:chgData name="Dor Knafo" userId="dfde85f9-a1e8-4add-8a5f-b9593dfbdaf6" providerId="ADAL" clId="{D060D16D-AEC5-4FFA-94EF-2E7FFA1D1CAB}" dt="2025-10-26T17:45:23.009" v="800" actId="1076"/>
+          <ac:picMkLst>
+            <pc:docMk/>
+            <pc:sldMk cId="1285520832" sldId="260"/>
+            <ac:picMk id="4" creationId="{8AD387C5-B3DF-291F-AEF6-908368CEF18D}"/>
+          </ac:picMkLst>
+        </pc:picChg>
+        <pc:picChg chg="add mod">
+          <ac:chgData name="Dor Knafo" userId="dfde85f9-a1e8-4add-8a5f-b9593dfbdaf6" providerId="ADAL" clId="{D060D16D-AEC5-4FFA-94EF-2E7FFA1D1CAB}" dt="2025-10-26T17:45:02.276" v="794" actId="1076"/>
           <ac:picMkLst>
             <pc:docMk/>
             <pc:sldMk cId="1285520832" sldId="260"/>
@@ -337,75 +287,19 @@
           </ac:picMkLst>
         </pc:picChg>
       </pc:sldChg>
-      <pc:sldChg chg="addSp delSp modSp new mod">
-        <pc:chgData name="Dor Knafo" userId="dfde85f9-a1e8-4add-8a5f-b9593dfbdaf6" providerId="ADAL" clId="{D060D16D-AEC5-4FFA-94EF-2E7FFA1D1CAB}" dt="2025-10-24T12:24:04.725" v="366" actId="1076"/>
+      <pc:sldChg chg="addSp delSp modSp new del mod">
+        <pc:chgData name="Dor Knafo" userId="dfde85f9-a1e8-4add-8a5f-b9593dfbdaf6" providerId="ADAL" clId="{D060D16D-AEC5-4FFA-94EF-2E7FFA1D1CAB}" dt="2025-10-26T17:45:37.345" v="801" actId="47"/>
         <pc:sldMkLst>
           <pc:docMk/>
           <pc:sldMk cId="251709718" sldId="261"/>
         </pc:sldMkLst>
-        <pc:spChg chg="del">
-          <ac:chgData name="Dor Knafo" userId="dfde85f9-a1e8-4add-8a5f-b9593dfbdaf6" providerId="ADAL" clId="{D060D16D-AEC5-4FFA-94EF-2E7FFA1D1CAB}" dt="2025-10-24T12:23:11.611" v="346" actId="478"/>
-          <ac:spMkLst>
-            <pc:docMk/>
-            <pc:sldMk cId="251709718" sldId="261"/>
-            <ac:spMk id="2" creationId="{7BA24744-94FA-EE97-CDFA-E8F2BD2AF1DA}"/>
-          </ac:spMkLst>
-        </pc:spChg>
-        <pc:spChg chg="del">
-          <ac:chgData name="Dor Knafo" userId="dfde85f9-a1e8-4add-8a5f-b9593dfbdaf6" providerId="ADAL" clId="{D060D16D-AEC5-4FFA-94EF-2E7FFA1D1CAB}" dt="2025-10-24T12:23:11.126" v="345" actId="478"/>
-          <ac:spMkLst>
-            <pc:docMk/>
-            <pc:sldMk cId="251709718" sldId="261"/>
-            <ac:spMk id="3" creationId="{0A58A950-D9AE-CDAA-5C00-EF1073695554}"/>
-          </ac:spMkLst>
-        </pc:spChg>
-        <pc:picChg chg="add mod">
-          <ac:chgData name="Dor Knafo" userId="dfde85f9-a1e8-4add-8a5f-b9593dfbdaf6" providerId="ADAL" clId="{D060D16D-AEC5-4FFA-94EF-2E7FFA1D1CAB}" dt="2025-10-24T12:24:04.725" v="366" actId="1076"/>
-          <ac:picMkLst>
-            <pc:docMk/>
-            <pc:sldMk cId="251709718" sldId="261"/>
-            <ac:picMk id="5" creationId="{5DEA817A-F103-FB75-2577-F185D496DB69}"/>
-          </ac:picMkLst>
-        </pc:picChg>
-        <pc:picChg chg="add del mod">
-          <ac:chgData name="Dor Knafo" userId="dfde85f9-a1e8-4add-8a5f-b9593dfbdaf6" providerId="ADAL" clId="{D060D16D-AEC5-4FFA-94EF-2E7FFA1D1CAB}" dt="2025-10-24T12:23:52.138" v="359" actId="21"/>
-          <ac:picMkLst>
-            <pc:docMk/>
-            <pc:sldMk cId="251709718" sldId="261"/>
-            <ac:picMk id="7" creationId="{E5196D11-7F1F-0AB9-1CBB-CC3968460F65}"/>
-          </ac:picMkLst>
-        </pc:picChg>
       </pc:sldChg>
-      <pc:sldChg chg="addSp delSp modSp new mod">
-        <pc:chgData name="Dor Knafo" userId="dfde85f9-a1e8-4add-8a5f-b9593dfbdaf6" providerId="ADAL" clId="{D060D16D-AEC5-4FFA-94EF-2E7FFA1D1CAB}" dt="2025-10-24T12:24:01.768" v="365" actId="1076"/>
+      <pc:sldChg chg="addSp delSp modSp new del mod">
+        <pc:chgData name="Dor Knafo" userId="dfde85f9-a1e8-4add-8a5f-b9593dfbdaf6" providerId="ADAL" clId="{D060D16D-AEC5-4FFA-94EF-2E7FFA1D1CAB}" dt="2025-10-26T17:45:39.385" v="802" actId="47"/>
         <pc:sldMkLst>
           <pc:docMk/>
           <pc:sldMk cId="610824039" sldId="262"/>
         </pc:sldMkLst>
-        <pc:spChg chg="del">
-          <ac:chgData name="Dor Knafo" userId="dfde85f9-a1e8-4add-8a5f-b9593dfbdaf6" providerId="ADAL" clId="{D060D16D-AEC5-4FFA-94EF-2E7FFA1D1CAB}" dt="2025-10-24T12:23:55.460" v="362" actId="478"/>
-          <ac:spMkLst>
-            <pc:docMk/>
-            <pc:sldMk cId="610824039" sldId="262"/>
-            <ac:spMk id="2" creationId="{D99B6AC0-ED95-16F0-9EF4-BF9DE044158F}"/>
-          </ac:spMkLst>
-        </pc:spChg>
-        <pc:spChg chg="del">
-          <ac:chgData name="Dor Knafo" userId="dfde85f9-a1e8-4add-8a5f-b9593dfbdaf6" providerId="ADAL" clId="{D060D16D-AEC5-4FFA-94EF-2E7FFA1D1CAB}" dt="2025-10-24T12:23:54.637" v="361" actId="478"/>
-          <ac:spMkLst>
-            <pc:docMk/>
-            <pc:sldMk cId="610824039" sldId="262"/>
-            <ac:spMk id="3" creationId="{26749114-4B04-20F1-F465-AE4DE8A49A9B}"/>
-          </ac:spMkLst>
-        </pc:spChg>
-        <pc:picChg chg="add mod">
-          <ac:chgData name="Dor Knafo" userId="dfde85f9-a1e8-4add-8a5f-b9593dfbdaf6" providerId="ADAL" clId="{D060D16D-AEC5-4FFA-94EF-2E7FFA1D1CAB}" dt="2025-10-24T12:24:01.768" v="365" actId="1076"/>
-          <ac:picMkLst>
-            <pc:docMk/>
-            <pc:sldMk cId="610824039" sldId="262"/>
-            <ac:picMk id="7" creationId="{E5196D11-7F1F-0AB9-1CBB-CC3968460F65}"/>
-          </ac:picMkLst>
-        </pc:picChg>
       </pc:sldChg>
       <pc:sldChg chg="addSp delSp new mod">
         <pc:chgData name="Dor Knafo" userId="dfde85f9-a1e8-4add-8a5f-b9593dfbdaf6" providerId="ADAL" clId="{D060D16D-AEC5-4FFA-94EF-2E7FFA1D1CAB}" dt="2025-10-24T12:33:10.038" v="403" actId="22"/>
@@ -413,22 +307,6 @@
           <pc:docMk/>
           <pc:sldMk cId="2394402846" sldId="263"/>
         </pc:sldMkLst>
-        <pc:spChg chg="del">
-          <ac:chgData name="Dor Knafo" userId="dfde85f9-a1e8-4add-8a5f-b9593dfbdaf6" providerId="ADAL" clId="{D060D16D-AEC5-4FFA-94EF-2E7FFA1D1CAB}" dt="2025-10-24T12:32:52.935" v="402" actId="478"/>
-          <ac:spMkLst>
-            <pc:docMk/>
-            <pc:sldMk cId="2394402846" sldId="263"/>
-            <ac:spMk id="2" creationId="{E84A7BFF-A0F1-3A6A-9EDE-DFB0E6B66B26}"/>
-          </ac:spMkLst>
-        </pc:spChg>
-        <pc:spChg chg="del">
-          <ac:chgData name="Dor Knafo" userId="dfde85f9-a1e8-4add-8a5f-b9593dfbdaf6" providerId="ADAL" clId="{D060D16D-AEC5-4FFA-94EF-2E7FFA1D1CAB}" dt="2025-10-24T12:32:51.738" v="401" actId="478"/>
-          <ac:spMkLst>
-            <pc:docMk/>
-            <pc:sldMk cId="2394402846" sldId="263"/>
-            <ac:spMk id="3" creationId="{9A916F2A-0CBB-AAA8-4D3E-087F93DAC3D6}"/>
-          </ac:spMkLst>
-        </pc:spChg>
         <pc:picChg chg="add">
           <ac:chgData name="Dor Knafo" userId="dfde85f9-a1e8-4add-8a5f-b9593dfbdaf6" providerId="ADAL" clId="{D060D16D-AEC5-4FFA-94EF-2E7FFA1D1CAB}" dt="2025-10-24T12:33:10.038" v="403" actId="22"/>
           <ac:picMkLst>
@@ -444,14 +322,6 @@
           <pc:docMk/>
           <pc:sldMk cId="3246343097" sldId="264"/>
         </pc:sldMkLst>
-        <pc:spChg chg="del">
-          <ac:chgData name="Dor Knafo" userId="dfde85f9-a1e8-4add-8a5f-b9593dfbdaf6" providerId="ADAL" clId="{D060D16D-AEC5-4FFA-94EF-2E7FFA1D1CAB}" dt="2025-10-24T12:33:31.247" v="405"/>
-          <ac:spMkLst>
-            <pc:docMk/>
-            <pc:sldMk cId="3246343097" sldId="264"/>
-            <ac:spMk id="2" creationId="{9AE3EBCD-02C8-3007-88D6-9489452EB1E1}"/>
-          </ac:spMkLst>
-        </pc:spChg>
         <pc:spChg chg="mod">
           <ac:chgData name="Dor Knafo" userId="dfde85f9-a1e8-4add-8a5f-b9593dfbdaf6" providerId="ADAL" clId="{D060D16D-AEC5-4FFA-94EF-2E7FFA1D1CAB}" dt="2025-10-24T13:47:52.273" v="783" actId="20577"/>
           <ac:spMkLst>
@@ -470,7 +340,7 @@
         </pc:spChg>
       </pc:sldChg>
       <pc:sldChg chg="addSp delSp modSp new mod">
-        <pc:chgData name="Dor Knafo" userId="dfde85f9-a1e8-4add-8a5f-b9593dfbdaf6" providerId="ADAL" clId="{D060D16D-AEC5-4FFA-94EF-2E7FFA1D1CAB}" dt="2025-10-24T12:36:15.004" v="430" actId="22"/>
+        <pc:chgData name="Dor Knafo" userId="dfde85f9-a1e8-4add-8a5f-b9593dfbdaf6" providerId="ADAL" clId="{D060D16D-AEC5-4FFA-94EF-2E7FFA1D1CAB}" dt="2025-10-26T19:41:30.520" v="818" actId="1076"/>
         <pc:sldMkLst>
           <pc:docMk/>
           <pc:sldMk cId="365561562" sldId="265"/>
@@ -483,28 +353,20 @@
             <ac:spMk id="2" creationId="{8466D3A0-017A-C268-A329-E56E7A3412B9}"/>
           </ac:spMkLst>
         </pc:spChg>
-        <pc:spChg chg="del">
-          <ac:chgData name="Dor Knafo" userId="dfde85f9-a1e8-4add-8a5f-b9593dfbdaf6" providerId="ADAL" clId="{D060D16D-AEC5-4FFA-94EF-2E7FFA1D1CAB}" dt="2025-10-24T12:35:42.947" v="425" actId="478"/>
-          <ac:spMkLst>
+        <pc:picChg chg="add mod">
+          <ac:chgData name="Dor Knafo" userId="dfde85f9-a1e8-4add-8a5f-b9593dfbdaf6" providerId="ADAL" clId="{D060D16D-AEC5-4FFA-94EF-2E7FFA1D1CAB}" dt="2025-10-26T19:41:30.520" v="818" actId="1076"/>
+          <ac:picMkLst>
             <pc:docMk/>
             <pc:sldMk cId="365561562" sldId="265"/>
-            <ac:spMk id="3" creationId="{4AECF0E4-4D9A-ED32-FB32-530E021F3910}"/>
-          </ac:spMkLst>
-        </pc:spChg>
-        <pc:picChg chg="add mod">
-          <ac:chgData name="Dor Knafo" userId="dfde85f9-a1e8-4add-8a5f-b9593dfbdaf6" providerId="ADAL" clId="{D060D16D-AEC5-4FFA-94EF-2E7FFA1D1CAB}" dt="2025-10-24T12:36:08.847" v="428" actId="1076"/>
+            <ac:picMk id="4" creationId="{0C672957-E8CA-5617-27B7-5486BACA5F7D}"/>
+          </ac:picMkLst>
+        </pc:picChg>
+        <pc:picChg chg="add del mod">
+          <ac:chgData name="Dor Knafo" userId="dfde85f9-a1e8-4add-8a5f-b9593dfbdaf6" providerId="ADAL" clId="{D060D16D-AEC5-4FFA-94EF-2E7FFA1D1CAB}" dt="2025-10-26T19:41:23.874" v="815" actId="478"/>
           <ac:picMkLst>
             <pc:docMk/>
             <pc:sldMk cId="365561562" sldId="265"/>
             <ac:picMk id="5" creationId="{502C2D50-4641-6085-54D3-DE9D50A531FF}"/>
-          </ac:picMkLst>
-        </pc:picChg>
-        <pc:picChg chg="add del">
-          <ac:chgData name="Dor Knafo" userId="dfde85f9-a1e8-4add-8a5f-b9593dfbdaf6" providerId="ADAL" clId="{D060D16D-AEC5-4FFA-94EF-2E7FFA1D1CAB}" dt="2025-10-24T12:36:15.004" v="430" actId="22"/>
-          <ac:picMkLst>
-            <pc:docMk/>
-            <pc:sldMk cId="365561562" sldId="265"/>
-            <ac:picMk id="7" creationId="{F1CDB417-3352-F8DD-DD2E-0FD84C89D746}"/>
           </ac:picMkLst>
         </pc:picChg>
       </pc:sldChg>
@@ -530,14 +392,6 @@
             <ac:spMk id="3" creationId="{D768BB19-7984-07C6-F710-1E89E390BD3A}"/>
           </ac:spMkLst>
         </pc:spChg>
-        <pc:spChg chg="add mod">
-          <ac:chgData name="Dor Knafo" userId="dfde85f9-a1e8-4add-8a5f-b9593dfbdaf6" providerId="ADAL" clId="{D060D16D-AEC5-4FFA-94EF-2E7FFA1D1CAB}" dt="2025-10-24T12:36:55.081" v="434"/>
-          <ac:spMkLst>
-            <pc:docMk/>
-            <pc:sldMk cId="4222508229" sldId="266"/>
-            <ac:spMk id="4" creationId="{E7D07478-EC67-E9F9-9D6E-D03E16AFE43A}"/>
-          </ac:spMkLst>
-        </pc:spChg>
       </pc:sldChg>
       <pc:sldChg chg="delSp modSp new mod">
         <pc:chgData name="Dor Knafo" userId="dfde85f9-a1e8-4add-8a5f-b9593dfbdaf6" providerId="ADAL" clId="{D060D16D-AEC5-4FFA-94EF-2E7FFA1D1CAB}" dt="2025-10-24T12:39:16.432" v="482" actId="114"/>
@@ -553,14 +407,6 @@
             <ac:spMk id="2" creationId="{9371E1F1-B672-703F-9F59-22D32479A93D}"/>
           </ac:spMkLst>
         </pc:spChg>
-        <pc:spChg chg="del">
-          <ac:chgData name="Dor Knafo" userId="dfde85f9-a1e8-4add-8a5f-b9593dfbdaf6" providerId="ADAL" clId="{D060D16D-AEC5-4FFA-94EF-2E7FFA1D1CAB}" dt="2025-10-24T12:38:44.548" v="455" actId="478"/>
-          <ac:spMkLst>
-            <pc:docMk/>
-            <pc:sldMk cId="3321664355" sldId="267"/>
-            <ac:spMk id="3" creationId="{C9AB91E5-383F-FE0C-D51A-6F6A88DC81F0}"/>
-          </ac:spMkLst>
-        </pc:spChg>
       </pc:sldChg>
       <pc:sldChg chg="addSp delSp modSp new mod setBg">
         <pc:chgData name="Dor Knafo" userId="dfde85f9-a1e8-4add-8a5f-b9593dfbdaf6" providerId="ADAL" clId="{D060D16D-AEC5-4FFA-94EF-2E7FFA1D1CAB}" dt="2025-10-24T12:41:54.181" v="531" actId="20577"/>
@@ -568,36 +414,12 @@
           <pc:docMk/>
           <pc:sldMk cId="3977075156" sldId="268"/>
         </pc:sldMkLst>
-        <pc:spChg chg="del">
-          <ac:chgData name="Dor Knafo" userId="dfde85f9-a1e8-4add-8a5f-b9593dfbdaf6" providerId="ADAL" clId="{D060D16D-AEC5-4FFA-94EF-2E7FFA1D1CAB}" dt="2025-10-24T12:39:23.617" v="485" actId="478"/>
-          <ac:spMkLst>
-            <pc:docMk/>
-            <pc:sldMk cId="3977075156" sldId="268"/>
-            <ac:spMk id="2" creationId="{544466A1-CE59-D9AD-1479-D50B6279717C}"/>
-          </ac:spMkLst>
-        </pc:spChg>
-        <pc:spChg chg="del">
-          <ac:chgData name="Dor Knafo" userId="dfde85f9-a1e8-4add-8a5f-b9593dfbdaf6" providerId="ADAL" clId="{D060D16D-AEC5-4FFA-94EF-2E7FFA1D1CAB}" dt="2025-10-24T12:39:22.578" v="484" actId="478"/>
-          <ac:spMkLst>
-            <pc:docMk/>
-            <pc:sldMk cId="3977075156" sldId="268"/>
-            <ac:spMk id="3" creationId="{60CA1146-64FF-3609-1D41-619C4F123506}"/>
-          </ac:spMkLst>
-        </pc:spChg>
         <pc:spChg chg="add mod">
           <ac:chgData name="Dor Knafo" userId="dfde85f9-a1e8-4add-8a5f-b9593dfbdaf6" providerId="ADAL" clId="{D060D16D-AEC5-4FFA-94EF-2E7FFA1D1CAB}" dt="2025-10-24T12:41:54.181" v="531" actId="20577"/>
           <ac:spMkLst>
             <pc:docMk/>
             <pc:sldMk cId="3977075156" sldId="268"/>
             <ac:spMk id="6" creationId="{B7253701-9D9D-38FC-D5C4-7FEACC1BE763}"/>
-          </ac:spMkLst>
-        </pc:spChg>
-        <pc:spChg chg="add del">
-          <ac:chgData name="Dor Knafo" userId="dfde85f9-a1e8-4add-8a5f-b9593dfbdaf6" providerId="ADAL" clId="{D060D16D-AEC5-4FFA-94EF-2E7FFA1D1CAB}" dt="2025-10-24T12:39:30.279" v="488" actId="26606"/>
-          <ac:spMkLst>
-            <pc:docMk/>
-            <pc:sldMk cId="3977075156" sldId="268"/>
-            <ac:spMk id="10" creationId="{42A4FC2C-047E-45A5-965D-8E1E3BF09BC6}"/>
           </ac:spMkLst>
         </pc:spChg>
         <pc:picChg chg="add mod">
@@ -615,22 +437,6 @@
           <pc:docMk/>
           <pc:sldMk cId="551992650" sldId="269"/>
         </pc:sldMkLst>
-        <pc:spChg chg="del">
-          <ac:chgData name="Dor Knafo" userId="dfde85f9-a1e8-4add-8a5f-b9593dfbdaf6" providerId="ADAL" clId="{D060D16D-AEC5-4FFA-94EF-2E7FFA1D1CAB}" dt="2025-10-24T12:39:51.760" v="492" actId="478"/>
-          <ac:spMkLst>
-            <pc:docMk/>
-            <pc:sldMk cId="551992650" sldId="269"/>
-            <ac:spMk id="2" creationId="{01DCAE84-A436-BF58-A1BB-11E046B3A5DC}"/>
-          </ac:spMkLst>
-        </pc:spChg>
-        <pc:spChg chg="del">
-          <ac:chgData name="Dor Knafo" userId="dfde85f9-a1e8-4add-8a5f-b9593dfbdaf6" providerId="ADAL" clId="{D060D16D-AEC5-4FFA-94EF-2E7FFA1D1CAB}" dt="2025-10-24T12:39:52.796" v="493" actId="478"/>
-          <ac:spMkLst>
-            <pc:docMk/>
-            <pc:sldMk cId="551992650" sldId="269"/>
-            <ac:spMk id="3" creationId="{04D36A57-BFB1-62D6-F2AB-18CD1D102436}"/>
-          </ac:spMkLst>
-        </pc:spChg>
         <pc:spChg chg="add mod">
           <ac:chgData name="Dor Knafo" userId="dfde85f9-a1e8-4add-8a5f-b9593dfbdaf6" providerId="ADAL" clId="{D060D16D-AEC5-4FFA-94EF-2E7FFA1D1CAB}" dt="2025-10-24T12:41:57.621" v="533" actId="20577"/>
           <ac:spMkLst>
@@ -671,30 +477,38 @@
           </ac:spMkLst>
         </pc:spChg>
       </pc:sldChg>
-      <pc:sldChg chg="addSp delSp modSp new mod">
-        <pc:chgData name="Dor Knafo" userId="dfde85f9-a1e8-4add-8a5f-b9593dfbdaf6" providerId="ADAL" clId="{D060D16D-AEC5-4FFA-94EF-2E7FFA1D1CAB}" dt="2025-10-24T12:44:59.875" v="577" actId="1076"/>
+      <pc:sldChg chg="addSp delSp modSp new mod setBg">
+        <pc:chgData name="Dor Knafo" userId="dfde85f9-a1e8-4add-8a5f-b9593dfbdaf6" providerId="ADAL" clId="{D060D16D-AEC5-4FFA-94EF-2E7FFA1D1CAB}" dt="2025-10-26T19:41:01.940" v="814" actId="962"/>
         <pc:sldMkLst>
           <pc:docMk/>
           <pc:sldMk cId="1400402864" sldId="271"/>
         </pc:sldMkLst>
         <pc:spChg chg="mod">
-          <ac:chgData name="Dor Knafo" userId="dfde85f9-a1e8-4add-8a5f-b9593dfbdaf6" providerId="ADAL" clId="{D060D16D-AEC5-4FFA-94EF-2E7FFA1D1CAB}" dt="2025-10-24T12:44:46.476" v="574" actId="20577"/>
+          <ac:chgData name="Dor Knafo" userId="dfde85f9-a1e8-4add-8a5f-b9593dfbdaf6" providerId="ADAL" clId="{D060D16D-AEC5-4FFA-94EF-2E7FFA1D1CAB}" dt="2025-10-26T19:40:59.288" v="812" actId="26606"/>
           <ac:spMkLst>
             <pc:docMk/>
             <pc:sldMk cId="1400402864" sldId="271"/>
             <ac:spMk id="2" creationId="{10336A7B-C5B6-6B96-A672-946D12F8AF9D}"/>
           </ac:spMkLst>
         </pc:spChg>
-        <pc:spChg chg="del">
-          <ac:chgData name="Dor Knafo" userId="dfde85f9-a1e8-4add-8a5f-b9593dfbdaf6" providerId="ADAL" clId="{D060D16D-AEC5-4FFA-94EF-2E7FFA1D1CAB}" dt="2025-10-24T12:44:48.595" v="575" actId="478"/>
+        <pc:spChg chg="add">
+          <ac:chgData name="Dor Knafo" userId="dfde85f9-a1e8-4add-8a5f-b9593dfbdaf6" providerId="ADAL" clId="{D060D16D-AEC5-4FFA-94EF-2E7FFA1D1CAB}" dt="2025-10-26T19:40:59.288" v="812" actId="26606"/>
           <ac:spMkLst>
             <pc:docMk/>
             <pc:sldMk cId="1400402864" sldId="271"/>
-            <ac:spMk id="3" creationId="{AC6E4A29-06BC-1840-B573-3AA8C42FD139}"/>
+            <ac:spMk id="9" creationId="{53F29798-D584-4792-9B62-3F5F5C36D619}"/>
           </ac:spMkLst>
         </pc:spChg>
         <pc:picChg chg="add mod">
-          <ac:chgData name="Dor Knafo" userId="dfde85f9-a1e8-4add-8a5f-b9593dfbdaf6" providerId="ADAL" clId="{D060D16D-AEC5-4FFA-94EF-2E7FFA1D1CAB}" dt="2025-10-24T12:44:59.875" v="577" actId="1076"/>
+          <ac:chgData name="Dor Knafo" userId="dfde85f9-a1e8-4add-8a5f-b9593dfbdaf6" providerId="ADAL" clId="{D060D16D-AEC5-4FFA-94EF-2E7FFA1D1CAB}" dt="2025-10-26T19:41:01.940" v="814" actId="962"/>
+          <ac:picMkLst>
+            <pc:docMk/>
+            <pc:sldMk cId="1400402864" sldId="271"/>
+            <ac:picMk id="4" creationId="{03BD1D76-774D-1646-E811-FD2EA2642766}"/>
+          </ac:picMkLst>
+        </pc:picChg>
+        <pc:picChg chg="add del mod">
+          <ac:chgData name="Dor Knafo" userId="dfde85f9-a1e8-4add-8a5f-b9593dfbdaf6" providerId="ADAL" clId="{D060D16D-AEC5-4FFA-94EF-2E7FFA1D1CAB}" dt="2025-10-26T19:40:55.127" v="810" actId="478"/>
           <ac:picMkLst>
             <pc:docMk/>
             <pc:sldMk cId="1400402864" sldId="271"/>
@@ -703,29 +517,21 @@
         </pc:picChg>
       </pc:sldChg>
       <pc:sldChg chg="addSp delSp modSp new mod setBg">
-        <pc:chgData name="Dor Knafo" userId="dfde85f9-a1e8-4add-8a5f-b9593dfbdaf6" providerId="ADAL" clId="{D060D16D-AEC5-4FFA-94EF-2E7FFA1D1CAB}" dt="2025-10-24T12:45:27.195" v="586" actId="14100"/>
+        <pc:chgData name="Dor Knafo" userId="dfde85f9-a1e8-4add-8a5f-b9593dfbdaf6" providerId="ADAL" clId="{D060D16D-AEC5-4FFA-94EF-2E7FFA1D1CAB}" dt="2025-10-26T19:40:32.338" v="809" actId="1076"/>
         <pc:sldMkLst>
           <pc:docMk/>
           <pc:sldMk cId="3164854576" sldId="272"/>
         </pc:sldMkLst>
-        <pc:spChg chg="del">
-          <ac:chgData name="Dor Knafo" userId="dfde85f9-a1e8-4add-8a5f-b9593dfbdaf6" providerId="ADAL" clId="{D060D16D-AEC5-4FFA-94EF-2E7FFA1D1CAB}" dt="2025-10-24T12:45:20.403" v="580" actId="478"/>
-          <ac:spMkLst>
+        <pc:picChg chg="add mod">
+          <ac:chgData name="Dor Knafo" userId="dfde85f9-a1e8-4add-8a5f-b9593dfbdaf6" providerId="ADAL" clId="{D060D16D-AEC5-4FFA-94EF-2E7FFA1D1CAB}" dt="2025-10-26T19:40:32.338" v="809" actId="1076"/>
+          <ac:picMkLst>
             <pc:docMk/>
             <pc:sldMk cId="3164854576" sldId="272"/>
-            <ac:spMk id="2" creationId="{577B5590-F79C-C2E7-0534-0D9A7725F859}"/>
-          </ac:spMkLst>
-        </pc:spChg>
-        <pc:spChg chg="del">
-          <ac:chgData name="Dor Knafo" userId="dfde85f9-a1e8-4add-8a5f-b9593dfbdaf6" providerId="ADAL" clId="{D060D16D-AEC5-4FFA-94EF-2E7FFA1D1CAB}" dt="2025-10-24T12:45:19.956" v="579" actId="478"/>
-          <ac:spMkLst>
-            <pc:docMk/>
-            <pc:sldMk cId="3164854576" sldId="272"/>
-            <ac:spMk id="3" creationId="{AB97D7B4-C5D4-C255-B0E7-685B4A9F2001}"/>
-          </ac:spMkLst>
-        </pc:spChg>
-        <pc:picChg chg="add mod">
-          <ac:chgData name="Dor Knafo" userId="dfde85f9-a1e8-4add-8a5f-b9593dfbdaf6" providerId="ADAL" clId="{D060D16D-AEC5-4FFA-94EF-2E7FFA1D1CAB}" dt="2025-10-24T12:45:27.195" v="586" actId="14100"/>
+            <ac:picMk id="3" creationId="{45DE95A5-CBE3-60E0-FE8E-AE0860F0C3B2}"/>
+          </ac:picMkLst>
+        </pc:picChg>
+        <pc:picChg chg="add del mod">
+          <ac:chgData name="Dor Knafo" userId="dfde85f9-a1e8-4add-8a5f-b9593dfbdaf6" providerId="ADAL" clId="{D060D16D-AEC5-4FFA-94EF-2E7FFA1D1CAB}" dt="2025-10-26T19:40:22.393" v="805" actId="478"/>
           <ac:picMkLst>
             <pc:docMk/>
             <pc:sldMk cId="3164854576" sldId="272"/>
@@ -733,8 +539,8 @@
           </ac:picMkLst>
         </pc:picChg>
       </pc:sldChg>
-      <pc:sldChg chg="modSp new mod">
-        <pc:chgData name="Dor Knafo" userId="dfde85f9-a1e8-4add-8a5f-b9593dfbdaf6" providerId="ADAL" clId="{D060D16D-AEC5-4FFA-94EF-2E7FFA1D1CAB}" dt="2025-10-24T13:57:01.734" v="785"/>
+      <pc:sldChg chg="addSp modSp new mod">
+        <pc:chgData name="Dor Knafo" userId="dfde85f9-a1e8-4add-8a5f-b9593dfbdaf6" providerId="ADAL" clId="{D060D16D-AEC5-4FFA-94EF-2E7FFA1D1CAB}" dt="2025-10-26T19:51:19.168" v="928"/>
         <pc:sldMkLst>
           <pc:docMk/>
           <pc:sldMk cId="3468369045" sldId="273"/>
@@ -748,11 +554,59 @@
           </ac:spMkLst>
         </pc:spChg>
         <pc:spChg chg="mod">
-          <ac:chgData name="Dor Knafo" userId="dfde85f9-a1e8-4add-8a5f-b9593dfbdaf6" providerId="ADAL" clId="{D060D16D-AEC5-4FFA-94EF-2E7FFA1D1CAB}" dt="2025-10-24T13:57:01.734" v="785"/>
+          <ac:chgData name="Dor Knafo" userId="dfde85f9-a1e8-4add-8a5f-b9593dfbdaf6" providerId="ADAL" clId="{D060D16D-AEC5-4FFA-94EF-2E7FFA1D1CAB}" dt="2025-10-26T19:51:19.168" v="928"/>
           <ac:spMkLst>
             <pc:docMk/>
             <pc:sldMk cId="3468369045" sldId="273"/>
             <ac:spMk id="3" creationId="{760F53DF-A384-E1D6-C22E-BC32937BDDCE}"/>
+          </ac:spMkLst>
+        </pc:spChg>
+        <pc:spChg chg="add">
+          <ac:chgData name="Dor Knafo" userId="dfde85f9-a1e8-4add-8a5f-b9593dfbdaf6" providerId="ADAL" clId="{D060D16D-AEC5-4FFA-94EF-2E7FFA1D1CAB}" dt="2025-10-26T19:48:31.748" v="820"/>
+          <ac:spMkLst>
+            <pc:docMk/>
+            <pc:sldMk cId="3468369045" sldId="273"/>
+            <ac:spMk id="4" creationId="{C3770DA7-B089-8DA1-6E73-36DE774A0161}"/>
+          </ac:spMkLst>
+        </pc:spChg>
+        <pc:spChg chg="add">
+          <ac:chgData name="Dor Knafo" userId="dfde85f9-a1e8-4add-8a5f-b9593dfbdaf6" providerId="ADAL" clId="{D060D16D-AEC5-4FFA-94EF-2E7FFA1D1CAB}" dt="2025-10-26T19:48:34.132" v="822"/>
+          <ac:spMkLst>
+            <pc:docMk/>
+            <pc:sldMk cId="3468369045" sldId="273"/>
+            <ac:spMk id="5" creationId="{5941A3EE-5118-962A-BAB0-3850679CA157}"/>
+          </ac:spMkLst>
+        </pc:spChg>
+        <pc:spChg chg="add">
+          <ac:chgData name="Dor Knafo" userId="dfde85f9-a1e8-4add-8a5f-b9593dfbdaf6" providerId="ADAL" clId="{D060D16D-AEC5-4FFA-94EF-2E7FFA1D1CAB}" dt="2025-10-26T19:49:03.467" v="839"/>
+          <ac:spMkLst>
+            <pc:docMk/>
+            <pc:sldMk cId="3468369045" sldId="273"/>
+            <ac:spMk id="6" creationId="{8F627FAF-32E3-CE07-198B-C068DFD3C70B}"/>
+          </ac:spMkLst>
+        </pc:spChg>
+        <pc:spChg chg="add">
+          <ac:chgData name="Dor Knafo" userId="dfde85f9-a1e8-4add-8a5f-b9593dfbdaf6" providerId="ADAL" clId="{D060D16D-AEC5-4FFA-94EF-2E7FFA1D1CAB}" dt="2025-10-26T19:49:06.213" v="841"/>
+          <ac:spMkLst>
+            <pc:docMk/>
+            <pc:sldMk cId="3468369045" sldId="273"/>
+            <ac:spMk id="7" creationId="{0C62765E-0216-17E9-6D30-27A4A4AFC020}"/>
+          </ac:spMkLst>
+        </pc:spChg>
+        <pc:spChg chg="add">
+          <ac:chgData name="Dor Knafo" userId="dfde85f9-a1e8-4add-8a5f-b9593dfbdaf6" providerId="ADAL" clId="{D060D16D-AEC5-4FFA-94EF-2E7FFA1D1CAB}" dt="2025-10-26T19:50:57.763" v="873"/>
+          <ac:spMkLst>
+            <pc:docMk/>
+            <pc:sldMk cId="3468369045" sldId="273"/>
+            <ac:spMk id="8" creationId="{418FCE5B-B7F0-3355-10F9-7A46A86C387B}"/>
+          </ac:spMkLst>
+        </pc:spChg>
+        <pc:spChg chg="add">
+          <ac:chgData name="Dor Knafo" userId="dfde85f9-a1e8-4add-8a5f-b9593dfbdaf6" providerId="ADAL" clId="{D060D16D-AEC5-4FFA-94EF-2E7FFA1D1CAB}" dt="2025-10-26T19:51:00.206" v="875"/>
+          <ac:spMkLst>
+            <pc:docMk/>
+            <pc:sldMk cId="3468369045" sldId="273"/>
+            <ac:spMk id="9" creationId="{B6330DF0-7631-7EAF-783B-1387AA4D6FC8}"/>
           </ac:spMkLst>
         </pc:spChg>
       </pc:sldChg>
@@ -791,22 +645,6 @@
             <pc:docMk/>
             <pc:sldMk cId="1457976511" sldId="275"/>
             <ac:spMk id="2" creationId="{1FD36C8C-BFF6-1D96-D993-A3789246137B}"/>
-          </ac:spMkLst>
-        </pc:spChg>
-        <pc:spChg chg="del">
-          <ac:chgData name="Dor Knafo" userId="dfde85f9-a1e8-4add-8a5f-b9593dfbdaf6" providerId="ADAL" clId="{D060D16D-AEC5-4FFA-94EF-2E7FFA1D1CAB}" dt="2025-10-24T12:48:04.786" v="647" actId="478"/>
-          <ac:spMkLst>
-            <pc:docMk/>
-            <pc:sldMk cId="1457976511" sldId="275"/>
-            <ac:spMk id="3" creationId="{B2A1FAB2-41AA-D0EF-E127-5D50B5DB97A1}"/>
-          </ac:spMkLst>
-        </pc:spChg>
-        <pc:spChg chg="add del">
-          <ac:chgData name="Dor Knafo" userId="dfde85f9-a1e8-4add-8a5f-b9593dfbdaf6" providerId="ADAL" clId="{D060D16D-AEC5-4FFA-94EF-2E7FFA1D1CAB}" dt="2025-10-24T12:48:16.342" v="649" actId="22"/>
-          <ac:spMkLst>
-            <pc:docMk/>
-            <pc:sldMk cId="1457976511" sldId="275"/>
-            <ac:spMk id="5" creationId="{6D2C3D40-13ED-CC8B-0225-EE71A236ED3C}"/>
           </ac:spMkLst>
         </pc:spChg>
         <pc:spChg chg="add">
@@ -855,22 +693,6 @@
           <pc:docMk/>
           <pc:sldMk cId="3807376113" sldId="277"/>
         </pc:sldMkLst>
-        <pc:spChg chg="del">
-          <ac:chgData name="Dor Knafo" userId="dfde85f9-a1e8-4add-8a5f-b9593dfbdaf6" providerId="ADAL" clId="{D060D16D-AEC5-4FFA-94EF-2E7FFA1D1CAB}" dt="2025-10-24T12:50:03.645" v="666" actId="478"/>
-          <ac:spMkLst>
-            <pc:docMk/>
-            <pc:sldMk cId="3807376113" sldId="277"/>
-            <ac:spMk id="2" creationId="{C75EEA4A-B05B-F48E-82DB-F0C3FE1BCF8D}"/>
-          </ac:spMkLst>
-        </pc:spChg>
-        <pc:spChg chg="del">
-          <ac:chgData name="Dor Knafo" userId="dfde85f9-a1e8-4add-8a5f-b9593dfbdaf6" providerId="ADAL" clId="{D060D16D-AEC5-4FFA-94EF-2E7FFA1D1CAB}" dt="2025-10-24T12:50:02.736" v="665" actId="478"/>
-          <ac:spMkLst>
-            <pc:docMk/>
-            <pc:sldMk cId="3807376113" sldId="277"/>
-            <ac:spMk id="3" creationId="{AE490758-94E6-8A5E-0142-2CEB977B92A0}"/>
-          </ac:spMkLst>
-        </pc:spChg>
         <pc:picChg chg="add mod">
           <ac:chgData name="Dor Knafo" userId="dfde85f9-a1e8-4add-8a5f-b9593dfbdaf6" providerId="ADAL" clId="{D060D16D-AEC5-4FFA-94EF-2E7FFA1D1CAB}" dt="2025-10-24T12:51:19.813" v="669" actId="27614"/>
           <ac:picMkLst>
@@ -1034,7 +856,7 @@
           <a:p>
             <a:fld id="{EDDE11C3-C335-4F12-9969-D1A48F628FC4}" type="datetimeFigureOut">
               <a:rPr lang="LID4096" smtClean="0"/>
-              <a:t>10/24/2025</a:t>
+              <a:t>10/26/2025</a:t>
             </a:fld>
             <a:endParaRPr lang="LID4096"/>
           </a:p>
@@ -1234,7 +1056,7 @@
           <a:p>
             <a:fld id="{EDDE11C3-C335-4F12-9969-D1A48F628FC4}" type="datetimeFigureOut">
               <a:rPr lang="LID4096" smtClean="0"/>
-              <a:t>10/24/2025</a:t>
+              <a:t>10/26/2025</a:t>
             </a:fld>
             <a:endParaRPr lang="LID4096"/>
           </a:p>
@@ -1444,7 +1266,7 @@
           <a:p>
             <a:fld id="{EDDE11C3-C335-4F12-9969-D1A48F628FC4}" type="datetimeFigureOut">
               <a:rPr lang="LID4096" smtClean="0"/>
-              <a:t>10/24/2025</a:t>
+              <a:t>10/26/2025</a:t>
             </a:fld>
             <a:endParaRPr lang="LID4096"/>
           </a:p>
@@ -1644,7 +1466,7 @@
           <a:p>
             <a:fld id="{EDDE11C3-C335-4F12-9969-D1A48F628FC4}" type="datetimeFigureOut">
               <a:rPr lang="LID4096" smtClean="0"/>
-              <a:t>10/24/2025</a:t>
+              <a:t>10/26/2025</a:t>
             </a:fld>
             <a:endParaRPr lang="LID4096"/>
           </a:p>
@@ -1920,7 +1742,7 @@
           <a:p>
             <a:fld id="{EDDE11C3-C335-4F12-9969-D1A48F628FC4}" type="datetimeFigureOut">
               <a:rPr lang="LID4096" smtClean="0"/>
-              <a:t>10/24/2025</a:t>
+              <a:t>10/26/2025</a:t>
             </a:fld>
             <a:endParaRPr lang="LID4096"/>
           </a:p>
@@ -2188,7 +2010,7 @@
           <a:p>
             <a:fld id="{EDDE11C3-C335-4F12-9969-D1A48F628FC4}" type="datetimeFigureOut">
               <a:rPr lang="LID4096" smtClean="0"/>
-              <a:t>10/24/2025</a:t>
+              <a:t>10/26/2025</a:t>
             </a:fld>
             <a:endParaRPr lang="LID4096"/>
           </a:p>
@@ -2603,7 +2425,7 @@
           <a:p>
             <a:fld id="{EDDE11C3-C335-4F12-9969-D1A48F628FC4}" type="datetimeFigureOut">
               <a:rPr lang="LID4096" smtClean="0"/>
-              <a:t>10/24/2025</a:t>
+              <a:t>10/26/2025</a:t>
             </a:fld>
             <a:endParaRPr lang="LID4096"/>
           </a:p>
@@ -2745,7 +2567,7 @@
           <a:p>
             <a:fld id="{EDDE11C3-C335-4F12-9969-D1A48F628FC4}" type="datetimeFigureOut">
               <a:rPr lang="LID4096" smtClean="0"/>
-              <a:t>10/24/2025</a:t>
+              <a:t>10/26/2025</a:t>
             </a:fld>
             <a:endParaRPr lang="LID4096"/>
           </a:p>
@@ -2858,7 +2680,7 @@
           <a:p>
             <a:fld id="{EDDE11C3-C335-4F12-9969-D1A48F628FC4}" type="datetimeFigureOut">
               <a:rPr lang="LID4096" smtClean="0"/>
-              <a:t>10/24/2025</a:t>
+              <a:t>10/26/2025</a:t>
             </a:fld>
             <a:endParaRPr lang="LID4096"/>
           </a:p>
@@ -3171,7 +2993,7 @@
           <a:p>
             <a:fld id="{EDDE11C3-C335-4F12-9969-D1A48F628FC4}" type="datetimeFigureOut">
               <a:rPr lang="LID4096" smtClean="0"/>
-              <a:t>10/24/2025</a:t>
+              <a:t>10/26/2025</a:t>
             </a:fld>
             <a:endParaRPr lang="LID4096"/>
           </a:p>
@@ -3460,7 +3282,7 @@
           <a:p>
             <a:fld id="{EDDE11C3-C335-4F12-9969-D1A48F628FC4}" type="datetimeFigureOut">
               <a:rPr lang="LID4096" smtClean="0"/>
-              <a:t>10/24/2025</a:t>
+              <a:t>10/26/2025</a:t>
             </a:fld>
             <a:endParaRPr lang="LID4096"/>
           </a:p>
@@ -3703,7 +3525,7 @@
           <a:p>
             <a:fld id="{EDDE11C3-C335-4F12-9969-D1A48F628FC4}" type="datetimeFigureOut">
               <a:rPr lang="LID4096" smtClean="0"/>
-              <a:t>10/24/2025</a:t>
+              <a:t>10/26/2025</a:t>
             </a:fld>
             <a:endParaRPr lang="LID4096"/>
           </a:p>
@@ -4243,7 +4065,7 @@
           <p:cNvPr id="2" name="Title 1">
             <a:extLst>
               <a:ext uri="{FF2B5EF4-FFF2-40B4-BE49-F238E27FC236}">
-                <a16:creationId xmlns:a16="http://schemas.microsoft.com/office/drawing/2014/main" id="{8466D3A0-017A-C268-A329-E56E7A3412B9}"/>
+                <a16:creationId xmlns:a16="http://schemas.microsoft.com/office/drawing/2014/main" id="{9371E1F1-B672-703F-9F59-22D32479A93D}"/>
               </a:ext>
             </a:extLst>
           </p:cNvPr>
@@ -4254,53 +4076,33 @@
             <p:ph type="title"/>
           </p:nvPr>
         </p:nvSpPr>
-        <p:spPr/>
-        <p:txBody>
-          <a:bodyPr/>
-          <a:lstStyle/>
-          <a:p>
-            <a:r>
-              <a:rPr lang="en-US" dirty="0"/>
-              <a:t>Baseline Benchmark Results</a:t>
-            </a:r>
-            <a:endParaRPr lang="LID4096" dirty="0"/>
-          </a:p>
-        </p:txBody>
-      </p:sp>
-      <p:pic>
-        <p:nvPicPr>
-          <p:cNvPr id="5" name="Picture 4">
-            <a:extLst>
-              <a:ext uri="{FF2B5EF4-FFF2-40B4-BE49-F238E27FC236}">
-                <a16:creationId xmlns:a16="http://schemas.microsoft.com/office/drawing/2014/main" id="{502C2D50-4641-6085-54D3-DE9D50A531FF}"/>
-              </a:ext>
-            </a:extLst>
-          </p:cNvPr>
-          <p:cNvPicPr>
-            <a:picLocks noChangeAspect="1"/>
-          </p:cNvPicPr>
-          <p:nvPr/>
-        </p:nvPicPr>
-        <p:blipFill>
-          <a:blip r:embed="rId2"/>
-          <a:stretch>
-            <a:fillRect/>
-          </a:stretch>
-        </p:blipFill>
         <p:spPr>
           <a:xfrm>
-            <a:off x="2203781" y="1987586"/>
-            <a:ext cx="6801799" cy="3210373"/>
+            <a:off x="1111155" y="2528295"/>
+            <a:ext cx="10515600" cy="1325563"/>
           </a:xfrm>
-          <a:prstGeom prst="rect">
-            <a:avLst/>
-          </a:prstGeom>
         </p:spPr>
-      </p:pic>
+        <p:txBody>
+          <a:bodyPr/>
+          <a:lstStyle/>
+          <a:p>
+            <a:pPr algn="ctr"/>
+            <a:r>
+              <a:rPr lang="en-US" dirty="0"/>
+              <a:t>Example: C-based Optimization </a:t>
+            </a:r>
+            <a:r>
+              <a:rPr lang="en-US" dirty="0" err="1"/>
+              <a:t>deepcopy_list_c</a:t>
+            </a:r>
+            <a:endParaRPr lang="LID4096" dirty="0"/>
+          </a:p>
+        </p:txBody>
+      </p:sp>
     </p:spTree>
     <p:extLst>
       <p:ext uri="{BB962C8B-B14F-4D97-AF65-F5344CB8AC3E}">
-        <p14:creationId xmlns:p14="http://schemas.microsoft.com/office/powerpoint/2010/main" val="365561562"/>
+        <p14:creationId xmlns:p14="http://schemas.microsoft.com/office/powerpoint/2010/main" val="3321664355"/>
       </p:ext>
     </p:extLst>
   </p:cSld>
@@ -4327,140 +4129,76 @@
           <a:chExt cx="0" cy="0"/>
         </a:xfrm>
       </p:grpSpPr>
-      <p:sp>
-        <p:nvSpPr>
-          <p:cNvPr id="2" name="Title 1">
-            <a:extLst>
-              <a:ext uri="{FF2B5EF4-FFF2-40B4-BE49-F238E27FC236}">
-                <a16:creationId xmlns:a16="http://schemas.microsoft.com/office/drawing/2014/main" id="{0A8A7238-0384-C260-0048-D40CE49B45D9}"/>
-              </a:ext>
-            </a:extLst>
-          </p:cNvPr>
-          <p:cNvSpPr>
-            <a:spLocks noGrp="1"/>
-          </p:cNvSpPr>
-          <p:nvPr>
-            <p:ph type="title"/>
-          </p:nvPr>
-        </p:nvSpPr>
-        <p:spPr/>
-        <p:txBody>
-          <a:bodyPr/>
-          <a:lstStyle/>
-          <a:p>
-            <a:r>
-              <a:rPr lang="en-US" dirty="0"/>
-              <a:t>Optimizations</a:t>
-            </a:r>
-            <a:endParaRPr lang="LID4096" dirty="0"/>
-          </a:p>
-        </p:txBody>
-      </p:sp>
-      <p:sp>
-        <p:nvSpPr>
-          <p:cNvPr id="3" name="Content Placeholder 2">
-            <a:extLst>
-              <a:ext uri="{FF2B5EF4-FFF2-40B4-BE49-F238E27FC236}">
-                <a16:creationId xmlns:a16="http://schemas.microsoft.com/office/drawing/2014/main" id="{D768BB19-7984-07C6-F710-1E89E390BD3A}"/>
-              </a:ext>
-            </a:extLst>
-          </p:cNvPr>
-          <p:cNvSpPr>
-            <a:spLocks noGrp="1"/>
-          </p:cNvSpPr>
-          <p:nvPr>
-            <p:ph idx="1"/>
-          </p:nvPr>
-        </p:nvSpPr>
-        <p:spPr/>
-        <p:txBody>
-          <a:bodyPr/>
-          <a:lstStyle/>
-          <a:p>
-            <a:r>
-              <a:rPr lang="en-US" dirty="0"/>
-              <a:t>Implemented a native </a:t>
-            </a:r>
-            <a:r>
-              <a:rPr lang="en-US" b="1" dirty="0"/>
-              <a:t>C extension module</a:t>
-            </a:r>
-            <a:r>
-              <a:rPr lang="en-US" dirty="0"/>
-              <a:t> named </a:t>
-            </a:r>
-            <a:r>
-              <a:rPr lang="en-US" dirty="0" err="1"/>
+      <p:pic>
+        <p:nvPicPr>
+          <p:cNvPr id="5" name="Picture 4">
+            <a:extLst>
+              <a:ext uri="{FF2B5EF4-FFF2-40B4-BE49-F238E27FC236}">
+                <a16:creationId xmlns:a16="http://schemas.microsoft.com/office/drawing/2014/main" id="{AAE44C9A-CBF6-E9B2-1433-273F44B3A858}"/>
+              </a:ext>
+            </a:extLst>
+          </p:cNvPr>
+          <p:cNvPicPr>
+            <a:picLocks noChangeAspect="1"/>
+          </p:cNvPicPr>
+          <p:nvPr/>
+        </p:nvPicPr>
+        <p:blipFill>
+          <a:blip r:embed="rId2"/>
+          <a:stretch>
+            <a:fillRect/>
+          </a:stretch>
+        </p:blipFill>
+        <p:spPr>
+          <a:xfrm>
+            <a:off x="3853336" y="0"/>
+            <a:ext cx="4485327" cy="6858000"/>
+          </a:xfrm>
+          <a:prstGeom prst="rect">
+            <a:avLst/>
+          </a:prstGeom>
+        </p:spPr>
+      </p:pic>
+      <p:sp>
+        <p:nvSpPr>
+          <p:cNvPr id="6" name="TextBox 5">
+            <a:extLst>
+              <a:ext uri="{FF2B5EF4-FFF2-40B4-BE49-F238E27FC236}">
+                <a16:creationId xmlns:a16="http://schemas.microsoft.com/office/drawing/2014/main" id="{B7253701-9D9D-38FC-D5C4-7FEACC1BE763}"/>
+              </a:ext>
+            </a:extLst>
+          </p:cNvPr>
+          <p:cNvSpPr txBox="1"/>
+          <p:nvPr/>
+        </p:nvSpPr>
+        <p:spPr>
+          <a:xfrm>
+            <a:off x="504968" y="1392070"/>
+            <a:ext cx="2654490" cy="707886"/>
+          </a:xfrm>
+          <a:prstGeom prst="rect">
+            <a:avLst/>
+          </a:prstGeom>
+          <a:noFill/>
+        </p:spPr>
+        <p:txBody>
+          <a:bodyPr wrap="square" rtlCol="0">
+            <a:spAutoFit/>
+          </a:bodyPr>
+          <a:lstStyle/>
+          <a:p>
+            <a:r>
+              <a:rPr lang="en-US" sz="4000" dirty="0" err="1"/>
               <a:t>fastcopy.c</a:t>
             </a:r>
-            <a:r>
-              <a:rPr lang="en-US" dirty="0"/>
-              <a:t>.</a:t>
-            </a:r>
-          </a:p>
-          <a:p>
-            <a:r>
-              <a:rPr lang="en-US" dirty="0"/>
-              <a:t>Added C implementations for </a:t>
-            </a:r>
-            <a:r>
-              <a:rPr lang="en-US" b="1" dirty="0"/>
-              <a:t>lists</a:t>
-            </a:r>
-            <a:r>
-              <a:rPr lang="en-US" dirty="0"/>
-              <a:t>, </a:t>
-            </a:r>
-            <a:r>
-              <a:rPr lang="en-US" b="1" dirty="0" err="1"/>
-              <a:t>dicts</a:t>
-            </a:r>
-            <a:r>
-              <a:rPr lang="en-US" dirty="0"/>
-              <a:t>, and </a:t>
-            </a:r>
-            <a:r>
-              <a:rPr lang="en-US" b="1" dirty="0"/>
-              <a:t>tuples</a:t>
-            </a:r>
-            <a:r>
-              <a:rPr lang="en-US" dirty="0"/>
-              <a:t> deep copy routines.</a:t>
-            </a:r>
-          </a:p>
-          <a:p>
-            <a:r>
-              <a:rPr lang="en-US" dirty="0"/>
-              <a:t>Modified </a:t>
-            </a:r>
-            <a:r>
-              <a:rPr lang="en-US" b="1" dirty="0"/>
-              <a:t>copy.py </a:t>
-            </a:r>
-            <a:r>
-              <a:rPr lang="en-US" dirty="0"/>
-              <a:t>to call these C functions directly when available.</a:t>
-            </a:r>
-          </a:p>
-          <a:p>
-            <a:r>
-              <a:rPr lang="en-US" dirty="0"/>
-              <a:t>This bypassed Python bytecode loops and reduced interpreter overhead.</a:t>
-            </a:r>
-          </a:p>
-          <a:p>
-            <a:r>
-              <a:rPr lang="en-US" dirty="0"/>
-              <a:t>Result: fewer function calls, better cache locality, and faster execution.</a:t>
-            </a:r>
-            <a:endParaRPr lang="LID4096" dirty="0"/>
+            <a:endParaRPr lang="LID4096" sz="4000" dirty="0"/>
           </a:p>
         </p:txBody>
       </p:sp>
     </p:spTree>
     <p:extLst>
       <p:ext uri="{BB962C8B-B14F-4D97-AF65-F5344CB8AC3E}">
-        <p14:creationId xmlns:p14="http://schemas.microsoft.com/office/powerpoint/2010/main" val="4222508229"/>
+        <p14:creationId xmlns:p14="http://schemas.microsoft.com/office/powerpoint/2010/main" val="3977075156"/>
       </p:ext>
     </p:extLst>
   </p:cSld>
@@ -4473,6 +4211,14 @@
 <file path=ppt/slides/slide12.xml><?xml version="1.0" encoding="utf-8"?>
 <p:sld xmlns:a="http://schemas.openxmlformats.org/drawingml/2006/main" xmlns:r="http://schemas.openxmlformats.org/officeDocument/2006/relationships" xmlns:p="http://schemas.openxmlformats.org/presentationml/2006/main">
   <p:cSld>
+    <p:bg>
+      <p:bgPr>
+        <a:solidFill>
+          <a:schemeClr val="bg1"/>
+        </a:solidFill>
+        <a:effectLst/>
+      </p:bgPr>
+    </p:bg>
     <p:spTree>
       <p:nvGrpSpPr>
         <p:cNvPr id="1" name=""/>
@@ -4487,49 +4233,76 @@
           <a:chExt cx="0" cy="0"/>
         </a:xfrm>
       </p:grpSpPr>
-      <p:sp>
-        <p:nvSpPr>
-          <p:cNvPr id="2" name="Title 1">
-            <a:extLst>
-              <a:ext uri="{FF2B5EF4-FFF2-40B4-BE49-F238E27FC236}">
-                <a16:creationId xmlns:a16="http://schemas.microsoft.com/office/drawing/2014/main" id="{9371E1F1-B672-703F-9F59-22D32479A93D}"/>
-              </a:ext>
-            </a:extLst>
-          </p:cNvPr>
-          <p:cNvSpPr>
-            <a:spLocks noGrp="1"/>
-          </p:cNvSpPr>
-          <p:nvPr>
-            <p:ph type="title"/>
-          </p:nvPr>
-        </p:nvSpPr>
+      <p:pic>
+        <p:nvPicPr>
+          <p:cNvPr id="5" name="Picture 4" descr="A computer screen shot of a program code&#10;&#10;AI-generated content may be incorrect.">
+            <a:extLst>
+              <a:ext uri="{FF2B5EF4-FFF2-40B4-BE49-F238E27FC236}">
+                <a16:creationId xmlns:a16="http://schemas.microsoft.com/office/drawing/2014/main" id="{075CE914-BE35-FDFC-694A-769ADD27FCFD}"/>
+              </a:ext>
+            </a:extLst>
+          </p:cNvPr>
+          <p:cNvPicPr>
+            <a:picLocks noChangeAspect="1"/>
+          </p:cNvPicPr>
+          <p:nvPr/>
+        </p:nvPicPr>
+        <p:blipFill>
+          <a:blip r:embed="rId2"/>
+          <a:stretch>
+            <a:fillRect/>
+          </a:stretch>
+        </p:blipFill>
         <p:spPr>
           <a:xfrm>
-            <a:off x="1111155" y="2528295"/>
-            <a:ext cx="10515600" cy="1325563"/>
+            <a:off x="643467" y="1744466"/>
+            <a:ext cx="10905066" cy="4624661"/>
           </a:xfrm>
+          <a:prstGeom prst="rect">
+            <a:avLst/>
+          </a:prstGeom>
         </p:spPr>
-        <p:txBody>
-          <a:bodyPr/>
-          <a:lstStyle/>
-          <a:p>
-            <a:pPr algn="ctr"/>
-            <a:r>
-              <a:rPr lang="en-US" dirty="0"/>
-              <a:t>Example: C-based Optimization </a:t>
-            </a:r>
-            <a:r>
-              <a:rPr lang="en-US" dirty="0" err="1"/>
-              <a:t>deepcopy_list_c</a:t>
-            </a:r>
-            <a:endParaRPr lang="LID4096" dirty="0"/>
+      </p:pic>
+      <p:sp>
+        <p:nvSpPr>
+          <p:cNvPr id="6" name="TextBox 5">
+            <a:extLst>
+              <a:ext uri="{FF2B5EF4-FFF2-40B4-BE49-F238E27FC236}">
+                <a16:creationId xmlns:a16="http://schemas.microsoft.com/office/drawing/2014/main" id="{6F8899FC-EBF8-9B98-0D09-F090E7C5AFA3}"/>
+              </a:ext>
+            </a:extLst>
+          </p:cNvPr>
+          <p:cNvSpPr txBox="1"/>
+          <p:nvPr/>
+        </p:nvSpPr>
+        <p:spPr>
+          <a:xfrm>
+            <a:off x="4872250" y="723330"/>
+            <a:ext cx="2040341" cy="707886"/>
+          </a:xfrm>
+          <a:prstGeom prst="rect">
+            <a:avLst/>
+          </a:prstGeom>
+          <a:noFill/>
+        </p:spPr>
+        <p:txBody>
+          <a:bodyPr wrap="square" rtlCol="0">
+            <a:spAutoFit/>
+          </a:bodyPr>
+          <a:lstStyle/>
+          <a:p>
+            <a:r>
+              <a:rPr lang="en-US" sz="4000" dirty="0"/>
+              <a:t>copy.py</a:t>
+            </a:r>
+            <a:endParaRPr lang="LID4096" sz="4000" dirty="0"/>
           </a:p>
         </p:txBody>
       </p:sp>
     </p:spTree>
     <p:extLst>
       <p:ext uri="{BB962C8B-B14F-4D97-AF65-F5344CB8AC3E}">
-        <p14:creationId xmlns:p14="http://schemas.microsoft.com/office/powerpoint/2010/main" val="3321664355"/>
+        <p14:creationId xmlns:p14="http://schemas.microsoft.com/office/powerpoint/2010/main" val="551992650"/>
       </p:ext>
     </p:extLst>
   </p:cSld>
@@ -4556,76 +4329,93 @@
           <a:chExt cx="0" cy="0"/>
         </a:xfrm>
       </p:grpSpPr>
-      <p:pic>
-        <p:nvPicPr>
-          <p:cNvPr id="5" name="Picture 4">
-            <a:extLst>
-              <a:ext uri="{FF2B5EF4-FFF2-40B4-BE49-F238E27FC236}">
-                <a16:creationId xmlns:a16="http://schemas.microsoft.com/office/drawing/2014/main" id="{AAE44C9A-CBF6-E9B2-1433-273F44B3A858}"/>
-              </a:ext>
-            </a:extLst>
-          </p:cNvPr>
-          <p:cNvPicPr>
-            <a:picLocks noChangeAspect="1"/>
-          </p:cNvPicPr>
-          <p:nvPr/>
-        </p:nvPicPr>
-        <p:blipFill>
-          <a:blip r:embed="rId2"/>
-          <a:stretch>
-            <a:fillRect/>
-          </a:stretch>
-        </p:blipFill>
-        <p:spPr>
-          <a:xfrm>
-            <a:off x="3853336" y="0"/>
-            <a:ext cx="4485327" cy="6858000"/>
-          </a:xfrm>
-          <a:prstGeom prst="rect">
-            <a:avLst/>
-          </a:prstGeom>
-        </p:spPr>
-      </p:pic>
-      <p:sp>
-        <p:nvSpPr>
-          <p:cNvPr id="6" name="TextBox 5">
-            <a:extLst>
-              <a:ext uri="{FF2B5EF4-FFF2-40B4-BE49-F238E27FC236}">
-                <a16:creationId xmlns:a16="http://schemas.microsoft.com/office/drawing/2014/main" id="{B7253701-9D9D-38FC-D5C4-7FEACC1BE763}"/>
-              </a:ext>
-            </a:extLst>
-          </p:cNvPr>
-          <p:cNvSpPr txBox="1"/>
-          <p:nvPr/>
-        </p:nvSpPr>
-        <p:spPr>
-          <a:xfrm>
-            <a:off x="504968" y="1392070"/>
-            <a:ext cx="2654490" cy="707886"/>
-          </a:xfrm>
-          <a:prstGeom prst="rect">
-            <a:avLst/>
-          </a:prstGeom>
-          <a:noFill/>
-        </p:spPr>
-        <p:txBody>
-          <a:bodyPr wrap="square" rtlCol="0">
-            <a:spAutoFit/>
-          </a:bodyPr>
-          <a:lstStyle/>
-          <a:p>
-            <a:r>
-              <a:rPr lang="en-US" sz="4000" dirty="0" err="1"/>
-              <a:t>fastcopy.c</a:t>
-            </a:r>
-            <a:endParaRPr lang="LID4096" sz="4000" dirty="0"/>
+      <p:sp>
+        <p:nvSpPr>
+          <p:cNvPr id="2" name="Title 1">
+            <a:extLst>
+              <a:ext uri="{FF2B5EF4-FFF2-40B4-BE49-F238E27FC236}">
+                <a16:creationId xmlns:a16="http://schemas.microsoft.com/office/drawing/2014/main" id="{0BF67F4E-00F9-98AA-99C8-EC0FE5BA05FE}"/>
+              </a:ext>
+            </a:extLst>
+          </p:cNvPr>
+          <p:cNvSpPr>
+            <a:spLocks noGrp="1"/>
+          </p:cNvSpPr>
+          <p:nvPr>
+            <p:ph type="title"/>
+          </p:nvPr>
+        </p:nvSpPr>
+        <p:spPr/>
+        <p:txBody>
+          <a:bodyPr/>
+          <a:lstStyle/>
+          <a:p>
+            <a:r>
+              <a:rPr lang="en-US" dirty="0"/>
+              <a:t>Correctness Verification</a:t>
+            </a:r>
+            <a:endParaRPr lang="LID4096" dirty="0"/>
+          </a:p>
+        </p:txBody>
+      </p:sp>
+      <p:sp>
+        <p:nvSpPr>
+          <p:cNvPr id="3" name="Content Placeholder 2">
+            <a:extLst>
+              <a:ext uri="{FF2B5EF4-FFF2-40B4-BE49-F238E27FC236}">
+                <a16:creationId xmlns:a16="http://schemas.microsoft.com/office/drawing/2014/main" id="{630C3059-5753-18F8-0905-7D9D5DB398AB}"/>
+              </a:ext>
+            </a:extLst>
+          </p:cNvPr>
+          <p:cNvSpPr>
+            <a:spLocks noGrp="1"/>
+          </p:cNvSpPr>
+          <p:nvPr>
+            <p:ph idx="1"/>
+          </p:nvPr>
+        </p:nvSpPr>
+        <p:spPr/>
+        <p:txBody>
+          <a:bodyPr/>
+          <a:lstStyle/>
+          <a:p>
+            <a:r>
+              <a:rPr lang="en-US" dirty="0"/>
+              <a:t>Verified </a:t>
+            </a:r>
+            <a:r>
+              <a:rPr lang="en-US" dirty="0" err="1"/>
+              <a:t>deepcopy</a:t>
+            </a:r>
+            <a:r>
+              <a:rPr lang="en-US" dirty="0"/>
+              <a:t> correctness after optimization.</a:t>
+            </a:r>
+          </a:p>
+          <a:p>
+            <a:r>
+              <a:rPr lang="en-US" dirty="0"/>
+              <a:t>Tested nested, composite, and self-referential structures.</a:t>
+            </a:r>
+          </a:p>
+          <a:p>
+            <a:r>
+              <a:rPr lang="en-US" dirty="0"/>
+              <a:t>Ensured copies are independent and structurally identical.</a:t>
+            </a:r>
+          </a:p>
+          <a:p>
+            <a:pPr marL="0" indent="0">
+              <a:buNone/>
+            </a:pPr>
+            <a:endParaRPr lang="LID4096" dirty="0"/>
           </a:p>
         </p:txBody>
       </p:sp>
     </p:spTree>
     <p:extLst>
       <p:ext uri="{BB962C8B-B14F-4D97-AF65-F5344CB8AC3E}">
-        <p14:creationId xmlns:p14="http://schemas.microsoft.com/office/powerpoint/2010/main" val="3977075156"/>
+        <p14:creationId xmlns:p14="http://schemas.microsoft.com/office/powerpoint/2010/main" val="2425690367"/>
       </p:ext>
     </p:extLst>
   </p:cSld>
@@ -4660,12 +4450,114 @@
           <a:chExt cx="0" cy="0"/>
         </a:xfrm>
       </p:grpSpPr>
+      <p:sp useBgFill="1">
+        <p:nvSpPr>
+          <p:cNvPr id="9" name="Rectangle 8">
+            <a:extLst>
+              <a:ext uri="{FF2B5EF4-FFF2-40B4-BE49-F238E27FC236}">
+                <a16:creationId xmlns:a16="http://schemas.microsoft.com/office/drawing/2014/main" id="{53F29798-D584-4792-9B62-3F5F5C36D619}"/>
+              </a:ext>
+              <a:ext uri="{C183D7F6-B498-43B3-948B-1728B52AA6E4}">
+                <adec:decorative xmlns:adec="http://schemas.microsoft.com/office/drawing/2017/decorative" val="1"/>
+              </a:ext>
+            </a:extLst>
+          </p:cNvPr>
+          <p:cNvSpPr>
+            <a:spLocks noGrp="1" noRot="1" noChangeAspect="1" noMove="1" noResize="1" noEditPoints="1" noAdjustHandles="1" noChangeArrowheads="1" noChangeShapeType="1" noTextEdit="1"/>
+          </p:cNvSpPr>
+          <p:nvPr>
+            <p:extLst>
+              <p:ext uri="{386F3935-93C4-4BCD-93E2-E3B085C9AB24}">
+                <p16:designElem xmlns:p16="http://schemas.microsoft.com/office/powerpoint/2015/main" val="1"/>
+              </p:ext>
+            </p:extLst>
+          </p:nvPr>
+        </p:nvSpPr>
+        <p:spPr>
+          <a:xfrm>
+            <a:off x="0" y="0"/>
+            <a:ext cx="12188952" cy="6858000"/>
+          </a:xfrm>
+          <a:prstGeom prst="rect">
+            <a:avLst/>
+          </a:prstGeom>
+          <a:ln>
+            <a:noFill/>
+          </a:ln>
+        </p:spPr>
+        <p:style>
+          <a:lnRef idx="2">
+            <a:schemeClr val="accent1">
+              <a:shade val="50000"/>
+            </a:schemeClr>
+          </a:lnRef>
+          <a:fillRef idx="1">
+            <a:schemeClr val="accent1"/>
+          </a:fillRef>
+          <a:effectRef idx="0">
+            <a:schemeClr val="accent1"/>
+          </a:effectRef>
+          <a:fontRef idx="minor">
+            <a:schemeClr val="lt1"/>
+          </a:fontRef>
+        </p:style>
+        <p:txBody>
+          <a:bodyPr rtlCol="0" anchor="ctr"/>
+          <a:lstStyle/>
+          <a:p>
+            <a:pPr algn="ctr"/>
+            <a:endParaRPr lang="en-US"/>
+          </a:p>
+        </p:txBody>
+      </p:sp>
+      <p:sp>
+        <p:nvSpPr>
+          <p:cNvPr id="2" name="Title 1">
+            <a:extLst>
+              <a:ext uri="{FF2B5EF4-FFF2-40B4-BE49-F238E27FC236}">
+                <a16:creationId xmlns:a16="http://schemas.microsoft.com/office/drawing/2014/main" id="{10336A7B-C5B6-6B96-A672-946D12F8AF9D}"/>
+              </a:ext>
+            </a:extLst>
+          </p:cNvPr>
+          <p:cNvSpPr>
+            <a:spLocks noGrp="1"/>
+          </p:cNvSpPr>
+          <p:nvPr>
+            <p:ph type="title"/>
+          </p:nvPr>
+        </p:nvSpPr>
+        <p:spPr>
+          <a:xfrm>
+            <a:off x="838200" y="184805"/>
+            <a:ext cx="10515600" cy="1505883"/>
+          </a:xfrm>
+        </p:spPr>
+        <p:txBody>
+          <a:bodyPr vert="horz" lIns="91440" tIns="45720" rIns="91440" bIns="45720" rtlCol="0" anchor="ctr">
+            <a:normAutofit/>
+          </a:bodyPr>
+          <a:lstStyle/>
+          <a:p>
+            <a:r>
+              <a:rPr lang="en-US" sz="5200" kern="1200">
+                <a:solidFill>
+                  <a:schemeClr val="tx1"/>
+                </a:solidFill>
+                <a:latin typeface="+mj-lt"/>
+                <a:ea typeface="+mj-ea"/>
+                <a:cs typeface="+mj-cs"/>
+              </a:rPr>
+              <a:t>Optimized Benchmark Results</a:t>
+            </a:r>
+          </a:p>
+        </p:txBody>
+      </p:sp>
       <p:pic>
         <p:nvPicPr>
-          <p:cNvPr id="5" name="Picture 4" descr="A computer screen shot of a program code&#10;&#10;AI-generated content may be incorrect.">
-            <a:extLst>
-              <a:ext uri="{FF2B5EF4-FFF2-40B4-BE49-F238E27FC236}">
-                <a16:creationId xmlns:a16="http://schemas.microsoft.com/office/drawing/2014/main" id="{075CE914-BE35-FDFC-694A-769ADD27FCFD}"/>
+          <p:cNvPr id="4" name="Picture 3" descr="A computer screen shot of a black background&#10;&#10;AI-generated content may be incorrect.">
+            <a:extLst>
+              <a:ext uri="{FF2B5EF4-FFF2-40B4-BE49-F238E27FC236}">
+                <a16:creationId xmlns:a16="http://schemas.microsoft.com/office/drawing/2014/main" id="{03BD1D76-774D-1646-E811-FD2EA2642766}"/>
               </a:ext>
             </a:extLst>
           </p:cNvPr>
@@ -4682,54 +4574,18 @@
         </p:blipFill>
         <p:spPr>
           <a:xfrm>
-            <a:off x="643467" y="1744466"/>
-            <a:ext cx="10905066" cy="4624661"/>
+            <a:off x="1230753" y="1845426"/>
+            <a:ext cx="9727440" cy="4450303"/>
           </a:xfrm>
           <a:prstGeom prst="rect">
             <a:avLst/>
           </a:prstGeom>
         </p:spPr>
       </p:pic>
-      <p:sp>
-        <p:nvSpPr>
-          <p:cNvPr id="6" name="TextBox 5">
-            <a:extLst>
-              <a:ext uri="{FF2B5EF4-FFF2-40B4-BE49-F238E27FC236}">
-                <a16:creationId xmlns:a16="http://schemas.microsoft.com/office/drawing/2014/main" id="{6F8899FC-EBF8-9B98-0D09-F090E7C5AFA3}"/>
-              </a:ext>
-            </a:extLst>
-          </p:cNvPr>
-          <p:cNvSpPr txBox="1"/>
-          <p:nvPr/>
-        </p:nvSpPr>
-        <p:spPr>
-          <a:xfrm>
-            <a:off x="4872250" y="723330"/>
-            <a:ext cx="2040341" cy="707886"/>
-          </a:xfrm>
-          <a:prstGeom prst="rect">
-            <a:avLst/>
-          </a:prstGeom>
-          <a:noFill/>
-        </p:spPr>
-        <p:txBody>
-          <a:bodyPr wrap="square" rtlCol="0">
-            <a:spAutoFit/>
-          </a:bodyPr>
-          <a:lstStyle/>
-          <a:p>
-            <a:r>
-              <a:rPr lang="en-US" sz="4000" dirty="0"/>
-              <a:t>copy.py</a:t>
-            </a:r>
-            <a:endParaRPr lang="LID4096" sz="4000" dirty="0"/>
-          </a:p>
-        </p:txBody>
-      </p:sp>
     </p:spTree>
     <p:extLst>
       <p:ext uri="{BB962C8B-B14F-4D97-AF65-F5344CB8AC3E}">
-        <p14:creationId xmlns:p14="http://schemas.microsoft.com/office/powerpoint/2010/main" val="551992650"/>
+        <p14:creationId xmlns:p14="http://schemas.microsoft.com/office/powerpoint/2010/main" val="1400402864"/>
       </p:ext>
     </p:extLst>
   </p:cSld>
@@ -4742,6 +4598,14 @@
 <file path=ppt/slides/slide15.xml><?xml version="1.0" encoding="utf-8"?>
 <p:sld xmlns:a="http://schemas.openxmlformats.org/drawingml/2006/main" xmlns:r="http://schemas.openxmlformats.org/officeDocument/2006/relationships" xmlns:p="http://schemas.openxmlformats.org/presentationml/2006/main">
   <p:cSld>
+    <p:bg>
+      <p:bgPr>
+        <a:solidFill>
+          <a:schemeClr val="bg1"/>
+        </a:solidFill>
+        <a:effectLst/>
+      </p:bgPr>
+    </p:bg>
     <p:spTree>
       <p:nvGrpSpPr>
         <p:cNvPr id="1" name=""/>
@@ -4756,93 +4620,40 @@
           <a:chExt cx="0" cy="0"/>
         </a:xfrm>
       </p:grpSpPr>
-      <p:sp>
-        <p:nvSpPr>
-          <p:cNvPr id="2" name="Title 1">
-            <a:extLst>
-              <a:ext uri="{FF2B5EF4-FFF2-40B4-BE49-F238E27FC236}">
-                <a16:creationId xmlns:a16="http://schemas.microsoft.com/office/drawing/2014/main" id="{0BF67F4E-00F9-98AA-99C8-EC0FE5BA05FE}"/>
-              </a:ext>
-            </a:extLst>
-          </p:cNvPr>
-          <p:cNvSpPr>
-            <a:spLocks noGrp="1"/>
-          </p:cNvSpPr>
-          <p:nvPr>
-            <p:ph type="title"/>
-          </p:nvPr>
-        </p:nvSpPr>
-        <p:spPr/>
-        <p:txBody>
-          <a:bodyPr/>
-          <a:lstStyle/>
-          <a:p>
-            <a:r>
-              <a:rPr lang="en-US" dirty="0"/>
-              <a:t>Correctness Verification</a:t>
-            </a:r>
-            <a:endParaRPr lang="LID4096" dirty="0"/>
-          </a:p>
-        </p:txBody>
-      </p:sp>
-      <p:sp>
-        <p:nvSpPr>
-          <p:cNvPr id="3" name="Content Placeholder 2">
-            <a:extLst>
-              <a:ext uri="{FF2B5EF4-FFF2-40B4-BE49-F238E27FC236}">
-                <a16:creationId xmlns:a16="http://schemas.microsoft.com/office/drawing/2014/main" id="{630C3059-5753-18F8-0905-7D9D5DB398AB}"/>
-              </a:ext>
-            </a:extLst>
-          </p:cNvPr>
-          <p:cNvSpPr>
-            <a:spLocks noGrp="1"/>
-          </p:cNvSpPr>
-          <p:nvPr>
-            <p:ph idx="1"/>
-          </p:nvPr>
-        </p:nvSpPr>
-        <p:spPr/>
-        <p:txBody>
-          <a:bodyPr/>
-          <a:lstStyle/>
-          <a:p>
-            <a:r>
-              <a:rPr lang="en-US" dirty="0"/>
-              <a:t>Verified </a:t>
-            </a:r>
-            <a:r>
-              <a:rPr lang="en-US" dirty="0" err="1"/>
-              <a:t>deepcopy</a:t>
-            </a:r>
-            <a:r>
-              <a:rPr lang="en-US" dirty="0"/>
-              <a:t> correctness after optimization.</a:t>
-            </a:r>
-          </a:p>
-          <a:p>
-            <a:r>
-              <a:rPr lang="en-US" dirty="0"/>
-              <a:t>Tested nested, composite, and self-referential structures.</a:t>
-            </a:r>
-          </a:p>
-          <a:p>
-            <a:r>
-              <a:rPr lang="en-US" dirty="0"/>
-              <a:t>Ensured copies are independent and structurally identical.</a:t>
-            </a:r>
-          </a:p>
-          <a:p>
-            <a:pPr marL="0" indent="0">
-              <a:buNone/>
-            </a:pPr>
-            <a:endParaRPr lang="LID4096" dirty="0"/>
-          </a:p>
-        </p:txBody>
-      </p:sp>
+      <p:pic>
+        <p:nvPicPr>
+          <p:cNvPr id="3" name="Picture 2">
+            <a:extLst>
+              <a:ext uri="{FF2B5EF4-FFF2-40B4-BE49-F238E27FC236}">
+                <a16:creationId xmlns:a16="http://schemas.microsoft.com/office/drawing/2014/main" id="{45DE95A5-CBE3-60E0-FE8E-AE0860F0C3B2}"/>
+              </a:ext>
+            </a:extLst>
+          </p:cNvPr>
+          <p:cNvPicPr>
+            <a:picLocks noChangeAspect="1"/>
+          </p:cNvPicPr>
+          <p:nvPr/>
+        </p:nvPicPr>
+        <p:blipFill>
+          <a:blip r:embed="rId2"/>
+          <a:stretch>
+            <a:fillRect/>
+          </a:stretch>
+        </p:blipFill>
+        <p:spPr>
+          <a:xfrm>
+            <a:off x="406021" y="1817358"/>
+            <a:ext cx="11379958" cy="2882090"/>
+          </a:xfrm>
+          <a:prstGeom prst="rect">
+            <a:avLst/>
+          </a:prstGeom>
+        </p:spPr>
+      </p:pic>
     </p:spTree>
     <p:extLst>
       <p:ext uri="{BB962C8B-B14F-4D97-AF65-F5344CB8AC3E}">
-        <p14:creationId xmlns:p14="http://schemas.microsoft.com/office/powerpoint/2010/main" val="2425690367"/>
+        <p14:creationId xmlns:p14="http://schemas.microsoft.com/office/powerpoint/2010/main" val="3164854576"/>
       </p:ext>
     </p:extLst>
   </p:cSld>
@@ -4874,7 +4685,7 @@
           <p:cNvPr id="2" name="Title 1">
             <a:extLst>
               <a:ext uri="{FF2B5EF4-FFF2-40B4-BE49-F238E27FC236}">
-                <a16:creationId xmlns:a16="http://schemas.microsoft.com/office/drawing/2014/main" id="{10336A7B-C5B6-6B96-A672-946D12F8AF9D}"/>
+                <a16:creationId xmlns:a16="http://schemas.microsoft.com/office/drawing/2014/main" id="{AF2A6CCD-BFEB-BCE9-AA71-894E5D857B22}"/>
               </a:ext>
             </a:extLst>
           </p:cNvPr>
@@ -4892,46 +4703,85 @@
           <a:p>
             <a:r>
               <a:rPr lang="en-US" dirty="0"/>
-              <a:t>Optimized Benchmark Results</a:t>
+              <a:t>Performance Comparison</a:t>
             </a:r>
             <a:endParaRPr lang="LID4096" dirty="0"/>
           </a:p>
         </p:txBody>
       </p:sp>
-      <p:pic>
-        <p:nvPicPr>
-          <p:cNvPr id="5" name="Picture 4">
-            <a:extLst>
-              <a:ext uri="{FF2B5EF4-FFF2-40B4-BE49-F238E27FC236}">
-                <a16:creationId xmlns:a16="http://schemas.microsoft.com/office/drawing/2014/main" id="{F10997DE-8133-D58A-5CA2-DC3B8E7F1F8C}"/>
-              </a:ext>
-            </a:extLst>
-          </p:cNvPr>
-          <p:cNvPicPr>
-            <a:picLocks noChangeAspect="1"/>
-          </p:cNvPicPr>
-          <p:nvPr/>
-        </p:nvPicPr>
-        <p:blipFill>
-          <a:blip r:embed="rId2"/>
-          <a:stretch>
-            <a:fillRect/>
-          </a:stretch>
-        </p:blipFill>
-        <p:spPr>
-          <a:xfrm>
-            <a:off x="1166124" y="2177435"/>
-            <a:ext cx="9859751" cy="2353003"/>
-          </a:xfrm>
-          <a:prstGeom prst="rect">
-            <a:avLst/>
-          </a:prstGeom>
-        </p:spPr>
-      </p:pic>
+      <p:sp>
+        <p:nvSpPr>
+          <p:cNvPr id="3" name="Content Placeholder 2">
+            <a:extLst>
+              <a:ext uri="{FF2B5EF4-FFF2-40B4-BE49-F238E27FC236}">
+                <a16:creationId xmlns:a16="http://schemas.microsoft.com/office/drawing/2014/main" id="{760F53DF-A384-E1D6-C22E-BC32937BDDCE}"/>
+              </a:ext>
+            </a:extLst>
+          </p:cNvPr>
+          <p:cNvSpPr>
+            <a:spLocks noGrp="1"/>
+          </p:cNvSpPr>
+          <p:nvPr>
+            <p:ph idx="1"/>
+          </p:nvPr>
+        </p:nvSpPr>
+        <p:spPr/>
+        <p:txBody>
+          <a:bodyPr/>
+          <a:lstStyle/>
+          <a:p>
+            <a:r>
+              <a:rPr lang="en-US" b="1" dirty="0"/>
+              <a:t>6.24% speedup</a:t>
+            </a:r>
+            <a:r>
+              <a:rPr lang="en-US" dirty="0"/>
+              <a:t> (845.3 → 792.5 µs).</a:t>
+            </a:r>
+          </a:p>
+          <a:p>
+            <a:r>
+              <a:rPr lang="en-US" dirty="0"/>
+              <a:t>Executed </a:t>
+            </a:r>
+            <a:r>
+              <a:rPr lang="en-US" b="1" dirty="0"/>
+              <a:t>~14% fewer instructions</a:t>
+            </a:r>
+            <a:r>
+              <a:rPr lang="en-US" dirty="0"/>
+              <a:t>, indicating lower CPU workload.</a:t>
+            </a:r>
+          </a:p>
+          <a:p>
+            <a:r>
+              <a:rPr lang="en-US" b="1" dirty="0"/>
+              <a:t>Cache-miss rate improved by ~11%</a:t>
+            </a:r>
+            <a:r>
+              <a:rPr lang="en-US" dirty="0"/>
+              <a:t>, showing better data locality at the C level.</a:t>
+            </a:r>
+          </a:p>
+          <a:p>
+            <a:r>
+              <a:rPr lang="en-US" dirty="0"/>
+              <a:t>Branch-miss rate remained nearly unchanged.</a:t>
+            </a:r>
+          </a:p>
+          <a:p>
+            <a:r>
+              <a:rPr lang="en-US"/>
+              <a:t>The performance gain mainly results from reduced interpreter loops and more predictable, cache-friendly C-level code paths.</a:t>
+            </a:r>
+            <a:endParaRPr lang="en-US" dirty="0"/>
+          </a:p>
+        </p:txBody>
+      </p:sp>
     </p:spTree>
     <p:extLst>
       <p:ext uri="{BB962C8B-B14F-4D97-AF65-F5344CB8AC3E}">
-        <p14:creationId xmlns:p14="http://schemas.microsoft.com/office/powerpoint/2010/main" val="1400402864"/>
+        <p14:creationId xmlns:p14="http://schemas.microsoft.com/office/powerpoint/2010/main" val="3468369045"/>
       </p:ext>
     </p:extLst>
   </p:cSld>
@@ -4968,10 +4818,10 @@
       </p:grpSpPr>
       <p:pic>
         <p:nvPicPr>
-          <p:cNvPr id="5" name="Picture 4" descr="A screenshot of a computer&#10;&#10;AI-generated content may be incorrect.">
-            <a:extLst>
-              <a:ext uri="{FF2B5EF4-FFF2-40B4-BE49-F238E27FC236}">
-                <a16:creationId xmlns:a16="http://schemas.microsoft.com/office/drawing/2014/main" id="{8D93DC9B-7386-5B3D-6710-A454B8DE18CC}"/>
+          <p:cNvPr id="5" name="Picture 4" descr="A screen shot of a video game&#10;&#10;AI-generated content may be incorrect.">
+            <a:extLst>
+              <a:ext uri="{FF2B5EF4-FFF2-40B4-BE49-F238E27FC236}">
+                <a16:creationId xmlns:a16="http://schemas.microsoft.com/office/drawing/2014/main" id="{46F7DDFE-319F-39A4-2ECD-AF08753C81EF}"/>
               </a:ext>
             </a:extLst>
           </p:cNvPr>
@@ -4988,8 +4838,8 @@
         </p:blipFill>
         <p:spPr>
           <a:xfrm>
-            <a:off x="643467" y="1508078"/>
-            <a:ext cx="10905066" cy="3665731"/>
+            <a:off x="643467" y="2011341"/>
+            <a:ext cx="10905066" cy="2835316"/>
           </a:xfrm>
           <a:prstGeom prst="rect">
             <a:avLst/>
@@ -4999,7 +4849,7 @@
     </p:spTree>
     <p:extLst>
       <p:ext uri="{BB962C8B-B14F-4D97-AF65-F5344CB8AC3E}">
-        <p14:creationId xmlns:p14="http://schemas.microsoft.com/office/powerpoint/2010/main" val="3164854576"/>
+        <p14:creationId xmlns:p14="http://schemas.microsoft.com/office/powerpoint/2010/main" val="3807376113"/>
       </p:ext>
     </p:extLst>
   </p:cSld>
@@ -5031,7 +4881,7 @@
           <p:cNvPr id="2" name="Title 1">
             <a:extLst>
               <a:ext uri="{FF2B5EF4-FFF2-40B4-BE49-F238E27FC236}">
-                <a16:creationId xmlns:a16="http://schemas.microsoft.com/office/drawing/2014/main" id="{AF2A6CCD-BFEB-BCE9-AA71-894E5D857B22}"/>
+                <a16:creationId xmlns:a16="http://schemas.microsoft.com/office/drawing/2014/main" id="{34EA5D7A-CCB5-2A21-B875-A21AA28684A3}"/>
               </a:ext>
             </a:extLst>
           </p:cNvPr>
@@ -5049,7 +4899,7 @@
           <a:p>
             <a:r>
               <a:rPr lang="en-US" dirty="0"/>
-              <a:t>Performance Comparison</a:t>
+              <a:t>Hardware Acceleration Proposal</a:t>
             </a:r>
             <a:endParaRPr lang="LID4096" dirty="0"/>
           </a:p>
@@ -5060,7 +4910,7 @@
           <p:cNvPr id="3" name="Content Placeholder 2">
             <a:extLst>
               <a:ext uri="{FF2B5EF4-FFF2-40B4-BE49-F238E27FC236}">
-                <a16:creationId xmlns:a16="http://schemas.microsoft.com/office/drawing/2014/main" id="{760F53DF-A384-E1D6-C22E-BC32937BDDCE}"/>
+                <a16:creationId xmlns:a16="http://schemas.microsoft.com/office/drawing/2014/main" id="{252FA25E-5545-DBE4-CF02-9AB62C792B7E}"/>
               </a:ext>
             </a:extLst>
           </p:cNvPr>
@@ -5077,46 +4927,52 @@
           <a:lstStyle/>
           <a:p>
             <a:r>
-              <a:rPr lang="en-US" dirty="0"/>
-              <a:t>Optimized version achieved a better data locality.</a:t>
-            </a:r>
-          </a:p>
-          <a:p>
+              <a:rPr lang="en-US" dirty="0" err="1"/>
+              <a:t>FastCopy</a:t>
+            </a:r>
+            <a:r>
+              <a:rPr lang="en-US" dirty="0"/>
+              <a:t> Hardware Accelerator (</a:t>
+            </a:r>
             <a:r>
               <a:rPr lang="en-US" b="1" dirty="0"/>
-              <a:t>5.73% speedup</a:t>
-            </a:r>
-            <a:r>
-              <a:rPr lang="en-US" dirty="0"/>
-              <a:t> (845.9 → 794.4 µs).</a:t>
-            </a:r>
-          </a:p>
-          <a:p>
-            <a:r>
-              <a:rPr lang="en-US" dirty="0"/>
-              <a:t>Executed </a:t>
+              <a:t>FCA</a:t>
+            </a:r>
+            <a:r>
+              <a:rPr lang="en-US" dirty="0"/>
+              <a:t>)</a:t>
+            </a:r>
+          </a:p>
+          <a:p>
+            <a:r>
+              <a:rPr lang="en-US" dirty="0"/>
+              <a:t>Offloads recursive deep copy operations from software to hardware.</a:t>
+            </a:r>
+          </a:p>
+          <a:p>
+            <a:r>
+              <a:rPr lang="en-US" dirty="0"/>
+              <a:t>Uses </a:t>
             </a:r>
             <a:r>
               <a:rPr lang="en-US" b="1" dirty="0"/>
-              <a:t>~14% fewer instructions</a:t>
-            </a:r>
-            <a:r>
-              <a:rPr lang="en-US" dirty="0"/>
-              <a:t> and </a:t>
-            </a:r>
-            <a:r>
-              <a:rPr lang="en-US" b="1" dirty="0"/>
-              <a:t>~13% fewer branch misses</a:t>
-            </a:r>
-            <a:r>
-              <a:rPr lang="en-US" dirty="0"/>
-              <a:t>.</a:t>
-            </a:r>
-          </a:p>
-          <a:p>
-            <a:r>
-              <a:rPr lang="en-US" dirty="0"/>
-              <a:t>Reduced branching and improved cache locality due to predictable C-level loops.</a:t>
+              <a:t>DMA and descriptor-based traversal</a:t>
+            </a:r>
+            <a:r>
+              <a:rPr lang="en-US" dirty="0"/>
+              <a:t> for parallel memory copying.</a:t>
+            </a:r>
+          </a:p>
+          <a:p>
+            <a:r>
+              <a:rPr lang="en-US" dirty="0"/>
+              <a:t>Benefits: lower latency, reduced CPU load, and higher throughput.</a:t>
+            </a:r>
+          </a:p>
+          <a:p>
+            <a:r>
+              <a:rPr lang="en-US" dirty="0"/>
+              <a:t>Trade-offs: added hardware complexity and power consumption.</a:t>
             </a:r>
             <a:endParaRPr lang="LID4096" dirty="0"/>
           </a:p>
@@ -5125,7 +4981,7 @@
     </p:spTree>
     <p:extLst>
       <p:ext uri="{BB962C8B-B14F-4D97-AF65-F5344CB8AC3E}">
-        <p14:creationId xmlns:p14="http://schemas.microsoft.com/office/powerpoint/2010/main" val="3468369045"/>
+        <p14:creationId xmlns:p14="http://schemas.microsoft.com/office/powerpoint/2010/main" val="2775547404"/>
       </p:ext>
     </p:extLst>
   </p:cSld>
@@ -5160,290 +5016,6 @@
           <a:chExt cx="0" cy="0"/>
         </a:xfrm>
       </p:grpSpPr>
-      <p:pic>
-        <p:nvPicPr>
-          <p:cNvPr id="5" name="Picture 4" descr="A screen shot of a video game&#10;&#10;AI-generated content may be incorrect.">
-            <a:extLst>
-              <a:ext uri="{FF2B5EF4-FFF2-40B4-BE49-F238E27FC236}">
-                <a16:creationId xmlns:a16="http://schemas.microsoft.com/office/drawing/2014/main" id="{46F7DDFE-319F-39A4-2ECD-AF08753C81EF}"/>
-              </a:ext>
-            </a:extLst>
-          </p:cNvPr>
-          <p:cNvPicPr>
-            <a:picLocks noChangeAspect="1"/>
-          </p:cNvPicPr>
-          <p:nvPr/>
-        </p:nvPicPr>
-        <p:blipFill>
-          <a:blip r:embed="rId2"/>
-          <a:stretch>
-            <a:fillRect/>
-          </a:stretch>
-        </p:blipFill>
-        <p:spPr>
-          <a:xfrm>
-            <a:off x="643467" y="2011341"/>
-            <a:ext cx="10905066" cy="2835316"/>
-          </a:xfrm>
-          <a:prstGeom prst="rect">
-            <a:avLst/>
-          </a:prstGeom>
-        </p:spPr>
-      </p:pic>
-    </p:spTree>
-    <p:extLst>
-      <p:ext uri="{BB962C8B-B14F-4D97-AF65-F5344CB8AC3E}">
-        <p14:creationId xmlns:p14="http://schemas.microsoft.com/office/powerpoint/2010/main" val="3807376113"/>
-      </p:ext>
-    </p:extLst>
-  </p:cSld>
-  <p:clrMapOvr>
-    <a:masterClrMapping/>
-  </p:clrMapOvr>
-</p:sld>
-</file>
-
-<file path=ppt/slides/slide2.xml><?xml version="1.0" encoding="utf-8"?>
-<p:sld xmlns:a="http://schemas.openxmlformats.org/drawingml/2006/main" xmlns:r="http://schemas.openxmlformats.org/officeDocument/2006/relationships" xmlns:p="http://schemas.openxmlformats.org/presentationml/2006/main">
-  <p:cSld>
-    <p:spTree>
-      <p:nvGrpSpPr>
-        <p:cNvPr id="1" name=""/>
-        <p:cNvGrpSpPr/>
-        <p:nvPr/>
-      </p:nvGrpSpPr>
-      <p:grpSpPr>
-        <a:xfrm>
-          <a:off x="0" y="0"/>
-          <a:ext cx="0" cy="0"/>
-          <a:chOff x="0" y="0"/>
-          <a:chExt cx="0" cy="0"/>
-        </a:xfrm>
-      </p:grpSpPr>
-      <p:sp>
-        <p:nvSpPr>
-          <p:cNvPr id="4" name="Title 1">
-            <a:extLst>
-              <a:ext uri="{FF2B5EF4-FFF2-40B4-BE49-F238E27FC236}">
-                <a16:creationId xmlns:a16="http://schemas.microsoft.com/office/drawing/2014/main" id="{641CA312-256E-AA79-DF41-13E0E8B6581A}"/>
-              </a:ext>
-            </a:extLst>
-          </p:cNvPr>
-          <p:cNvSpPr txBox="1">
-            <a:spLocks/>
-          </p:cNvSpPr>
-          <p:nvPr/>
-        </p:nvSpPr>
-        <p:spPr>
-          <a:xfrm>
-            <a:off x="3314700" y="2369261"/>
-            <a:ext cx="5413044" cy="1752600"/>
-          </a:xfrm>
-          <a:prstGeom prst="rect">
-            <a:avLst/>
-          </a:prstGeom>
-        </p:spPr>
-        <p:txBody>
-          <a:bodyPr vert="horz" lIns="91440" tIns="45720" rIns="91440" bIns="45720" rtlCol="0" anchor="ctr">
-            <a:noAutofit/>
-          </a:bodyPr>
-          <a:lstStyle>
-            <a:lvl1pPr algn="l" defTabSz="914400" rtl="0" eaLnBrk="1" latinLnBrk="0" hangingPunct="1">
-              <a:lnSpc>
-                <a:spcPct val="90000"/>
-              </a:lnSpc>
-              <a:spcBef>
-                <a:spcPct val="0"/>
-              </a:spcBef>
-              <a:buNone/>
-              <a:defRPr sz="4400" kern="1200">
-                <a:solidFill>
-                  <a:schemeClr val="tx1"/>
-                </a:solidFill>
-                <a:latin typeface="+mj-lt"/>
-                <a:ea typeface="+mj-ea"/>
-                <a:cs typeface="+mj-cs"/>
-              </a:defRPr>
-            </a:lvl1pPr>
-          </a:lstStyle>
-          <a:p>
-            <a:r>
-              <a:rPr lang="en-US" dirty="0"/>
-              <a:t>Deep Copy Benchmark</a:t>
-            </a:r>
-          </a:p>
-        </p:txBody>
-      </p:sp>
-    </p:spTree>
-    <p:extLst>
-      <p:ext uri="{BB962C8B-B14F-4D97-AF65-F5344CB8AC3E}">
-        <p14:creationId xmlns:p14="http://schemas.microsoft.com/office/powerpoint/2010/main" val="4089230360"/>
-      </p:ext>
-    </p:extLst>
-  </p:cSld>
-  <p:clrMapOvr>
-    <a:masterClrMapping/>
-  </p:clrMapOvr>
-</p:sld>
-</file>
-
-<file path=ppt/slides/slide20.xml><?xml version="1.0" encoding="utf-8"?>
-<p:sld xmlns:a="http://schemas.openxmlformats.org/drawingml/2006/main" xmlns:r="http://schemas.openxmlformats.org/officeDocument/2006/relationships" xmlns:p="http://schemas.openxmlformats.org/presentationml/2006/main">
-  <p:cSld>
-    <p:spTree>
-      <p:nvGrpSpPr>
-        <p:cNvPr id="1" name=""/>
-        <p:cNvGrpSpPr/>
-        <p:nvPr/>
-      </p:nvGrpSpPr>
-      <p:grpSpPr>
-        <a:xfrm>
-          <a:off x="0" y="0"/>
-          <a:ext cx="0" cy="0"/>
-          <a:chOff x="0" y="0"/>
-          <a:chExt cx="0" cy="0"/>
-        </a:xfrm>
-      </p:grpSpPr>
-      <p:sp>
-        <p:nvSpPr>
-          <p:cNvPr id="2" name="Title 1">
-            <a:extLst>
-              <a:ext uri="{FF2B5EF4-FFF2-40B4-BE49-F238E27FC236}">
-                <a16:creationId xmlns:a16="http://schemas.microsoft.com/office/drawing/2014/main" id="{34EA5D7A-CCB5-2A21-B875-A21AA28684A3}"/>
-              </a:ext>
-            </a:extLst>
-          </p:cNvPr>
-          <p:cNvSpPr>
-            <a:spLocks noGrp="1"/>
-          </p:cNvSpPr>
-          <p:nvPr>
-            <p:ph type="title"/>
-          </p:nvPr>
-        </p:nvSpPr>
-        <p:spPr/>
-        <p:txBody>
-          <a:bodyPr/>
-          <a:lstStyle/>
-          <a:p>
-            <a:r>
-              <a:rPr lang="en-US" dirty="0"/>
-              <a:t>Hardware Acceleration Proposal</a:t>
-            </a:r>
-            <a:endParaRPr lang="LID4096" dirty="0"/>
-          </a:p>
-        </p:txBody>
-      </p:sp>
-      <p:sp>
-        <p:nvSpPr>
-          <p:cNvPr id="3" name="Content Placeholder 2">
-            <a:extLst>
-              <a:ext uri="{FF2B5EF4-FFF2-40B4-BE49-F238E27FC236}">
-                <a16:creationId xmlns:a16="http://schemas.microsoft.com/office/drawing/2014/main" id="{252FA25E-5545-DBE4-CF02-9AB62C792B7E}"/>
-              </a:ext>
-            </a:extLst>
-          </p:cNvPr>
-          <p:cNvSpPr>
-            <a:spLocks noGrp="1"/>
-          </p:cNvSpPr>
-          <p:nvPr>
-            <p:ph idx="1"/>
-          </p:nvPr>
-        </p:nvSpPr>
-        <p:spPr/>
-        <p:txBody>
-          <a:bodyPr/>
-          <a:lstStyle/>
-          <a:p>
-            <a:r>
-              <a:rPr lang="en-US" dirty="0" err="1"/>
-              <a:t>FastCopy</a:t>
-            </a:r>
-            <a:r>
-              <a:rPr lang="en-US" dirty="0"/>
-              <a:t> Hardware Accelerator (</a:t>
-            </a:r>
-            <a:r>
-              <a:rPr lang="en-US" b="1" dirty="0"/>
-              <a:t>FCA</a:t>
-            </a:r>
-            <a:r>
-              <a:rPr lang="en-US" dirty="0"/>
-              <a:t>)</a:t>
-            </a:r>
-          </a:p>
-          <a:p>
-            <a:r>
-              <a:rPr lang="en-US" dirty="0"/>
-              <a:t>Offloads recursive deep copy operations from software to hardware.</a:t>
-            </a:r>
-          </a:p>
-          <a:p>
-            <a:r>
-              <a:rPr lang="en-US" dirty="0"/>
-              <a:t>Uses </a:t>
-            </a:r>
-            <a:r>
-              <a:rPr lang="en-US" b="1" dirty="0"/>
-              <a:t>DMA and descriptor-based traversal</a:t>
-            </a:r>
-            <a:r>
-              <a:rPr lang="en-US" dirty="0"/>
-              <a:t> for parallel memory copying.</a:t>
-            </a:r>
-          </a:p>
-          <a:p>
-            <a:r>
-              <a:rPr lang="en-US" dirty="0"/>
-              <a:t>Benefits: lower latency, reduced CPU load, and higher throughput.</a:t>
-            </a:r>
-          </a:p>
-          <a:p>
-            <a:r>
-              <a:rPr lang="en-US" dirty="0"/>
-              <a:t>Trade-offs: added hardware complexity and power consumption.</a:t>
-            </a:r>
-            <a:endParaRPr lang="LID4096" dirty="0"/>
-          </a:p>
-        </p:txBody>
-      </p:sp>
-    </p:spTree>
-    <p:extLst>
-      <p:ext uri="{BB962C8B-B14F-4D97-AF65-F5344CB8AC3E}">
-        <p14:creationId xmlns:p14="http://schemas.microsoft.com/office/powerpoint/2010/main" val="2775547404"/>
-      </p:ext>
-    </p:extLst>
-  </p:cSld>
-  <p:clrMapOvr>
-    <a:masterClrMapping/>
-  </p:clrMapOvr>
-</p:sld>
-</file>
-
-<file path=ppt/slides/slide21.xml><?xml version="1.0" encoding="utf-8"?>
-<p:sld xmlns:a="http://schemas.openxmlformats.org/drawingml/2006/main" xmlns:r="http://schemas.openxmlformats.org/officeDocument/2006/relationships" xmlns:p="http://schemas.openxmlformats.org/presentationml/2006/main">
-  <p:cSld>
-    <p:bg>
-      <p:bgPr>
-        <a:solidFill>
-          <a:schemeClr val="bg1"/>
-        </a:solidFill>
-        <a:effectLst/>
-      </p:bgPr>
-    </p:bg>
-    <p:spTree>
-      <p:nvGrpSpPr>
-        <p:cNvPr id="1" name=""/>
-        <p:cNvGrpSpPr/>
-        <p:nvPr/>
-      </p:nvGrpSpPr>
-      <p:grpSpPr>
-        <a:xfrm>
-          <a:off x="0" y="0"/>
-          <a:ext cx="0" cy="0"/>
-          <a:chOff x="0" y="0"/>
-          <a:chExt cx="0" cy="0"/>
-        </a:xfrm>
-      </p:grpSpPr>
       <p:sp useBgFill="1">
         <p:nvSpPr>
           <p:cNvPr id="12" name="Rectangle 11">
@@ -5589,7 +5161,91 @@
 </p:sld>
 </file>
 
-<file path=ppt/slides/slide22.xml><?xml version="1.0" encoding="utf-8"?>
+<file path=ppt/slides/slide2.xml><?xml version="1.0" encoding="utf-8"?>
+<p:sld xmlns:a="http://schemas.openxmlformats.org/drawingml/2006/main" xmlns:r="http://schemas.openxmlformats.org/officeDocument/2006/relationships" xmlns:p="http://schemas.openxmlformats.org/presentationml/2006/main">
+  <p:cSld>
+    <p:spTree>
+      <p:nvGrpSpPr>
+        <p:cNvPr id="1" name=""/>
+        <p:cNvGrpSpPr/>
+        <p:nvPr/>
+      </p:nvGrpSpPr>
+      <p:grpSpPr>
+        <a:xfrm>
+          <a:off x="0" y="0"/>
+          <a:ext cx="0" cy="0"/>
+          <a:chOff x="0" y="0"/>
+          <a:chExt cx="0" cy="0"/>
+        </a:xfrm>
+      </p:grpSpPr>
+      <p:sp>
+        <p:nvSpPr>
+          <p:cNvPr id="4" name="Title 1">
+            <a:extLst>
+              <a:ext uri="{FF2B5EF4-FFF2-40B4-BE49-F238E27FC236}">
+                <a16:creationId xmlns:a16="http://schemas.microsoft.com/office/drawing/2014/main" id="{641CA312-256E-AA79-DF41-13E0E8B6581A}"/>
+              </a:ext>
+            </a:extLst>
+          </p:cNvPr>
+          <p:cNvSpPr txBox="1">
+            <a:spLocks/>
+          </p:cNvSpPr>
+          <p:nvPr/>
+        </p:nvSpPr>
+        <p:spPr>
+          <a:xfrm>
+            <a:off x="3314700" y="2369261"/>
+            <a:ext cx="5413044" cy="1752600"/>
+          </a:xfrm>
+          <a:prstGeom prst="rect">
+            <a:avLst/>
+          </a:prstGeom>
+        </p:spPr>
+        <p:txBody>
+          <a:bodyPr vert="horz" lIns="91440" tIns="45720" rIns="91440" bIns="45720" rtlCol="0" anchor="ctr">
+            <a:noAutofit/>
+          </a:bodyPr>
+          <a:lstStyle>
+            <a:lvl1pPr algn="l" defTabSz="914400" rtl="0" eaLnBrk="1" latinLnBrk="0" hangingPunct="1">
+              <a:lnSpc>
+                <a:spcPct val="90000"/>
+              </a:lnSpc>
+              <a:spcBef>
+                <a:spcPct val="0"/>
+              </a:spcBef>
+              <a:buNone/>
+              <a:defRPr sz="4400" kern="1200">
+                <a:solidFill>
+                  <a:schemeClr val="tx1"/>
+                </a:solidFill>
+                <a:latin typeface="+mj-lt"/>
+                <a:ea typeface="+mj-ea"/>
+                <a:cs typeface="+mj-cs"/>
+              </a:defRPr>
+            </a:lvl1pPr>
+          </a:lstStyle>
+          <a:p>
+            <a:r>
+              <a:rPr lang="en-US" dirty="0"/>
+              <a:t>Deep Copy Benchmark</a:t>
+            </a:r>
+          </a:p>
+        </p:txBody>
+      </p:sp>
+    </p:spTree>
+    <p:extLst>
+      <p:ext uri="{BB962C8B-B14F-4D97-AF65-F5344CB8AC3E}">
+        <p14:creationId xmlns:p14="http://schemas.microsoft.com/office/powerpoint/2010/main" val="4089230360"/>
+      </p:ext>
+    </p:extLst>
+  </p:cSld>
+  <p:clrMapOvr>
+    <a:masterClrMapping/>
+  </p:clrMapOvr>
+</p:sld>
+</file>
+
+<file path=ppt/slides/slide20.xml><?xml version="1.0" encoding="utf-8"?>
 <p:sld xmlns:a="http://schemas.openxmlformats.org/drawingml/2006/main" xmlns:r="http://schemas.openxmlformats.org/officeDocument/2006/relationships" xmlns:p="http://schemas.openxmlformats.org/presentationml/2006/main">
   <p:cSld>
     <p:spTree>
@@ -5938,7 +5594,7 @@
         </p:blipFill>
         <p:spPr>
           <a:xfrm>
-            <a:off x="449012" y="2462027"/>
+            <a:off x="476307" y="1690688"/>
             <a:ext cx="10700072" cy="2067443"/>
           </a:xfrm>
           <a:prstGeom prst="rect">
@@ -5960,7 +5616,7 @@
         </p:nvSpPr>
         <p:spPr>
           <a:xfrm>
-            <a:off x="3323229" y="2361062"/>
+            <a:off x="3350524" y="1589723"/>
             <a:ext cx="5752532" cy="2224585"/>
           </a:xfrm>
           <a:prstGeom prst="rect">
@@ -6007,7 +5663,7 @@
         </p:nvSpPr>
         <p:spPr>
           <a:xfrm>
-            <a:off x="3376570" y="2361062"/>
+            <a:off x="3403865" y="1589723"/>
             <a:ext cx="2088108" cy="369332"/>
           </a:xfrm>
           <a:prstGeom prst="rect">
@@ -6029,6 +5685,66 @@
           </a:p>
         </p:txBody>
       </p:sp>
+      <p:pic>
+        <p:nvPicPr>
+          <p:cNvPr id="3" name="Picture 2">
+            <a:extLst>
+              <a:ext uri="{FF2B5EF4-FFF2-40B4-BE49-F238E27FC236}">
+                <a16:creationId xmlns:a16="http://schemas.microsoft.com/office/drawing/2014/main" id="{47F788B3-0673-2F3F-99D4-39BD14403C3D}"/>
+              </a:ext>
+            </a:extLst>
+          </p:cNvPr>
+          <p:cNvPicPr>
+            <a:picLocks noChangeAspect="1"/>
+          </p:cNvPicPr>
+          <p:nvPr/>
+        </p:nvPicPr>
+        <p:blipFill>
+          <a:blip r:embed="rId3"/>
+          <a:stretch>
+            <a:fillRect/>
+          </a:stretch>
+        </p:blipFill>
+        <p:spPr>
+          <a:xfrm>
+            <a:off x="195921" y="4675846"/>
+            <a:ext cx="6658802" cy="1341049"/>
+          </a:xfrm>
+          <a:prstGeom prst="rect">
+            <a:avLst/>
+          </a:prstGeom>
+        </p:spPr>
+      </p:pic>
+      <p:pic>
+        <p:nvPicPr>
+          <p:cNvPr id="4" name="Picture 3">
+            <a:extLst>
+              <a:ext uri="{FF2B5EF4-FFF2-40B4-BE49-F238E27FC236}">
+                <a16:creationId xmlns:a16="http://schemas.microsoft.com/office/drawing/2014/main" id="{8AD387C5-B3DF-291F-AEF6-908368CEF18D}"/>
+              </a:ext>
+            </a:extLst>
+          </p:cNvPr>
+          <p:cNvPicPr>
+            <a:picLocks noChangeAspect="1"/>
+          </p:cNvPicPr>
+          <p:nvPr/>
+        </p:nvPicPr>
+        <p:blipFill>
+          <a:blip r:embed="rId4"/>
+          <a:stretch>
+            <a:fillRect/>
+          </a:stretch>
+        </p:blipFill>
+        <p:spPr>
+          <a:xfrm>
+            <a:off x="7471852" y="4123688"/>
+            <a:ext cx="4388052" cy="2369187"/>
+          </a:xfrm>
+          <a:prstGeom prst="rect">
+            <a:avLst/>
+          </a:prstGeom>
+        </p:spPr>
+      </p:pic>
     </p:spTree>
     <p:extLst>
       <p:ext uri="{BB962C8B-B14F-4D97-AF65-F5344CB8AC3E}">
@@ -6059,126 +5775,6 @@
           <a:chExt cx="0" cy="0"/>
         </a:xfrm>
       </p:grpSpPr>
-      <p:pic>
-        <p:nvPicPr>
-          <p:cNvPr id="5" name="Picture 4">
-            <a:extLst>
-              <a:ext uri="{FF2B5EF4-FFF2-40B4-BE49-F238E27FC236}">
-                <a16:creationId xmlns:a16="http://schemas.microsoft.com/office/drawing/2014/main" id="{5DEA817A-F103-FB75-2577-F185D496DB69}"/>
-              </a:ext>
-            </a:extLst>
-          </p:cNvPr>
-          <p:cNvPicPr>
-            <a:picLocks noChangeAspect="1"/>
-          </p:cNvPicPr>
-          <p:nvPr/>
-        </p:nvPicPr>
-        <p:blipFill>
-          <a:blip r:embed="rId2"/>
-          <a:stretch>
-            <a:fillRect/>
-          </a:stretch>
-        </p:blipFill>
-        <p:spPr>
-          <a:xfrm>
-            <a:off x="632650" y="2055753"/>
-            <a:ext cx="10926700" cy="2200582"/>
-          </a:xfrm>
-          <a:prstGeom prst="rect">
-            <a:avLst/>
-          </a:prstGeom>
-        </p:spPr>
-      </p:pic>
-    </p:spTree>
-    <p:extLst>
-      <p:ext uri="{BB962C8B-B14F-4D97-AF65-F5344CB8AC3E}">
-        <p14:creationId xmlns:p14="http://schemas.microsoft.com/office/powerpoint/2010/main" val="251709718"/>
-      </p:ext>
-    </p:extLst>
-  </p:cSld>
-  <p:clrMapOvr>
-    <a:masterClrMapping/>
-  </p:clrMapOvr>
-</p:sld>
-</file>
-
-<file path=ppt/slides/slide6.xml><?xml version="1.0" encoding="utf-8"?>
-<p:sld xmlns:a="http://schemas.openxmlformats.org/drawingml/2006/main" xmlns:r="http://schemas.openxmlformats.org/officeDocument/2006/relationships" xmlns:p="http://schemas.openxmlformats.org/presentationml/2006/main">
-  <p:cSld>
-    <p:spTree>
-      <p:nvGrpSpPr>
-        <p:cNvPr id="1" name=""/>
-        <p:cNvGrpSpPr/>
-        <p:nvPr/>
-      </p:nvGrpSpPr>
-      <p:grpSpPr>
-        <a:xfrm>
-          <a:off x="0" y="0"/>
-          <a:ext cx="0" cy="0"/>
-          <a:chOff x="0" y="0"/>
-          <a:chExt cx="0" cy="0"/>
-        </a:xfrm>
-      </p:grpSpPr>
-      <p:pic>
-        <p:nvPicPr>
-          <p:cNvPr id="7" name="Picture 6">
-            <a:extLst>
-              <a:ext uri="{FF2B5EF4-FFF2-40B4-BE49-F238E27FC236}">
-                <a16:creationId xmlns:a16="http://schemas.microsoft.com/office/drawing/2014/main" id="{E5196D11-7F1F-0AB9-1CBB-CC3968460F65}"/>
-              </a:ext>
-            </a:extLst>
-          </p:cNvPr>
-          <p:cNvPicPr>
-            <a:picLocks noChangeAspect="1"/>
-          </p:cNvPicPr>
-          <p:nvPr/>
-        </p:nvPicPr>
-        <p:blipFill>
-          <a:blip r:embed="rId2"/>
-          <a:stretch>
-            <a:fillRect/>
-          </a:stretch>
-        </p:blipFill>
-        <p:spPr>
-          <a:xfrm>
-            <a:off x="395488" y="351192"/>
-            <a:ext cx="11401024" cy="6155615"/>
-          </a:xfrm>
-          <a:prstGeom prst="rect">
-            <a:avLst/>
-          </a:prstGeom>
-        </p:spPr>
-      </p:pic>
-    </p:spTree>
-    <p:extLst>
-      <p:ext uri="{BB962C8B-B14F-4D97-AF65-F5344CB8AC3E}">
-        <p14:creationId xmlns:p14="http://schemas.microsoft.com/office/powerpoint/2010/main" val="610824039"/>
-      </p:ext>
-    </p:extLst>
-  </p:cSld>
-  <p:clrMapOvr>
-    <a:masterClrMapping/>
-  </p:clrMapOvr>
-</p:sld>
-</file>
-
-<file path=ppt/slides/slide7.xml><?xml version="1.0" encoding="utf-8"?>
-<p:sld xmlns:a="http://schemas.openxmlformats.org/drawingml/2006/main" xmlns:r="http://schemas.openxmlformats.org/officeDocument/2006/relationships" xmlns:p="http://schemas.openxmlformats.org/presentationml/2006/main">
-  <p:cSld>
-    <p:spTree>
-      <p:nvGrpSpPr>
-        <p:cNvPr id="1" name=""/>
-        <p:cNvGrpSpPr/>
-        <p:nvPr/>
-      </p:nvGrpSpPr>
-      <p:grpSpPr>
-        <a:xfrm>
-          <a:off x="0" y="0"/>
-          <a:ext cx="0" cy="0"/>
-          <a:chOff x="0" y="0"/>
-          <a:chExt cx="0" cy="0"/>
-        </a:xfrm>
-      </p:grpSpPr>
       <p:sp>
         <p:nvSpPr>
           <p:cNvPr id="2" name="Title 1">
@@ -6285,7 +5881,7 @@
 </p:sld>
 </file>
 
-<file path=ppt/slides/slide8.xml><?xml version="1.0" encoding="utf-8"?>
+<file path=ppt/slides/slide6.xml><?xml version="1.0" encoding="utf-8"?>
 <p:sld xmlns:a="http://schemas.openxmlformats.org/drawingml/2006/main" xmlns:r="http://schemas.openxmlformats.org/officeDocument/2006/relationships" xmlns:p="http://schemas.openxmlformats.org/presentationml/2006/main">
   <p:cSld>
     <p:spTree>
@@ -6345,6 +5941,226 @@
 </p:sld>
 </file>
 
+<file path=ppt/slides/slide7.xml><?xml version="1.0" encoding="utf-8"?>
+<p:sld xmlns:a="http://schemas.openxmlformats.org/drawingml/2006/main" xmlns:r="http://schemas.openxmlformats.org/officeDocument/2006/relationships" xmlns:p="http://schemas.openxmlformats.org/presentationml/2006/main">
+  <p:cSld>
+    <p:spTree>
+      <p:nvGrpSpPr>
+        <p:cNvPr id="1" name=""/>
+        <p:cNvGrpSpPr/>
+        <p:nvPr/>
+      </p:nvGrpSpPr>
+      <p:grpSpPr>
+        <a:xfrm>
+          <a:off x="0" y="0"/>
+          <a:ext cx="0" cy="0"/>
+          <a:chOff x="0" y="0"/>
+          <a:chExt cx="0" cy="0"/>
+        </a:xfrm>
+      </p:grpSpPr>
+      <p:sp>
+        <p:nvSpPr>
+          <p:cNvPr id="3" name="Content Placeholder 2">
+            <a:extLst>
+              <a:ext uri="{FF2B5EF4-FFF2-40B4-BE49-F238E27FC236}">
+                <a16:creationId xmlns:a16="http://schemas.microsoft.com/office/drawing/2014/main" id="{B37813C8-BA62-E053-5247-1D4FA69744D1}"/>
+              </a:ext>
+            </a:extLst>
+          </p:cNvPr>
+          <p:cNvSpPr>
+            <a:spLocks noGrp="1"/>
+          </p:cNvSpPr>
+          <p:nvPr>
+            <p:ph idx="1"/>
+          </p:nvPr>
+        </p:nvSpPr>
+        <p:spPr/>
+        <p:txBody>
+          <a:bodyPr/>
+          <a:lstStyle/>
+          <a:p>
+            <a:r>
+              <a:rPr lang="en-US" dirty="0"/>
+              <a:t>Most CPU time spent in the </a:t>
+            </a:r>
+            <a:r>
+              <a:rPr lang="en-US" b="1" dirty="0"/>
+              <a:t>interpreter loop</a:t>
+            </a:r>
+            <a:r>
+              <a:rPr lang="en-US" dirty="0"/>
+              <a:t> (</a:t>
+            </a:r>
+            <a:r>
+              <a:rPr lang="en-US" dirty="0" err="1"/>
+              <a:t>PyEval_EvalFrameDefault</a:t>
+            </a:r>
+            <a:r>
+              <a:rPr lang="en-US" dirty="0"/>
+              <a:t>).</a:t>
+            </a:r>
+          </a:p>
+          <a:p>
+            <a:r>
+              <a:rPr lang="en-US" dirty="0"/>
+              <a:t>Conclusion: execution time may be dominated by </a:t>
+            </a:r>
+            <a:r>
+              <a:rPr lang="en-US" b="1" dirty="0"/>
+              <a:t>interpreter overhead</a:t>
+            </a:r>
+            <a:r>
+              <a:rPr lang="en-US" dirty="0"/>
+              <a:t> rather than raw data movement - leading us to explore </a:t>
+            </a:r>
+            <a:r>
+              <a:rPr lang="en-US" b="1" dirty="0"/>
+              <a:t>C-level optimization</a:t>
+            </a:r>
+            <a:r>
+              <a:rPr lang="en-US" dirty="0"/>
+              <a:t> as the next step.</a:t>
+            </a:r>
+            <a:endParaRPr lang="LID4096" dirty="0"/>
+          </a:p>
+        </p:txBody>
+      </p:sp>
+      <p:sp>
+        <p:nvSpPr>
+          <p:cNvPr id="4" name="Title 1">
+            <a:extLst>
+              <a:ext uri="{FF2B5EF4-FFF2-40B4-BE49-F238E27FC236}">
+                <a16:creationId xmlns:a16="http://schemas.microsoft.com/office/drawing/2014/main" id="{78F183B1-FEED-94AE-A174-9CAEB98B0E58}"/>
+              </a:ext>
+            </a:extLst>
+          </p:cNvPr>
+          <p:cNvSpPr>
+            <a:spLocks noGrp="1"/>
+          </p:cNvSpPr>
+          <p:nvPr>
+            <p:ph type="title"/>
+          </p:nvPr>
+        </p:nvSpPr>
+        <p:spPr>
+          <a:xfrm>
+            <a:off x="838200" y="365125"/>
+            <a:ext cx="10515600" cy="1325563"/>
+          </a:xfrm>
+        </p:spPr>
+        <p:txBody>
+          <a:bodyPr/>
+          <a:lstStyle/>
+          <a:p>
+            <a:r>
+              <a:rPr lang="en-US" dirty="0"/>
+              <a:t>Initial Analysis</a:t>
+            </a:r>
+            <a:endParaRPr lang="LID4096" dirty="0"/>
+          </a:p>
+        </p:txBody>
+      </p:sp>
+    </p:spTree>
+    <p:extLst>
+      <p:ext uri="{BB962C8B-B14F-4D97-AF65-F5344CB8AC3E}">
+        <p14:creationId xmlns:p14="http://schemas.microsoft.com/office/powerpoint/2010/main" val="3246343097"/>
+      </p:ext>
+    </p:extLst>
+  </p:cSld>
+  <p:clrMapOvr>
+    <a:masterClrMapping/>
+  </p:clrMapOvr>
+</p:sld>
+</file>
+
+<file path=ppt/slides/slide8.xml><?xml version="1.0" encoding="utf-8"?>
+<p:sld xmlns:a="http://schemas.openxmlformats.org/drawingml/2006/main" xmlns:r="http://schemas.openxmlformats.org/officeDocument/2006/relationships" xmlns:p="http://schemas.openxmlformats.org/presentationml/2006/main">
+  <p:cSld>
+    <p:spTree>
+      <p:nvGrpSpPr>
+        <p:cNvPr id="1" name=""/>
+        <p:cNvGrpSpPr/>
+        <p:nvPr/>
+      </p:nvGrpSpPr>
+      <p:grpSpPr>
+        <a:xfrm>
+          <a:off x="0" y="0"/>
+          <a:ext cx="0" cy="0"/>
+          <a:chOff x="0" y="0"/>
+          <a:chExt cx="0" cy="0"/>
+        </a:xfrm>
+      </p:grpSpPr>
+      <p:sp>
+        <p:nvSpPr>
+          <p:cNvPr id="2" name="Title 1">
+            <a:extLst>
+              <a:ext uri="{FF2B5EF4-FFF2-40B4-BE49-F238E27FC236}">
+                <a16:creationId xmlns:a16="http://schemas.microsoft.com/office/drawing/2014/main" id="{8466D3A0-017A-C268-A329-E56E7A3412B9}"/>
+              </a:ext>
+            </a:extLst>
+          </p:cNvPr>
+          <p:cNvSpPr>
+            <a:spLocks noGrp="1"/>
+          </p:cNvSpPr>
+          <p:nvPr>
+            <p:ph type="title"/>
+          </p:nvPr>
+        </p:nvSpPr>
+        <p:spPr/>
+        <p:txBody>
+          <a:bodyPr/>
+          <a:lstStyle/>
+          <a:p>
+            <a:r>
+              <a:rPr lang="en-US" dirty="0"/>
+              <a:t>Baseline Benchmark Results</a:t>
+            </a:r>
+            <a:endParaRPr lang="LID4096" dirty="0"/>
+          </a:p>
+        </p:txBody>
+      </p:sp>
+      <p:pic>
+        <p:nvPicPr>
+          <p:cNvPr id="4" name="Picture 3">
+            <a:extLst>
+              <a:ext uri="{FF2B5EF4-FFF2-40B4-BE49-F238E27FC236}">
+                <a16:creationId xmlns:a16="http://schemas.microsoft.com/office/drawing/2014/main" id="{0C672957-E8CA-5617-27B7-5486BACA5F7D}"/>
+              </a:ext>
+            </a:extLst>
+          </p:cNvPr>
+          <p:cNvPicPr>
+            <a:picLocks noChangeAspect="1"/>
+          </p:cNvPicPr>
+          <p:nvPr/>
+        </p:nvPicPr>
+        <p:blipFill>
+          <a:blip r:embed="rId2"/>
+          <a:stretch>
+            <a:fillRect/>
+          </a:stretch>
+        </p:blipFill>
+        <p:spPr>
+          <a:xfrm>
+            <a:off x="1438594" y="1878134"/>
+            <a:ext cx="8677219" cy="3847102"/>
+          </a:xfrm>
+          <a:prstGeom prst="rect">
+            <a:avLst/>
+          </a:prstGeom>
+        </p:spPr>
+      </p:pic>
+    </p:spTree>
+    <p:extLst>
+      <p:ext uri="{BB962C8B-B14F-4D97-AF65-F5344CB8AC3E}">
+        <p14:creationId xmlns:p14="http://schemas.microsoft.com/office/powerpoint/2010/main" val="365561562"/>
+      </p:ext>
+    </p:extLst>
+  </p:cSld>
+  <p:clrMapOvr>
+    <a:masterClrMapping/>
+  </p:clrMapOvr>
+</p:sld>
+</file>
+
 <file path=ppt/slides/slide9.xml><?xml version="1.0" encoding="utf-8"?>
 <p:sld xmlns:a="http://schemas.openxmlformats.org/drawingml/2006/main" xmlns:r="http://schemas.openxmlformats.org/officeDocument/2006/relationships" xmlns:p="http://schemas.openxmlformats.org/presentationml/2006/main">
   <p:cSld>
@@ -6364,10 +6180,39 @@
       </p:grpSpPr>
       <p:sp>
         <p:nvSpPr>
+          <p:cNvPr id="2" name="Title 1">
+            <a:extLst>
+              <a:ext uri="{FF2B5EF4-FFF2-40B4-BE49-F238E27FC236}">
+                <a16:creationId xmlns:a16="http://schemas.microsoft.com/office/drawing/2014/main" id="{0A8A7238-0384-C260-0048-D40CE49B45D9}"/>
+              </a:ext>
+            </a:extLst>
+          </p:cNvPr>
+          <p:cNvSpPr>
+            <a:spLocks noGrp="1"/>
+          </p:cNvSpPr>
+          <p:nvPr>
+            <p:ph type="title"/>
+          </p:nvPr>
+        </p:nvSpPr>
+        <p:spPr/>
+        <p:txBody>
+          <a:bodyPr/>
+          <a:lstStyle/>
+          <a:p>
+            <a:r>
+              <a:rPr lang="en-US" dirty="0"/>
+              <a:t>Optimizations</a:t>
+            </a:r>
+            <a:endParaRPr lang="LID4096" dirty="0"/>
+          </a:p>
+        </p:txBody>
+      </p:sp>
+      <p:sp>
+        <p:nvSpPr>
           <p:cNvPr id="3" name="Content Placeholder 2">
             <a:extLst>
               <a:ext uri="{FF2B5EF4-FFF2-40B4-BE49-F238E27FC236}">
-                <a16:creationId xmlns:a16="http://schemas.microsoft.com/office/drawing/2014/main" id="{B37813C8-BA62-E053-5247-1D4FA69744D1}"/>
+                <a16:creationId xmlns:a16="http://schemas.microsoft.com/office/drawing/2014/main" id="{D768BB19-7984-07C6-F710-1E89E390BD3A}"/>
               </a:ext>
             </a:extLst>
           </p:cNvPr>
@@ -6385,79 +6230,79 @@
           <a:p>
             <a:r>
               <a:rPr lang="en-US" dirty="0"/>
-              <a:t>Most CPU time spent in the </a:t>
+              <a:t>Implemented a native </a:t>
             </a:r>
             <a:r>
               <a:rPr lang="en-US" b="1" dirty="0"/>
-              <a:t>interpreter loop</a:t>
-            </a:r>
-            <a:r>
-              <a:rPr lang="en-US" dirty="0"/>
-              <a:t> (</a:t>
+              <a:t>C extension module</a:t>
+            </a:r>
+            <a:r>
+              <a:rPr lang="en-US" dirty="0"/>
+              <a:t> named </a:t>
             </a:r>
             <a:r>
               <a:rPr lang="en-US" dirty="0" err="1"/>
-              <a:t>PyEval_EvalFrameDefault</a:t>
-            </a:r>
-            <a:r>
-              <a:rPr lang="en-US" dirty="0"/>
-              <a:t>).</a:t>
-            </a:r>
-          </a:p>
-          <a:p>
-            <a:r>
-              <a:rPr lang="en-US" dirty="0"/>
-              <a:t>Conclusion: execution time may be dominated by </a:t>
+              <a:t>fastcopy.c</a:t>
+            </a:r>
+            <a:r>
+              <a:rPr lang="en-US" dirty="0"/>
+              <a:t>.</a:t>
+            </a:r>
+          </a:p>
+          <a:p>
+            <a:r>
+              <a:rPr lang="en-US" dirty="0"/>
+              <a:t>Added C implementations for </a:t>
             </a:r>
             <a:r>
               <a:rPr lang="en-US" b="1" dirty="0"/>
-              <a:t>interpreter overhead</a:t>
-            </a:r>
-            <a:r>
-              <a:rPr lang="en-US" dirty="0"/>
-              <a:t> rather than raw data movement - leading us to explore </a:t>
+              <a:t>lists</a:t>
+            </a:r>
+            <a:r>
+              <a:rPr lang="en-US" dirty="0"/>
+              <a:t>, </a:t>
+            </a:r>
+            <a:r>
+              <a:rPr lang="en-US" b="1" dirty="0" err="1"/>
+              <a:t>dicts</a:t>
+            </a:r>
+            <a:r>
+              <a:rPr lang="en-US" dirty="0"/>
+              <a:t>, and </a:t>
             </a:r>
             <a:r>
               <a:rPr lang="en-US" b="1" dirty="0"/>
-              <a:t>C-level optimization</a:t>
-            </a:r>
-            <a:r>
-              <a:rPr lang="en-US" dirty="0"/>
-              <a:t> as the next step.</a:t>
-            </a:r>
-            <a:endParaRPr lang="LID4096" dirty="0"/>
-          </a:p>
-        </p:txBody>
-      </p:sp>
-      <p:sp>
-        <p:nvSpPr>
-          <p:cNvPr id="4" name="Title 1">
-            <a:extLst>
-              <a:ext uri="{FF2B5EF4-FFF2-40B4-BE49-F238E27FC236}">
-                <a16:creationId xmlns:a16="http://schemas.microsoft.com/office/drawing/2014/main" id="{78F183B1-FEED-94AE-A174-9CAEB98B0E58}"/>
-              </a:ext>
-            </a:extLst>
-          </p:cNvPr>
-          <p:cNvSpPr>
-            <a:spLocks noGrp="1"/>
-          </p:cNvSpPr>
-          <p:nvPr>
-            <p:ph type="title"/>
-          </p:nvPr>
-        </p:nvSpPr>
-        <p:spPr>
-          <a:xfrm>
-            <a:off x="838200" y="365125"/>
-            <a:ext cx="10515600" cy="1325563"/>
-          </a:xfrm>
-        </p:spPr>
-        <p:txBody>
-          <a:bodyPr/>
-          <a:lstStyle/>
-          <a:p>
-            <a:r>
-              <a:rPr lang="en-US" dirty="0"/>
-              <a:t>Initial Analysis</a:t>
+              <a:t>tuples</a:t>
+            </a:r>
+            <a:r>
+              <a:rPr lang="en-US" dirty="0"/>
+              <a:t> deep copy routines.</a:t>
+            </a:r>
+          </a:p>
+          <a:p>
+            <a:r>
+              <a:rPr lang="en-US" dirty="0"/>
+              <a:t>Modified </a:t>
+            </a:r>
+            <a:r>
+              <a:rPr lang="en-US" b="1" dirty="0"/>
+              <a:t>copy.py </a:t>
+            </a:r>
+            <a:r>
+              <a:rPr lang="en-US" dirty="0"/>
+              <a:t>to call these C functions directly when available.</a:t>
+            </a:r>
+          </a:p>
+          <a:p>
+            <a:r>
+              <a:rPr lang="en-US" dirty="0"/>
+              <a:t>This bypassed Python bytecode loops and reduced interpreter overhead.</a:t>
+            </a:r>
+          </a:p>
+          <a:p>
+            <a:r>
+              <a:rPr lang="en-US" dirty="0"/>
+              <a:t>Result: fewer function calls, better cache locality, and faster execution.</a:t>
             </a:r>
             <a:endParaRPr lang="LID4096" dirty="0"/>
           </a:p>
@@ -6466,7 +6311,7 @@
     </p:spTree>
     <p:extLst>
       <p:ext uri="{BB962C8B-B14F-4D97-AF65-F5344CB8AC3E}">
-        <p14:creationId xmlns:p14="http://schemas.microsoft.com/office/powerpoint/2010/main" val="3246343097"/>
+        <p14:creationId xmlns:p14="http://schemas.microsoft.com/office/powerpoint/2010/main" val="4222508229"/>
       </p:ext>
     </p:extLst>
   </p:cSld>

--- a/project_presentation.pptx
+++ b/project_presentation.pptx
@@ -134,7 +134,7 @@
 <file path=ppt/revisionInfo.xml><?xml version="1.0" encoding="utf-8"?>
 <p1510:revInfo xmlns:a="http://schemas.openxmlformats.org/drawingml/2006/main" xmlns:r="http://schemas.openxmlformats.org/officeDocument/2006/relationships" xmlns:p1510="http://schemas.microsoft.com/office/powerpoint/2015/10/main">
   <p1510:revLst>
-    <p1510:client id="{FE6F6F7D-017C-4E81-88EE-5540CCD997AD}" v="22" dt="2025-10-26T19:51:03.828"/>
+    <p1510:client id="{FE6F6F7D-017C-4E81-88EE-5540CCD997AD}" v="29" dt="2025-10-26T22:31:04.012"/>
   </p1510:revLst>
 </p1510:revInfo>
 </file>
@@ -143,8 +143,8 @@
 <pc:chgInfo xmlns:a="http://schemas.openxmlformats.org/drawingml/2006/main" xmlns:r="http://schemas.openxmlformats.org/officeDocument/2006/relationships" xmlns:ac="http://schemas.microsoft.com/office/drawing/2013/main/command" xmlns:pc="http://schemas.microsoft.com/office/powerpoint/2013/main/command">
   <pc:docChgLst>
     <pc:chgData name="Dor Knafo" userId="dfde85f9-a1e8-4add-8a5f-b9593dfbdaf6" providerId="ADAL" clId="{D060D16D-AEC5-4FFA-94EF-2E7FFA1D1CAB}"/>
-    <pc:docChg chg="undo custSel addSld delSld modSld sldOrd">
-      <pc:chgData name="Dor Knafo" userId="dfde85f9-a1e8-4add-8a5f-b9593dfbdaf6" providerId="ADAL" clId="{D060D16D-AEC5-4FFA-94EF-2E7FFA1D1CAB}" dt="2025-10-26T19:51:19.168" v="928"/>
+    <pc:docChg chg="undo redo custSel addSld delSld modSld sldOrd">
+      <pc:chgData name="Dor Knafo" userId="dfde85f9-a1e8-4add-8a5f-b9593dfbdaf6" providerId="ADAL" clId="{D060D16D-AEC5-4FFA-94EF-2E7FFA1D1CAB}" dt="2025-10-26T22:31:07.044" v="995" actId="20577"/>
       <pc:docMkLst>
         <pc:docMk/>
       </pc:docMkLst>
@@ -517,17 +517,41 @@
         </pc:picChg>
       </pc:sldChg>
       <pc:sldChg chg="addSp delSp modSp new mod setBg">
-        <pc:chgData name="Dor Knafo" userId="dfde85f9-a1e8-4add-8a5f-b9593dfbdaf6" providerId="ADAL" clId="{D060D16D-AEC5-4FFA-94EF-2E7FFA1D1CAB}" dt="2025-10-26T19:40:32.338" v="809" actId="1076"/>
+        <pc:chgData name="Dor Knafo" userId="dfde85f9-a1e8-4add-8a5f-b9593dfbdaf6" providerId="ADAL" clId="{D060D16D-AEC5-4FFA-94EF-2E7FFA1D1CAB}" dt="2025-10-26T22:30:09.932" v="971" actId="1076"/>
         <pc:sldMkLst>
           <pc:docMk/>
           <pc:sldMk cId="3164854576" sldId="272"/>
         </pc:sldMkLst>
-        <pc:picChg chg="add mod">
-          <ac:chgData name="Dor Knafo" userId="dfde85f9-a1e8-4add-8a5f-b9593dfbdaf6" providerId="ADAL" clId="{D060D16D-AEC5-4FFA-94EF-2E7FFA1D1CAB}" dt="2025-10-26T19:40:32.338" v="809" actId="1076"/>
+        <pc:spChg chg="add del">
+          <ac:chgData name="Dor Knafo" userId="dfde85f9-a1e8-4add-8a5f-b9593dfbdaf6" providerId="ADAL" clId="{D060D16D-AEC5-4FFA-94EF-2E7FFA1D1CAB}" dt="2025-10-26T22:27:38.931" v="947" actId="26606"/>
+          <ac:spMkLst>
+            <pc:docMk/>
+            <pc:sldMk cId="3164854576" sldId="272"/>
+            <ac:spMk id="11" creationId="{799448F2-0E5B-42DA-B2D1-11A14E947BD4}"/>
+          </ac:spMkLst>
+        </pc:spChg>
+        <pc:spChg chg="add del">
+          <ac:chgData name="Dor Knafo" userId="dfde85f9-a1e8-4add-8a5f-b9593dfbdaf6" providerId="ADAL" clId="{D060D16D-AEC5-4FFA-94EF-2E7FFA1D1CAB}" dt="2025-10-26T22:27:38.931" v="947" actId="26606"/>
+          <ac:spMkLst>
+            <pc:docMk/>
+            <pc:sldMk cId="3164854576" sldId="272"/>
+            <ac:spMk id="13" creationId="{4E8A7552-20E1-4F34-ADAB-C1DB6634D47E}"/>
+          </ac:spMkLst>
+        </pc:spChg>
+        <pc:picChg chg="add mod ord">
+          <ac:chgData name="Dor Knafo" userId="dfde85f9-a1e8-4add-8a5f-b9593dfbdaf6" providerId="ADAL" clId="{D060D16D-AEC5-4FFA-94EF-2E7FFA1D1CAB}" dt="2025-10-26T22:27:49.135" v="956" actId="14100"/>
           <ac:picMkLst>
             <pc:docMk/>
             <pc:sldMk cId="3164854576" sldId="272"/>
             <ac:picMk id="3" creationId="{45DE95A5-CBE3-60E0-FE8E-AE0860F0C3B2}"/>
+          </ac:picMkLst>
+        </pc:picChg>
+        <pc:picChg chg="add mod ord">
+          <ac:chgData name="Dor Knafo" userId="dfde85f9-a1e8-4add-8a5f-b9593dfbdaf6" providerId="ADAL" clId="{D060D16D-AEC5-4FFA-94EF-2E7FFA1D1CAB}" dt="2025-10-26T22:30:09.932" v="971" actId="1076"/>
+          <ac:picMkLst>
+            <pc:docMk/>
+            <pc:sldMk cId="3164854576" sldId="272"/>
+            <ac:picMk id="4" creationId="{D5F46E94-E501-DD77-0026-A8BE9B0716EB}"/>
           </ac:picMkLst>
         </pc:picChg>
         <pc:picChg chg="add del mod">
@@ -538,9 +562,33 @@
             <ac:picMk id="5" creationId="{8D93DC9B-7386-5B3D-6710-A454B8DE18CC}"/>
           </ac:picMkLst>
         </pc:picChg>
+        <pc:picChg chg="add mod">
+          <ac:chgData name="Dor Knafo" userId="dfde85f9-a1e8-4add-8a5f-b9593dfbdaf6" providerId="ADAL" clId="{D060D16D-AEC5-4FFA-94EF-2E7FFA1D1CAB}" dt="2025-10-26T22:28:02.262" v="960" actId="1076"/>
+          <ac:picMkLst>
+            <pc:docMk/>
+            <pc:sldMk cId="3164854576" sldId="272"/>
+            <ac:picMk id="6" creationId="{25E3463C-9972-A026-2942-21968C7A1600}"/>
+          </ac:picMkLst>
+        </pc:picChg>
+        <pc:cxnChg chg="add del">
+          <ac:chgData name="Dor Knafo" userId="dfde85f9-a1e8-4add-8a5f-b9593dfbdaf6" providerId="ADAL" clId="{D060D16D-AEC5-4FFA-94EF-2E7FFA1D1CAB}" dt="2025-10-26T22:27:45.131" v="949" actId="26606"/>
+          <ac:cxnSpMkLst>
+            <pc:docMk/>
+            <pc:sldMk cId="3164854576" sldId="272"/>
+            <ac:cxnSpMk id="15" creationId="{DCD67800-37AC-4E14-89B0-F79DCB3FB86D}"/>
+          </ac:cxnSpMkLst>
+        </pc:cxnChg>
+        <pc:cxnChg chg="add del">
+          <ac:chgData name="Dor Knafo" userId="dfde85f9-a1e8-4add-8a5f-b9593dfbdaf6" providerId="ADAL" clId="{D060D16D-AEC5-4FFA-94EF-2E7FFA1D1CAB}" dt="2025-10-26T22:27:45.131" v="949" actId="26606"/>
+          <ac:cxnSpMkLst>
+            <pc:docMk/>
+            <pc:sldMk cId="3164854576" sldId="272"/>
+            <ac:cxnSpMk id="16" creationId="{20F1788F-A5AE-4188-8274-F7F2E3833ECD}"/>
+          </ac:cxnSpMkLst>
+        </pc:cxnChg>
       </pc:sldChg>
       <pc:sldChg chg="addSp modSp new mod">
-        <pc:chgData name="Dor Knafo" userId="dfde85f9-a1e8-4add-8a5f-b9593dfbdaf6" providerId="ADAL" clId="{D060D16D-AEC5-4FFA-94EF-2E7FFA1D1CAB}" dt="2025-10-26T19:51:19.168" v="928"/>
+        <pc:chgData name="Dor Knafo" userId="dfde85f9-a1e8-4add-8a5f-b9593dfbdaf6" providerId="ADAL" clId="{D060D16D-AEC5-4FFA-94EF-2E7FFA1D1CAB}" dt="2025-10-26T22:31:07.044" v="995" actId="20577"/>
         <pc:sldMkLst>
           <pc:docMk/>
           <pc:sldMk cId="3468369045" sldId="273"/>
@@ -554,7 +602,7 @@
           </ac:spMkLst>
         </pc:spChg>
         <pc:spChg chg="mod">
-          <ac:chgData name="Dor Knafo" userId="dfde85f9-a1e8-4add-8a5f-b9593dfbdaf6" providerId="ADAL" clId="{D060D16D-AEC5-4FFA-94EF-2E7FFA1D1CAB}" dt="2025-10-26T19:51:19.168" v="928"/>
+          <ac:chgData name="Dor Knafo" userId="dfde85f9-a1e8-4add-8a5f-b9593dfbdaf6" providerId="ADAL" clId="{D060D16D-AEC5-4FFA-94EF-2E7FFA1D1CAB}" dt="2025-10-26T22:31:07.044" v="995" actId="20577"/>
           <ac:spMkLst>
             <pc:docMk/>
             <pc:sldMk cId="3468369045" sldId="273"/>
@@ -4622,7 +4670,7 @@
       </p:grpSpPr>
       <p:pic>
         <p:nvPicPr>
-          <p:cNvPr id="3" name="Picture 2">
+          <p:cNvPr id="3" name="Picture 2" descr="A computer screen with numbers and text&#10;&#10;AI-generated content may be incorrect.">
             <a:extLst>
               <a:ext uri="{FF2B5EF4-FFF2-40B4-BE49-F238E27FC236}">
                 <a16:creationId xmlns:a16="http://schemas.microsoft.com/office/drawing/2014/main" id="{45DE95A5-CBE3-60E0-FE8E-AE0860F0C3B2}"/>
@@ -4642,8 +4690,68 @@
         </p:blipFill>
         <p:spPr>
           <a:xfrm>
-            <a:off x="406021" y="1817358"/>
-            <a:ext cx="11379958" cy="2882090"/>
+            <a:off x="897340" y="431905"/>
+            <a:ext cx="6936475" cy="1756733"/>
+          </a:xfrm>
+          <a:prstGeom prst="rect">
+            <a:avLst/>
+          </a:prstGeom>
+        </p:spPr>
+      </p:pic>
+      <p:pic>
+        <p:nvPicPr>
+          <p:cNvPr id="4" name="Picture 3" descr="A screenshot of a computer&#10;&#10;AI-generated content may be incorrect.">
+            <a:extLst>
+              <a:ext uri="{FF2B5EF4-FFF2-40B4-BE49-F238E27FC236}">
+                <a16:creationId xmlns:a16="http://schemas.microsoft.com/office/drawing/2014/main" id="{D5F46E94-E501-DD77-0026-A8BE9B0716EB}"/>
+              </a:ext>
+            </a:extLst>
+          </p:cNvPr>
+          <p:cNvPicPr>
+            <a:picLocks noChangeAspect="1"/>
+          </p:cNvPicPr>
+          <p:nvPr/>
+        </p:nvPicPr>
+        <p:blipFill>
+          <a:blip r:embed="rId3"/>
+          <a:stretch>
+            <a:fillRect/>
+          </a:stretch>
+        </p:blipFill>
+        <p:spPr>
+          <a:xfrm>
+            <a:off x="897340" y="2474309"/>
+            <a:ext cx="7700750" cy="1628457"/>
+          </a:xfrm>
+          <a:prstGeom prst="rect">
+            <a:avLst/>
+          </a:prstGeom>
+        </p:spPr>
+      </p:pic>
+      <p:pic>
+        <p:nvPicPr>
+          <p:cNvPr id="6" name="Picture 5" descr="A computer screen with numbers and symbols&#10;&#10;AI-generated content may be incorrect.">
+            <a:extLst>
+              <a:ext uri="{FF2B5EF4-FFF2-40B4-BE49-F238E27FC236}">
+                <a16:creationId xmlns:a16="http://schemas.microsoft.com/office/drawing/2014/main" id="{25E3463C-9972-A026-2942-21968C7A1600}"/>
+              </a:ext>
+            </a:extLst>
+          </p:cNvPr>
+          <p:cNvPicPr>
+            <a:picLocks noChangeAspect="1"/>
+          </p:cNvPicPr>
+          <p:nvPr/>
+        </p:nvPicPr>
+        <p:blipFill>
+          <a:blip r:embed="rId4"/>
+          <a:stretch>
+            <a:fillRect/>
+          </a:stretch>
+        </p:blipFill>
+        <p:spPr>
+          <a:xfrm>
+            <a:off x="897340" y="4340669"/>
+            <a:ext cx="7841776" cy="2016308"/>
           </a:xfrm>
           <a:prstGeom prst="rect">
             <a:avLst/>
@@ -4755,26 +4863,19 @@
           </a:p>
           <a:p>
             <a:r>
+              <a:rPr lang="en-US" dirty="0"/>
+              <a:t>The performance gain mainly results from reduced interpreter loops.</a:t>
+            </a:r>
+          </a:p>
+          <a:p>
+            <a:r>
               <a:rPr lang="en-US" b="1" dirty="0"/>
-              <a:t>Cache-miss rate improved by ~11%</a:t>
-            </a:r>
-            <a:r>
-              <a:rPr lang="en-US" dirty="0"/>
-              <a:t>, showing better data locality at the C level.</a:t>
-            </a:r>
-          </a:p>
-          <a:p>
-            <a:r>
-              <a:rPr lang="en-US" dirty="0"/>
-              <a:t>Branch-miss rate remained nearly unchanged.</a:t>
-            </a:r>
-          </a:p>
-          <a:p>
-            <a:r>
-              <a:rPr lang="en-US"/>
-              <a:t>The performance gain mainly results from reduced interpreter loops and more predictable, cache-friendly C-level code paths.</a:t>
-            </a:r>
-            <a:endParaRPr lang="en-US" dirty="0"/>
+              <a:t>Cache-miss and branch-miss rates</a:t>
+            </a:r>
+            <a:r>
+              <a:rPr lang="en-US" dirty="0"/>
+              <a:t> fluctuated between runs, likely due to fewer memory accesses overall, making the relative ratios more sensitive to small variations and system noise.</a:t>
+            </a:r>
           </a:p>
         </p:txBody>
       </p:sp>

--- a/project_presentation.pptx
+++ b/project_presentation.pptx
@@ -25,6 +25,24 @@
     <p:sldId id="274" r:id="rId19"/>
     <p:sldId id="275" r:id="rId20"/>
     <p:sldId id="276" r:id="rId21"/>
+    <p:sldId id="278" r:id="rId22"/>
+    <p:sldId id="279" r:id="rId23"/>
+    <p:sldId id="280" r:id="rId24"/>
+    <p:sldId id="281" r:id="rId25"/>
+    <p:sldId id="282" r:id="rId26"/>
+    <p:sldId id="283" r:id="rId27"/>
+    <p:sldId id="284" r:id="rId28"/>
+    <p:sldId id="285" r:id="rId29"/>
+    <p:sldId id="286" r:id="rId30"/>
+    <p:sldId id="287" r:id="rId31"/>
+    <p:sldId id="288" r:id="rId32"/>
+    <p:sldId id="289" r:id="rId33"/>
+    <p:sldId id="290" r:id="rId34"/>
+    <p:sldId id="291" r:id="rId35"/>
+    <p:sldId id="292" r:id="rId36"/>
+    <p:sldId id="293" r:id="rId37"/>
+    <p:sldId id="294" r:id="rId38"/>
+    <p:sldId id="295" r:id="rId39"/>
   </p:sldIdLst>
   <p:sldSz cx="12192000" cy="6858000"/>
   <p:notesSz cx="6858000" cy="9144000"/>
@@ -904,7 +922,7 @@
           <a:p>
             <a:fld id="{EDDE11C3-C335-4F12-9969-D1A48F628FC4}" type="datetimeFigureOut">
               <a:rPr lang="LID4096" smtClean="0"/>
-              <a:t>10/26/2025</a:t>
+              <a:t>10/27/2025</a:t>
             </a:fld>
             <a:endParaRPr lang="LID4096"/>
           </a:p>
@@ -1104,7 +1122,7 @@
           <a:p>
             <a:fld id="{EDDE11C3-C335-4F12-9969-D1A48F628FC4}" type="datetimeFigureOut">
               <a:rPr lang="LID4096" smtClean="0"/>
-              <a:t>10/26/2025</a:t>
+              <a:t>10/27/2025</a:t>
             </a:fld>
             <a:endParaRPr lang="LID4096"/>
           </a:p>
@@ -1314,7 +1332,7 @@
           <a:p>
             <a:fld id="{EDDE11C3-C335-4F12-9969-D1A48F628FC4}" type="datetimeFigureOut">
               <a:rPr lang="LID4096" smtClean="0"/>
-              <a:t>10/26/2025</a:t>
+              <a:t>10/27/2025</a:t>
             </a:fld>
             <a:endParaRPr lang="LID4096"/>
           </a:p>
@@ -1514,7 +1532,7 @@
           <a:p>
             <a:fld id="{EDDE11C3-C335-4F12-9969-D1A48F628FC4}" type="datetimeFigureOut">
               <a:rPr lang="LID4096" smtClean="0"/>
-              <a:t>10/26/2025</a:t>
+              <a:t>10/27/2025</a:t>
             </a:fld>
             <a:endParaRPr lang="LID4096"/>
           </a:p>
@@ -1790,7 +1808,7 @@
           <a:p>
             <a:fld id="{EDDE11C3-C335-4F12-9969-D1A48F628FC4}" type="datetimeFigureOut">
               <a:rPr lang="LID4096" smtClean="0"/>
-              <a:t>10/26/2025</a:t>
+              <a:t>10/27/2025</a:t>
             </a:fld>
             <a:endParaRPr lang="LID4096"/>
           </a:p>
@@ -2058,7 +2076,7 @@
           <a:p>
             <a:fld id="{EDDE11C3-C335-4F12-9969-D1A48F628FC4}" type="datetimeFigureOut">
               <a:rPr lang="LID4096" smtClean="0"/>
-              <a:t>10/26/2025</a:t>
+              <a:t>10/27/2025</a:t>
             </a:fld>
             <a:endParaRPr lang="LID4096"/>
           </a:p>
@@ -2473,7 +2491,7 @@
           <a:p>
             <a:fld id="{EDDE11C3-C335-4F12-9969-D1A48F628FC4}" type="datetimeFigureOut">
               <a:rPr lang="LID4096" smtClean="0"/>
-              <a:t>10/26/2025</a:t>
+              <a:t>10/27/2025</a:t>
             </a:fld>
             <a:endParaRPr lang="LID4096"/>
           </a:p>
@@ -2615,7 +2633,7 @@
           <a:p>
             <a:fld id="{EDDE11C3-C335-4F12-9969-D1A48F628FC4}" type="datetimeFigureOut">
               <a:rPr lang="LID4096" smtClean="0"/>
-              <a:t>10/26/2025</a:t>
+              <a:t>10/27/2025</a:t>
             </a:fld>
             <a:endParaRPr lang="LID4096"/>
           </a:p>
@@ -2728,7 +2746,7 @@
           <a:p>
             <a:fld id="{EDDE11C3-C335-4F12-9969-D1A48F628FC4}" type="datetimeFigureOut">
               <a:rPr lang="LID4096" smtClean="0"/>
-              <a:t>10/26/2025</a:t>
+              <a:t>10/27/2025</a:t>
             </a:fld>
             <a:endParaRPr lang="LID4096"/>
           </a:p>
@@ -3041,7 +3059,7 @@
           <a:p>
             <a:fld id="{EDDE11C3-C335-4F12-9969-D1A48F628FC4}" type="datetimeFigureOut">
               <a:rPr lang="LID4096" smtClean="0"/>
-              <a:t>10/26/2025</a:t>
+              <a:t>10/27/2025</a:t>
             </a:fld>
             <a:endParaRPr lang="LID4096"/>
           </a:p>
@@ -3330,7 +3348,7 @@
           <a:p>
             <a:fld id="{EDDE11C3-C335-4F12-9969-D1A48F628FC4}" type="datetimeFigureOut">
               <a:rPr lang="LID4096" smtClean="0"/>
-              <a:t>10/26/2025</a:t>
+              <a:t>10/27/2025</a:t>
             </a:fld>
             <a:endParaRPr lang="LID4096"/>
           </a:p>
@@ -3573,7 +3591,7 @@
           <a:p>
             <a:fld id="{EDDE11C3-C335-4F12-9969-D1A48F628FC4}" type="datetimeFigureOut">
               <a:rPr lang="LID4096" smtClean="0"/>
-              <a:t>10/26/2025</a:t>
+              <a:t>10/27/2025</a:t>
             </a:fld>
             <a:endParaRPr lang="LID4096"/>
           </a:p>
@@ -5492,6 +5510,2854 @@
 </p:sld>
 </file>
 
+<file path=ppt/slides/slide21.xml><?xml version="1.0" encoding="utf-8"?>
+<p:sld xmlns:a="http://schemas.openxmlformats.org/drawingml/2006/main" xmlns:r="http://schemas.openxmlformats.org/officeDocument/2006/relationships" xmlns:p="http://schemas.openxmlformats.org/presentationml/2006/main">
+  <p:cSld>
+    <p:spTree>
+      <p:nvGrpSpPr>
+        <p:cNvPr id="1" name=""/>
+        <p:cNvGrpSpPr/>
+        <p:nvPr/>
+      </p:nvGrpSpPr>
+      <p:grpSpPr>
+        <a:xfrm>
+          <a:off x="0" y="0"/>
+          <a:ext cx="0" cy="0"/>
+          <a:chOff x="0" y="0"/>
+          <a:chExt cx="0" cy="0"/>
+        </a:xfrm>
+      </p:grpSpPr>
+      <p:sp>
+        <p:nvSpPr>
+          <p:cNvPr id="4" name="Title 1">
+            <a:extLst>
+              <a:ext uri="{FF2B5EF4-FFF2-40B4-BE49-F238E27FC236}">
+                <a16:creationId xmlns:a16="http://schemas.microsoft.com/office/drawing/2014/main" id="{641CA312-256E-AA79-DF41-13E0E8B6581A}"/>
+              </a:ext>
+            </a:extLst>
+          </p:cNvPr>
+          <p:cNvSpPr txBox="1">
+            <a:spLocks/>
+          </p:cNvSpPr>
+          <p:nvPr/>
+        </p:nvSpPr>
+        <p:spPr>
+          <a:xfrm>
+            <a:off x="3314700" y="2369261"/>
+            <a:ext cx="5689600" cy="1752600"/>
+          </a:xfrm>
+          <a:prstGeom prst="rect">
+            <a:avLst/>
+          </a:prstGeom>
+        </p:spPr>
+        <p:txBody>
+          <a:bodyPr vert="horz" lIns="91440" tIns="45720" rIns="91440" bIns="45720" rtlCol="0" anchor="ctr">
+            <a:noAutofit/>
+          </a:bodyPr>
+          <a:lstStyle>
+            <a:lvl1pPr algn="l" defTabSz="914400" rtl="0" eaLnBrk="1" latinLnBrk="0" hangingPunct="1">
+              <a:lnSpc>
+                <a:spcPct val="90000"/>
+              </a:lnSpc>
+              <a:spcBef>
+                <a:spcPct val="0"/>
+              </a:spcBef>
+              <a:buNone/>
+              <a:defRPr sz="4400" kern="1200">
+                <a:solidFill>
+                  <a:schemeClr val="tx1"/>
+                </a:solidFill>
+                <a:latin typeface="+mj-lt"/>
+                <a:ea typeface="+mj-ea"/>
+                <a:cs typeface="+mj-cs"/>
+              </a:defRPr>
+            </a:lvl1pPr>
+          </a:lstStyle>
+          <a:p>
+            <a:pPr marL="0" marR="0" lvl="0" indent="0" algn="l" defTabSz="914400" rtl="0" eaLnBrk="1" fontAlgn="auto" latinLnBrk="0" hangingPunct="1">
+              <a:lnSpc>
+                <a:spcPct val="90000"/>
+              </a:lnSpc>
+              <a:spcBef>
+                <a:spcPct val="0"/>
+              </a:spcBef>
+              <a:spcAft>
+                <a:spcPts val="0"/>
+              </a:spcAft>
+              <a:buClrTx/>
+              <a:buSzTx/>
+              <a:buFontTx/>
+              <a:buNone/>
+              <a:tabLst/>
+              <a:defRPr/>
+            </a:pPr>
+            <a:r>
+              <a:rPr kumimoji="0" lang="en-US" sz="4400" b="0" i="0" u="none" strike="noStrike" kern="1200" cap="none" spc="0" normalizeH="0" baseline="0" noProof="0" dirty="0">
+                <a:ln>
+                  <a:noFill/>
+                </a:ln>
+                <a:solidFill>
+                  <a:prstClr val="black"/>
+                </a:solidFill>
+                <a:effectLst/>
+                <a:uLnTx/>
+                <a:uFillTx/>
+                <a:latin typeface="Aptos Display" panose="02110004020202020204"/>
+                <a:ea typeface="+mj-ea"/>
+                <a:cs typeface="+mj-cs"/>
+              </a:rPr>
+              <a:t>Json Dumps Benchmark</a:t>
+            </a:r>
+          </a:p>
+        </p:txBody>
+      </p:sp>
+    </p:spTree>
+    <p:extLst>
+      <p:ext uri="{BB962C8B-B14F-4D97-AF65-F5344CB8AC3E}">
+        <p14:creationId xmlns:p14="http://schemas.microsoft.com/office/powerpoint/2010/main" val="2186466628"/>
+      </p:ext>
+    </p:extLst>
+  </p:cSld>
+  <p:clrMapOvr>
+    <a:masterClrMapping/>
+  </p:clrMapOvr>
+</p:sld>
+</file>
+
+<file path=ppt/slides/slide22.xml><?xml version="1.0" encoding="utf-8"?>
+<p:sld xmlns:a="http://schemas.openxmlformats.org/drawingml/2006/main" xmlns:r="http://schemas.openxmlformats.org/officeDocument/2006/relationships" xmlns:p="http://schemas.openxmlformats.org/presentationml/2006/main">
+  <p:cSld>
+    <p:spTree>
+      <p:nvGrpSpPr>
+        <p:cNvPr id="1" name=""/>
+        <p:cNvGrpSpPr/>
+        <p:nvPr/>
+      </p:nvGrpSpPr>
+      <p:grpSpPr>
+        <a:xfrm>
+          <a:off x="0" y="0"/>
+          <a:ext cx="0" cy="0"/>
+          <a:chOff x="0" y="0"/>
+          <a:chExt cx="0" cy="0"/>
+        </a:xfrm>
+      </p:grpSpPr>
+      <p:sp>
+        <p:nvSpPr>
+          <p:cNvPr id="2" name="Title 1"/>
+          <p:cNvSpPr>
+            <a:spLocks noGrp="1"/>
+          </p:cNvSpPr>
+          <p:nvPr>
+            <p:ph type="title"/>
+          </p:nvPr>
+        </p:nvSpPr>
+        <p:spPr/>
+        <p:txBody>
+          <a:bodyPr/>
+          <a:lstStyle/>
+          <a:p>
+            <a:r>
+              <a:t>Overview</a:t>
+            </a:r>
+          </a:p>
+        </p:txBody>
+      </p:sp>
+      <p:sp>
+        <p:nvSpPr>
+          <p:cNvPr id="3" name="Content Placeholder 2"/>
+          <p:cNvSpPr>
+            <a:spLocks noGrp="1"/>
+          </p:cNvSpPr>
+          <p:nvPr>
+            <p:ph idx="1"/>
+          </p:nvPr>
+        </p:nvSpPr>
+        <p:spPr>
+          <a:xfrm>
+            <a:off x="838200" y="1825625"/>
+            <a:ext cx="4737100" cy="4351338"/>
+          </a:xfrm>
+        </p:spPr>
+        <p:txBody>
+          <a:bodyPr/>
+          <a:lstStyle/>
+          <a:p>
+            <a:r>
+              <a:rPr dirty="0"/>
+              <a:t>json.dumps converts Python objects to JSO</a:t>
+            </a:r>
+            <a:r>
+              <a:rPr lang="en-US" dirty="0"/>
+              <a:t>N-formatted strings</a:t>
+            </a:r>
+            <a:endParaRPr dirty="0"/>
+          </a:p>
+        </p:txBody>
+      </p:sp>
+      <p:pic>
+        <p:nvPicPr>
+          <p:cNvPr id="4" name="Picture 3">
+            <a:extLst>
+              <a:ext uri="{FF2B5EF4-FFF2-40B4-BE49-F238E27FC236}">
+                <a16:creationId xmlns:a16="http://schemas.microsoft.com/office/drawing/2014/main" id="{B1DAAC7C-A6DE-DD46-214A-287EB0A0C017}"/>
+              </a:ext>
+            </a:extLst>
+          </p:cNvPr>
+          <p:cNvPicPr>
+            <a:picLocks noChangeAspect="1"/>
+          </p:cNvPicPr>
+          <p:nvPr/>
+        </p:nvPicPr>
+        <p:blipFill>
+          <a:blip r:embed="rId2"/>
+          <a:stretch>
+            <a:fillRect/>
+          </a:stretch>
+        </p:blipFill>
+        <p:spPr>
+          <a:xfrm>
+            <a:off x="5408612" y="1085056"/>
+            <a:ext cx="6300788" cy="5192408"/>
+          </a:xfrm>
+          <a:prstGeom prst="rect">
+            <a:avLst/>
+          </a:prstGeom>
+        </p:spPr>
+      </p:pic>
+    </p:spTree>
+  </p:cSld>
+  <p:clrMapOvr>
+    <a:masterClrMapping/>
+  </p:clrMapOvr>
+</p:sld>
+</file>
+
+<file path=ppt/slides/slide23.xml><?xml version="1.0" encoding="utf-8"?>
+<p:sld xmlns:a="http://schemas.openxmlformats.org/drawingml/2006/main" xmlns:r="http://schemas.openxmlformats.org/officeDocument/2006/relationships" xmlns:p="http://schemas.openxmlformats.org/presentationml/2006/main">
+  <p:cSld>
+    <p:spTree>
+      <p:nvGrpSpPr>
+        <p:cNvPr id="1" name=""/>
+        <p:cNvGrpSpPr/>
+        <p:nvPr/>
+      </p:nvGrpSpPr>
+      <p:grpSpPr>
+        <a:xfrm>
+          <a:off x="0" y="0"/>
+          <a:ext cx="0" cy="0"/>
+          <a:chOff x="0" y="0"/>
+          <a:chExt cx="0" cy="0"/>
+        </a:xfrm>
+      </p:grpSpPr>
+      <p:sp>
+        <p:nvSpPr>
+          <p:cNvPr id="2" name="Title 1">
+            <a:extLst>
+              <a:ext uri="{FF2B5EF4-FFF2-40B4-BE49-F238E27FC236}">
+                <a16:creationId xmlns:a16="http://schemas.microsoft.com/office/drawing/2014/main" id="{C084B55A-42D6-6FAD-BE7E-8D28FB004B40}"/>
+              </a:ext>
+            </a:extLst>
+          </p:cNvPr>
+          <p:cNvSpPr>
+            <a:spLocks noGrp="1"/>
+          </p:cNvSpPr>
+          <p:nvPr>
+            <p:ph type="title"/>
+          </p:nvPr>
+        </p:nvSpPr>
+        <p:spPr/>
+        <p:txBody>
+          <a:bodyPr/>
+          <a:lstStyle/>
+          <a:p>
+            <a:r>
+              <a:rPr lang="en-US" dirty="0"/>
+              <a:t>Overview</a:t>
+            </a:r>
+          </a:p>
+        </p:txBody>
+      </p:sp>
+      <p:sp>
+        <p:nvSpPr>
+          <p:cNvPr id="3" name="Content Placeholder 2">
+            <a:extLst>
+              <a:ext uri="{FF2B5EF4-FFF2-40B4-BE49-F238E27FC236}">
+                <a16:creationId xmlns:a16="http://schemas.microsoft.com/office/drawing/2014/main" id="{F412C042-D575-5F6A-D360-6962EC177EB4}"/>
+              </a:ext>
+            </a:extLst>
+          </p:cNvPr>
+          <p:cNvSpPr>
+            <a:spLocks noGrp="1"/>
+          </p:cNvSpPr>
+          <p:nvPr>
+            <p:ph idx="1"/>
+          </p:nvPr>
+        </p:nvSpPr>
+        <p:spPr>
+          <a:xfrm>
+            <a:off x="838200" y="1825625"/>
+            <a:ext cx="10623550" cy="4351338"/>
+          </a:xfrm>
+        </p:spPr>
+        <p:txBody>
+          <a:bodyPr/>
+          <a:lstStyle/>
+          <a:p>
+            <a:r>
+              <a:rPr lang="en-US" dirty="0"/>
+              <a:t>pyperformance json_dumps repeats serialization of nested objects</a:t>
+            </a:r>
+          </a:p>
+          <a:p>
+            <a:r>
+              <a:rPr lang="en-US" dirty="0"/>
+              <a:t>Workflow: </a:t>
+            </a:r>
+          </a:p>
+          <a:p>
+            <a:pPr marL="457200" lvl="1" indent="0">
+              <a:buNone/>
+            </a:pPr>
+            <a:r>
+              <a:rPr lang="en-US" sz="2800" dirty="0"/>
+              <a:t>profile </a:t>
+            </a:r>
+            <a:r>
+              <a:rPr lang="en-US" sz="2800" dirty="0">
+                <a:sym typeface="Wingdings" panose="05000000000000000000" pitchFamily="2" charset="2"/>
+              </a:rPr>
+              <a:t></a:t>
+            </a:r>
+            <a:r>
+              <a:rPr lang="en-US" sz="2800" dirty="0"/>
+              <a:t> identify bottlenecks </a:t>
+            </a:r>
+            <a:r>
+              <a:rPr lang="en-US" sz="2800" dirty="0">
+                <a:sym typeface="Wingdings" panose="05000000000000000000" pitchFamily="2" charset="2"/>
+              </a:rPr>
+              <a:t></a:t>
+            </a:r>
+            <a:r>
+              <a:rPr lang="en-US" sz="2800" dirty="0"/>
+              <a:t> optimize </a:t>
+            </a:r>
+            <a:r>
+              <a:rPr lang="en-US" sz="2800" dirty="0">
+                <a:sym typeface="Wingdings" panose="05000000000000000000" pitchFamily="2" charset="2"/>
+              </a:rPr>
+              <a:t></a:t>
+            </a:r>
+            <a:r>
+              <a:rPr lang="en-US" sz="2800" dirty="0"/>
+              <a:t> re‑measure</a:t>
+            </a:r>
+          </a:p>
+          <a:p>
+            <a:r>
+              <a:rPr lang="en-US" b="1" dirty="0"/>
+              <a:t>Preliminary result</a:t>
+            </a:r>
+            <a:r>
+              <a:rPr lang="en-US" dirty="0"/>
+              <a:t>: </a:t>
+            </a:r>
+            <a:r>
+              <a:rPr lang="en-US" dirty="0" err="1"/>
+              <a:t>stdlib</a:t>
+            </a:r>
+            <a:r>
+              <a:rPr lang="en-US" dirty="0"/>
+              <a:t> </a:t>
+            </a:r>
+            <a:r>
+              <a:rPr lang="en-US" dirty="0" err="1"/>
+              <a:t>json</a:t>
+            </a:r>
+            <a:r>
+              <a:rPr lang="en-US" dirty="0"/>
+              <a:t> = 62.2 </a:t>
+            </a:r>
+            <a:r>
+              <a:rPr lang="en-US" dirty="0" err="1"/>
+              <a:t>ms</a:t>
+            </a:r>
+            <a:r>
+              <a:rPr lang="en-US" dirty="0"/>
+              <a:t> ± 0.5 </a:t>
+            </a:r>
+            <a:r>
+              <a:rPr lang="en-US" dirty="0" err="1"/>
+              <a:t>ms</a:t>
+            </a:r>
+            <a:endParaRPr lang="en-US" dirty="0"/>
+          </a:p>
+          <a:p>
+            <a:endParaRPr lang="en-US" dirty="0"/>
+          </a:p>
+        </p:txBody>
+      </p:sp>
+    </p:spTree>
+    <p:extLst>
+      <p:ext uri="{BB962C8B-B14F-4D97-AF65-F5344CB8AC3E}">
+        <p14:creationId xmlns:p14="http://schemas.microsoft.com/office/powerpoint/2010/main" val="214398386"/>
+      </p:ext>
+    </p:extLst>
+  </p:cSld>
+  <p:clrMapOvr>
+    <a:masterClrMapping/>
+  </p:clrMapOvr>
+</p:sld>
+</file>
+
+<file path=ppt/slides/slide24.xml><?xml version="1.0" encoding="utf-8"?>
+<p:sld xmlns:a="http://schemas.openxmlformats.org/drawingml/2006/main" xmlns:r="http://schemas.openxmlformats.org/officeDocument/2006/relationships" xmlns:p="http://schemas.openxmlformats.org/presentationml/2006/main">
+  <p:cSld>
+    <p:spTree>
+      <p:nvGrpSpPr>
+        <p:cNvPr id="1" name="">
+          <a:extLst>
+            <a:ext uri="{FF2B5EF4-FFF2-40B4-BE49-F238E27FC236}">
+              <a16:creationId xmlns:a16="http://schemas.microsoft.com/office/drawing/2014/main" id="{8D3B5834-8DEF-DDC8-9658-64B6B64D22F5}"/>
+            </a:ext>
+          </a:extLst>
+        </p:cNvPr>
+        <p:cNvGrpSpPr/>
+        <p:nvPr/>
+      </p:nvGrpSpPr>
+      <p:grpSpPr>
+        <a:xfrm>
+          <a:off x="0" y="0"/>
+          <a:ext cx="0" cy="0"/>
+          <a:chOff x="0" y="0"/>
+          <a:chExt cx="0" cy="0"/>
+        </a:xfrm>
+      </p:grpSpPr>
+      <p:sp>
+        <p:nvSpPr>
+          <p:cNvPr id="2" name="Title 1">
+            <a:extLst>
+              <a:ext uri="{FF2B5EF4-FFF2-40B4-BE49-F238E27FC236}">
+                <a16:creationId xmlns:a16="http://schemas.microsoft.com/office/drawing/2014/main" id="{352841F5-60AE-2C36-7923-686E80938FDE}"/>
+              </a:ext>
+            </a:extLst>
+          </p:cNvPr>
+          <p:cNvSpPr>
+            <a:spLocks noGrp="1"/>
+          </p:cNvSpPr>
+          <p:nvPr>
+            <p:ph type="title"/>
+          </p:nvPr>
+        </p:nvSpPr>
+        <p:spPr/>
+        <p:txBody>
+          <a:bodyPr/>
+          <a:lstStyle/>
+          <a:p>
+            <a:r>
+              <a:rPr dirty="0"/>
+              <a:t>Initial Analysis</a:t>
+            </a:r>
+          </a:p>
+        </p:txBody>
+      </p:sp>
+      <p:sp>
+        <p:nvSpPr>
+          <p:cNvPr id="3" name="Content Placeholder 2">
+            <a:extLst>
+              <a:ext uri="{FF2B5EF4-FFF2-40B4-BE49-F238E27FC236}">
+                <a16:creationId xmlns:a16="http://schemas.microsoft.com/office/drawing/2014/main" id="{95CF1280-C7A8-3666-3EB7-99FB7F4EFB97}"/>
+              </a:ext>
+            </a:extLst>
+          </p:cNvPr>
+          <p:cNvSpPr>
+            <a:spLocks noGrp="1"/>
+          </p:cNvSpPr>
+          <p:nvPr>
+            <p:ph idx="1"/>
+          </p:nvPr>
+        </p:nvSpPr>
+        <p:spPr/>
+        <p:txBody>
+          <a:bodyPr/>
+          <a:lstStyle/>
+          <a:p>
+            <a:r>
+              <a:rPr lang="en-US" dirty="0"/>
+              <a:t>Ran microbenchmark with </a:t>
+            </a:r>
+            <a:r>
+              <a:rPr lang="en-US" dirty="0" err="1"/>
+              <a:t>stdlib</a:t>
+            </a:r>
+            <a:r>
+              <a:rPr lang="en-US" dirty="0"/>
+              <a:t> </a:t>
+            </a:r>
+            <a:r>
+              <a:rPr lang="en-US" dirty="0" err="1"/>
+              <a:t>json</a:t>
+            </a:r>
+            <a:endParaRPr lang="en-US" dirty="0"/>
+          </a:p>
+          <a:p>
+            <a:r>
+              <a:rPr lang="en-US" dirty="0"/>
+              <a:t>Generated flame graph:</a:t>
+            </a:r>
+          </a:p>
+          <a:p>
+            <a:endParaRPr lang="en-US" dirty="0"/>
+          </a:p>
+          <a:p>
+            <a:endParaRPr lang="en-US" dirty="0"/>
+          </a:p>
+          <a:p>
+            <a:endParaRPr lang="en-US" dirty="0"/>
+          </a:p>
+          <a:p>
+            <a:endParaRPr lang="en-US" dirty="0"/>
+          </a:p>
+          <a:p>
+            <a:r>
+              <a:rPr lang="en-US" dirty="0"/>
+              <a:t>Bottlenecks?</a:t>
+            </a:r>
+            <a:endParaRPr dirty="0"/>
+          </a:p>
+        </p:txBody>
+      </p:sp>
+      <p:pic>
+        <p:nvPicPr>
+          <p:cNvPr id="4" name="Picture 3" descr="A colorful background with different colored lines&#10;&#10;AI-generated content may be incorrect.">
+            <a:extLst>
+              <a:ext uri="{FF2B5EF4-FFF2-40B4-BE49-F238E27FC236}">
+                <a16:creationId xmlns:a16="http://schemas.microsoft.com/office/drawing/2014/main" id="{58C78460-00B1-98D0-CDE5-DCB5962B81BA}"/>
+              </a:ext>
+            </a:extLst>
+          </p:cNvPr>
+          <p:cNvPicPr>
+            <a:picLocks noChangeAspect="1"/>
+          </p:cNvPicPr>
+          <p:nvPr/>
+        </p:nvPicPr>
+        <p:blipFill>
+          <a:blip r:embed="rId2"/>
+          <a:stretch>
+            <a:fillRect/>
+          </a:stretch>
+        </p:blipFill>
+        <p:spPr>
+          <a:xfrm>
+            <a:off x="588513" y="2827338"/>
+            <a:ext cx="11014974" cy="1827212"/>
+          </a:xfrm>
+          <a:prstGeom prst="rect">
+            <a:avLst/>
+          </a:prstGeom>
+        </p:spPr>
+      </p:pic>
+    </p:spTree>
+    <p:extLst>
+      <p:ext uri="{BB962C8B-B14F-4D97-AF65-F5344CB8AC3E}">
+        <p14:creationId xmlns:p14="http://schemas.microsoft.com/office/powerpoint/2010/main" val="2061079296"/>
+      </p:ext>
+    </p:extLst>
+  </p:cSld>
+  <p:clrMapOvr>
+    <a:masterClrMapping/>
+  </p:clrMapOvr>
+</p:sld>
+</file>
+
+<file path=ppt/slides/slide25.xml><?xml version="1.0" encoding="utf-8"?>
+<p:sld xmlns:a="http://schemas.openxmlformats.org/drawingml/2006/main" xmlns:r="http://schemas.openxmlformats.org/officeDocument/2006/relationships" xmlns:p="http://schemas.openxmlformats.org/presentationml/2006/main">
+  <p:cSld>
+    <p:spTree>
+      <p:nvGrpSpPr>
+        <p:cNvPr id="1" name=""/>
+        <p:cNvGrpSpPr/>
+        <p:nvPr/>
+      </p:nvGrpSpPr>
+      <p:grpSpPr>
+        <a:xfrm>
+          <a:off x="0" y="0"/>
+          <a:ext cx="0" cy="0"/>
+          <a:chOff x="0" y="0"/>
+          <a:chExt cx="0" cy="0"/>
+        </a:xfrm>
+      </p:grpSpPr>
+      <p:sp>
+        <p:nvSpPr>
+          <p:cNvPr id="2" name="Title 1"/>
+          <p:cNvSpPr>
+            <a:spLocks noGrp="1"/>
+          </p:cNvSpPr>
+          <p:nvPr>
+            <p:ph type="title"/>
+          </p:nvPr>
+        </p:nvSpPr>
+        <p:spPr/>
+        <p:txBody>
+          <a:bodyPr/>
+          <a:lstStyle/>
+          <a:p>
+            <a:r>
+              <a:rPr dirty="0"/>
+              <a:t>Initial Analysis</a:t>
+            </a:r>
+          </a:p>
+        </p:txBody>
+      </p:sp>
+      <p:sp>
+        <p:nvSpPr>
+          <p:cNvPr id="3" name="Content Placeholder 2"/>
+          <p:cNvSpPr>
+            <a:spLocks noGrp="1"/>
+          </p:cNvSpPr>
+          <p:nvPr>
+            <p:ph idx="1"/>
+          </p:nvPr>
+        </p:nvSpPr>
+        <p:spPr>
+          <a:xfrm>
+            <a:off x="838200" y="1825625"/>
+            <a:ext cx="5171623" cy="4351338"/>
+          </a:xfrm>
+        </p:spPr>
+        <p:txBody>
+          <a:bodyPr/>
+          <a:lstStyle/>
+          <a:p>
+            <a:r>
+              <a:rPr lang="en-US" dirty="0" err="1"/>
+              <a:t>Stdlib</a:t>
+            </a:r>
+            <a:r>
+              <a:rPr lang="en-US" dirty="0"/>
+              <a:t> </a:t>
+            </a:r>
+            <a:r>
+              <a:rPr lang="en-US" dirty="0" err="1"/>
+              <a:t>json</a:t>
+            </a:r>
+            <a:r>
+              <a:rPr lang="en-US" dirty="0"/>
+              <a:t> already has native C speedups! </a:t>
+            </a:r>
+          </a:p>
+          <a:p>
+            <a:pPr marL="0" indent="0">
+              <a:buNone/>
+            </a:pPr>
+            <a:endParaRPr lang="en-US" dirty="0"/>
+          </a:p>
+          <a:p>
+            <a:endParaRPr lang="en-US" dirty="0"/>
+          </a:p>
+        </p:txBody>
+      </p:sp>
+      <p:pic>
+        <p:nvPicPr>
+          <p:cNvPr id="4" name="Picture 3" descr="A colorful background with different colored lines&#10;&#10;AI-generated content may be incorrect.">
+            <a:extLst>
+              <a:ext uri="{FF2B5EF4-FFF2-40B4-BE49-F238E27FC236}">
+                <a16:creationId xmlns:a16="http://schemas.microsoft.com/office/drawing/2014/main" id="{46A46D53-1430-C6F7-8CB2-9AD06E823BCF}"/>
+              </a:ext>
+            </a:extLst>
+          </p:cNvPr>
+          <p:cNvPicPr>
+            <a:picLocks noChangeAspect="1"/>
+          </p:cNvPicPr>
+          <p:nvPr/>
+        </p:nvPicPr>
+        <p:blipFill>
+          <a:blip r:embed="rId2"/>
+          <a:stretch>
+            <a:fillRect/>
+          </a:stretch>
+        </p:blipFill>
+        <p:spPr>
+          <a:xfrm>
+            <a:off x="518663" y="4855714"/>
+            <a:ext cx="6625087" cy="1696692"/>
+          </a:xfrm>
+          <a:prstGeom prst="rect">
+            <a:avLst/>
+          </a:prstGeom>
+        </p:spPr>
+      </p:pic>
+      <p:pic>
+        <p:nvPicPr>
+          <p:cNvPr id="5" name="Picture 4">
+            <a:extLst>
+              <a:ext uri="{FF2B5EF4-FFF2-40B4-BE49-F238E27FC236}">
+                <a16:creationId xmlns:a16="http://schemas.microsoft.com/office/drawing/2014/main" id="{B104CAA3-1C2F-4DDB-7432-271F4AD3E2DB}"/>
+              </a:ext>
+            </a:extLst>
+          </p:cNvPr>
+          <p:cNvPicPr>
+            <a:picLocks noChangeAspect="1"/>
+          </p:cNvPicPr>
+          <p:nvPr/>
+        </p:nvPicPr>
+        <p:blipFill>
+          <a:blip r:embed="rId3"/>
+          <a:stretch>
+            <a:fillRect/>
+          </a:stretch>
+        </p:blipFill>
+        <p:spPr>
+          <a:xfrm>
+            <a:off x="7261428" y="216693"/>
+            <a:ext cx="4797222" cy="6424613"/>
+          </a:xfrm>
+          <a:prstGeom prst="rect">
+            <a:avLst/>
+          </a:prstGeom>
+        </p:spPr>
+      </p:pic>
+      <p:sp>
+        <p:nvSpPr>
+          <p:cNvPr id="6" name="Content Placeholder 2">
+            <a:extLst>
+              <a:ext uri="{FF2B5EF4-FFF2-40B4-BE49-F238E27FC236}">
+                <a16:creationId xmlns:a16="http://schemas.microsoft.com/office/drawing/2014/main" id="{4AD69E3E-4FF3-CE88-E72B-C2A2717FA7BE}"/>
+              </a:ext>
+            </a:extLst>
+          </p:cNvPr>
+          <p:cNvSpPr txBox="1">
+            <a:spLocks/>
+          </p:cNvSpPr>
+          <p:nvPr/>
+        </p:nvSpPr>
+        <p:spPr>
+          <a:xfrm>
+            <a:off x="6061279" y="3111102"/>
+            <a:ext cx="1200149" cy="635794"/>
+          </a:xfrm>
+          <a:prstGeom prst="rect">
+            <a:avLst/>
+          </a:prstGeom>
+        </p:spPr>
+        <p:txBody>
+          <a:bodyPr vert="horz" lIns="91440" tIns="45720" rIns="91440" bIns="45720" rtlCol="0">
+            <a:normAutofit fontScale="92500"/>
+          </a:bodyPr>
+          <a:lstStyle>
+            <a:lvl1pPr marL="228600" indent="-228600" algn="l" defTabSz="914400" rtl="0" eaLnBrk="1" latinLnBrk="0" hangingPunct="1">
+              <a:lnSpc>
+                <a:spcPct val="90000"/>
+              </a:lnSpc>
+              <a:spcBef>
+                <a:spcPts val="1000"/>
+              </a:spcBef>
+              <a:buFont typeface="Arial" panose="020B0604020202020204" pitchFamily="34" charset="0"/>
+              <a:buChar char="•"/>
+              <a:defRPr sz="2800" kern="1200">
+                <a:solidFill>
+                  <a:schemeClr val="tx1"/>
+                </a:solidFill>
+                <a:latin typeface="+mn-lt"/>
+                <a:ea typeface="+mn-ea"/>
+                <a:cs typeface="+mn-cs"/>
+              </a:defRPr>
+            </a:lvl1pPr>
+            <a:lvl2pPr marL="685800" indent="-228600" algn="l" defTabSz="914400" rtl="0" eaLnBrk="1" latinLnBrk="0" hangingPunct="1">
+              <a:lnSpc>
+                <a:spcPct val="90000"/>
+              </a:lnSpc>
+              <a:spcBef>
+                <a:spcPts val="500"/>
+              </a:spcBef>
+              <a:buFont typeface="Arial" panose="020B0604020202020204" pitchFamily="34" charset="0"/>
+              <a:buChar char="•"/>
+              <a:defRPr sz="2400" kern="1200">
+                <a:solidFill>
+                  <a:schemeClr val="tx1"/>
+                </a:solidFill>
+                <a:latin typeface="+mn-lt"/>
+                <a:ea typeface="+mn-ea"/>
+                <a:cs typeface="+mn-cs"/>
+              </a:defRPr>
+            </a:lvl2pPr>
+            <a:lvl3pPr marL="1143000" indent="-228600" algn="l" defTabSz="914400" rtl="0" eaLnBrk="1" latinLnBrk="0" hangingPunct="1">
+              <a:lnSpc>
+                <a:spcPct val="90000"/>
+              </a:lnSpc>
+              <a:spcBef>
+                <a:spcPts val="500"/>
+              </a:spcBef>
+              <a:buFont typeface="Arial" panose="020B0604020202020204" pitchFamily="34" charset="0"/>
+              <a:buChar char="•"/>
+              <a:defRPr sz="2000" kern="1200">
+                <a:solidFill>
+                  <a:schemeClr val="tx1"/>
+                </a:solidFill>
+                <a:latin typeface="+mn-lt"/>
+                <a:ea typeface="+mn-ea"/>
+                <a:cs typeface="+mn-cs"/>
+              </a:defRPr>
+            </a:lvl3pPr>
+            <a:lvl4pPr marL="1600200" indent="-228600" algn="l" defTabSz="914400" rtl="0" eaLnBrk="1" latinLnBrk="0" hangingPunct="1">
+              <a:lnSpc>
+                <a:spcPct val="90000"/>
+              </a:lnSpc>
+              <a:spcBef>
+                <a:spcPts val="500"/>
+              </a:spcBef>
+              <a:buFont typeface="Arial" panose="020B0604020202020204" pitchFamily="34" charset="0"/>
+              <a:buChar char="•"/>
+              <a:defRPr sz="1800" kern="1200">
+                <a:solidFill>
+                  <a:schemeClr val="tx1"/>
+                </a:solidFill>
+                <a:latin typeface="+mn-lt"/>
+                <a:ea typeface="+mn-ea"/>
+                <a:cs typeface="+mn-cs"/>
+              </a:defRPr>
+            </a:lvl4pPr>
+            <a:lvl5pPr marL="2057400" indent="-228600" algn="l" defTabSz="914400" rtl="0" eaLnBrk="1" latinLnBrk="0" hangingPunct="1">
+              <a:lnSpc>
+                <a:spcPct val="90000"/>
+              </a:lnSpc>
+              <a:spcBef>
+                <a:spcPts val="500"/>
+              </a:spcBef>
+              <a:buFont typeface="Arial" panose="020B0604020202020204" pitchFamily="34" charset="0"/>
+              <a:buChar char="•"/>
+              <a:defRPr sz="1800" kern="1200">
+                <a:solidFill>
+                  <a:schemeClr val="tx1"/>
+                </a:solidFill>
+                <a:latin typeface="+mn-lt"/>
+                <a:ea typeface="+mn-ea"/>
+                <a:cs typeface="+mn-cs"/>
+              </a:defRPr>
+            </a:lvl5pPr>
+            <a:lvl6pPr marL="2514600" indent="-228600" algn="l" defTabSz="914400" rtl="0" eaLnBrk="1" latinLnBrk="0" hangingPunct="1">
+              <a:lnSpc>
+                <a:spcPct val="90000"/>
+              </a:lnSpc>
+              <a:spcBef>
+                <a:spcPts val="500"/>
+              </a:spcBef>
+              <a:buFont typeface="Arial" panose="020B0604020202020204" pitchFamily="34" charset="0"/>
+              <a:buChar char="•"/>
+              <a:defRPr sz="1800" kern="1200">
+                <a:solidFill>
+                  <a:schemeClr val="tx1"/>
+                </a:solidFill>
+                <a:latin typeface="+mn-lt"/>
+                <a:ea typeface="+mn-ea"/>
+                <a:cs typeface="+mn-cs"/>
+              </a:defRPr>
+            </a:lvl6pPr>
+            <a:lvl7pPr marL="2971800" indent="-228600" algn="l" defTabSz="914400" rtl="0" eaLnBrk="1" latinLnBrk="0" hangingPunct="1">
+              <a:lnSpc>
+                <a:spcPct val="90000"/>
+              </a:lnSpc>
+              <a:spcBef>
+                <a:spcPts val="500"/>
+              </a:spcBef>
+              <a:buFont typeface="Arial" panose="020B0604020202020204" pitchFamily="34" charset="0"/>
+              <a:buChar char="•"/>
+              <a:defRPr sz="1800" kern="1200">
+                <a:solidFill>
+                  <a:schemeClr val="tx1"/>
+                </a:solidFill>
+                <a:latin typeface="+mn-lt"/>
+                <a:ea typeface="+mn-ea"/>
+                <a:cs typeface="+mn-cs"/>
+              </a:defRPr>
+            </a:lvl7pPr>
+            <a:lvl8pPr marL="3429000" indent="-228600" algn="l" defTabSz="914400" rtl="0" eaLnBrk="1" latinLnBrk="0" hangingPunct="1">
+              <a:lnSpc>
+                <a:spcPct val="90000"/>
+              </a:lnSpc>
+              <a:spcBef>
+                <a:spcPts val="500"/>
+              </a:spcBef>
+              <a:buFont typeface="Arial" panose="020B0604020202020204" pitchFamily="34" charset="0"/>
+              <a:buChar char="•"/>
+              <a:defRPr sz="1800" kern="1200">
+                <a:solidFill>
+                  <a:schemeClr val="tx1"/>
+                </a:solidFill>
+                <a:latin typeface="+mn-lt"/>
+                <a:ea typeface="+mn-ea"/>
+                <a:cs typeface="+mn-cs"/>
+              </a:defRPr>
+            </a:lvl8pPr>
+            <a:lvl9pPr marL="3886200" indent="-228600" algn="l" defTabSz="914400" rtl="0" eaLnBrk="1" latinLnBrk="0" hangingPunct="1">
+              <a:lnSpc>
+                <a:spcPct val="90000"/>
+              </a:lnSpc>
+              <a:spcBef>
+                <a:spcPts val="500"/>
+              </a:spcBef>
+              <a:buFont typeface="Arial" panose="020B0604020202020204" pitchFamily="34" charset="0"/>
+              <a:buChar char="•"/>
+              <a:defRPr sz="1800" kern="1200">
+                <a:solidFill>
+                  <a:schemeClr val="tx1"/>
+                </a:solidFill>
+                <a:latin typeface="+mn-lt"/>
+                <a:ea typeface="+mn-ea"/>
+                <a:cs typeface="+mn-cs"/>
+              </a:defRPr>
+            </a:lvl9pPr>
+          </a:lstStyle>
+          <a:p>
+            <a:pPr marL="0" marR="0" lvl="0" indent="0" algn="l" defTabSz="914400" rtl="0" eaLnBrk="1" fontAlgn="auto" latinLnBrk="0" hangingPunct="1">
+              <a:lnSpc>
+                <a:spcPct val="90000"/>
+              </a:lnSpc>
+              <a:spcBef>
+                <a:spcPts val="1000"/>
+              </a:spcBef>
+              <a:spcAft>
+                <a:spcPts val="0"/>
+              </a:spcAft>
+              <a:buClrTx/>
+              <a:buSzTx/>
+              <a:buFont typeface="Arial" panose="020B0604020202020204" pitchFamily="34" charset="0"/>
+              <a:buNone/>
+              <a:tabLst/>
+              <a:defRPr/>
+            </a:pPr>
+            <a:r>
+              <a:rPr kumimoji="0" lang="en-US" sz="1800" b="0" i="0" u="none" strike="noStrike" kern="1200" cap="none" spc="0" normalizeH="0" baseline="0" noProof="0" dirty="0">
+                <a:ln>
+                  <a:noFill/>
+                </a:ln>
+                <a:solidFill>
+                  <a:prstClr val="black"/>
+                </a:solidFill>
+                <a:effectLst/>
+                <a:uLnTx/>
+                <a:uFillTx/>
+                <a:latin typeface="Aptos" panose="02110004020202020204"/>
+                <a:ea typeface="+mn-ea"/>
+                <a:cs typeface="+mn-cs"/>
+              </a:rPr>
+              <a:t>Without C speedups:</a:t>
+            </a:r>
+          </a:p>
+          <a:p>
+            <a:pPr marL="228600" marR="0" lvl="0" indent="-228600" algn="l" defTabSz="914400" rtl="0" eaLnBrk="1" fontAlgn="auto" latinLnBrk="0" hangingPunct="1">
+              <a:lnSpc>
+                <a:spcPct val="90000"/>
+              </a:lnSpc>
+              <a:spcBef>
+                <a:spcPts val="1000"/>
+              </a:spcBef>
+              <a:spcAft>
+                <a:spcPts val="0"/>
+              </a:spcAft>
+              <a:buClrTx/>
+              <a:buSzTx/>
+              <a:buFont typeface="Arial" panose="020B0604020202020204" pitchFamily="34" charset="0"/>
+              <a:buChar char="•"/>
+              <a:tabLst/>
+              <a:defRPr/>
+            </a:pPr>
+            <a:endParaRPr kumimoji="0" lang="en-US" sz="1800" b="0" i="0" u="none" strike="noStrike" kern="1200" cap="none" spc="0" normalizeH="0" baseline="0" noProof="0" dirty="0">
+              <a:ln>
+                <a:noFill/>
+              </a:ln>
+              <a:solidFill>
+                <a:prstClr val="black"/>
+              </a:solidFill>
+              <a:effectLst/>
+              <a:uLnTx/>
+              <a:uFillTx/>
+              <a:latin typeface="Aptos" panose="02110004020202020204"/>
+              <a:ea typeface="+mn-ea"/>
+              <a:cs typeface="+mn-cs"/>
+            </a:endParaRPr>
+          </a:p>
+          <a:p>
+            <a:pPr marL="228600" marR="0" lvl="0" indent="-228600" algn="l" defTabSz="914400" rtl="0" eaLnBrk="1" fontAlgn="auto" latinLnBrk="0" hangingPunct="1">
+              <a:lnSpc>
+                <a:spcPct val="90000"/>
+              </a:lnSpc>
+              <a:spcBef>
+                <a:spcPts val="1000"/>
+              </a:spcBef>
+              <a:spcAft>
+                <a:spcPts val="0"/>
+              </a:spcAft>
+              <a:buClrTx/>
+              <a:buSzTx/>
+              <a:buFont typeface="Arial" panose="020B0604020202020204" pitchFamily="34" charset="0"/>
+              <a:buChar char="•"/>
+              <a:tabLst/>
+              <a:defRPr/>
+            </a:pPr>
+            <a:endParaRPr kumimoji="0" lang="en-US" sz="1800" b="0" i="0" u="none" strike="noStrike" kern="1200" cap="none" spc="0" normalizeH="0" baseline="0" noProof="0" dirty="0">
+              <a:ln>
+                <a:noFill/>
+              </a:ln>
+              <a:solidFill>
+                <a:prstClr val="black"/>
+              </a:solidFill>
+              <a:effectLst/>
+              <a:uLnTx/>
+              <a:uFillTx/>
+              <a:latin typeface="Aptos" panose="02110004020202020204"/>
+              <a:ea typeface="+mn-ea"/>
+              <a:cs typeface="+mn-cs"/>
+            </a:endParaRPr>
+          </a:p>
+        </p:txBody>
+      </p:sp>
+      <p:sp>
+        <p:nvSpPr>
+          <p:cNvPr id="7" name="Content Placeholder 2">
+            <a:extLst>
+              <a:ext uri="{FF2B5EF4-FFF2-40B4-BE49-F238E27FC236}">
+                <a16:creationId xmlns:a16="http://schemas.microsoft.com/office/drawing/2014/main" id="{38A69A20-BEAD-F89C-A073-FC2F85AED11D}"/>
+              </a:ext>
+            </a:extLst>
+          </p:cNvPr>
+          <p:cNvSpPr txBox="1">
+            <a:spLocks/>
+          </p:cNvSpPr>
+          <p:nvPr/>
+        </p:nvSpPr>
+        <p:spPr>
+          <a:xfrm>
+            <a:off x="3095829" y="4332857"/>
+            <a:ext cx="1200149" cy="635794"/>
+          </a:xfrm>
+          <a:prstGeom prst="rect">
+            <a:avLst/>
+          </a:prstGeom>
+        </p:spPr>
+        <p:txBody>
+          <a:bodyPr vert="horz" lIns="91440" tIns="45720" rIns="91440" bIns="45720" rtlCol="0">
+            <a:normAutofit fontScale="92500"/>
+          </a:bodyPr>
+          <a:lstStyle>
+            <a:lvl1pPr marL="228600" indent="-228600" algn="l" defTabSz="914400" rtl="0" eaLnBrk="1" latinLnBrk="0" hangingPunct="1">
+              <a:lnSpc>
+                <a:spcPct val="90000"/>
+              </a:lnSpc>
+              <a:spcBef>
+                <a:spcPts val="1000"/>
+              </a:spcBef>
+              <a:buFont typeface="Arial" panose="020B0604020202020204" pitchFamily="34" charset="0"/>
+              <a:buChar char="•"/>
+              <a:defRPr sz="2800" kern="1200">
+                <a:solidFill>
+                  <a:schemeClr val="tx1"/>
+                </a:solidFill>
+                <a:latin typeface="+mn-lt"/>
+                <a:ea typeface="+mn-ea"/>
+                <a:cs typeface="+mn-cs"/>
+              </a:defRPr>
+            </a:lvl1pPr>
+            <a:lvl2pPr marL="685800" indent="-228600" algn="l" defTabSz="914400" rtl="0" eaLnBrk="1" latinLnBrk="0" hangingPunct="1">
+              <a:lnSpc>
+                <a:spcPct val="90000"/>
+              </a:lnSpc>
+              <a:spcBef>
+                <a:spcPts val="500"/>
+              </a:spcBef>
+              <a:buFont typeface="Arial" panose="020B0604020202020204" pitchFamily="34" charset="0"/>
+              <a:buChar char="•"/>
+              <a:defRPr sz="2400" kern="1200">
+                <a:solidFill>
+                  <a:schemeClr val="tx1"/>
+                </a:solidFill>
+                <a:latin typeface="+mn-lt"/>
+                <a:ea typeface="+mn-ea"/>
+                <a:cs typeface="+mn-cs"/>
+              </a:defRPr>
+            </a:lvl2pPr>
+            <a:lvl3pPr marL="1143000" indent="-228600" algn="l" defTabSz="914400" rtl="0" eaLnBrk="1" latinLnBrk="0" hangingPunct="1">
+              <a:lnSpc>
+                <a:spcPct val="90000"/>
+              </a:lnSpc>
+              <a:spcBef>
+                <a:spcPts val="500"/>
+              </a:spcBef>
+              <a:buFont typeface="Arial" panose="020B0604020202020204" pitchFamily="34" charset="0"/>
+              <a:buChar char="•"/>
+              <a:defRPr sz="2000" kern="1200">
+                <a:solidFill>
+                  <a:schemeClr val="tx1"/>
+                </a:solidFill>
+                <a:latin typeface="+mn-lt"/>
+                <a:ea typeface="+mn-ea"/>
+                <a:cs typeface="+mn-cs"/>
+              </a:defRPr>
+            </a:lvl3pPr>
+            <a:lvl4pPr marL="1600200" indent="-228600" algn="l" defTabSz="914400" rtl="0" eaLnBrk="1" latinLnBrk="0" hangingPunct="1">
+              <a:lnSpc>
+                <a:spcPct val="90000"/>
+              </a:lnSpc>
+              <a:spcBef>
+                <a:spcPts val="500"/>
+              </a:spcBef>
+              <a:buFont typeface="Arial" panose="020B0604020202020204" pitchFamily="34" charset="0"/>
+              <a:buChar char="•"/>
+              <a:defRPr sz="1800" kern="1200">
+                <a:solidFill>
+                  <a:schemeClr val="tx1"/>
+                </a:solidFill>
+                <a:latin typeface="+mn-lt"/>
+                <a:ea typeface="+mn-ea"/>
+                <a:cs typeface="+mn-cs"/>
+              </a:defRPr>
+            </a:lvl4pPr>
+            <a:lvl5pPr marL="2057400" indent="-228600" algn="l" defTabSz="914400" rtl="0" eaLnBrk="1" latinLnBrk="0" hangingPunct="1">
+              <a:lnSpc>
+                <a:spcPct val="90000"/>
+              </a:lnSpc>
+              <a:spcBef>
+                <a:spcPts val="500"/>
+              </a:spcBef>
+              <a:buFont typeface="Arial" panose="020B0604020202020204" pitchFamily="34" charset="0"/>
+              <a:buChar char="•"/>
+              <a:defRPr sz="1800" kern="1200">
+                <a:solidFill>
+                  <a:schemeClr val="tx1"/>
+                </a:solidFill>
+                <a:latin typeface="+mn-lt"/>
+                <a:ea typeface="+mn-ea"/>
+                <a:cs typeface="+mn-cs"/>
+              </a:defRPr>
+            </a:lvl5pPr>
+            <a:lvl6pPr marL="2514600" indent="-228600" algn="l" defTabSz="914400" rtl="0" eaLnBrk="1" latinLnBrk="0" hangingPunct="1">
+              <a:lnSpc>
+                <a:spcPct val="90000"/>
+              </a:lnSpc>
+              <a:spcBef>
+                <a:spcPts val="500"/>
+              </a:spcBef>
+              <a:buFont typeface="Arial" panose="020B0604020202020204" pitchFamily="34" charset="0"/>
+              <a:buChar char="•"/>
+              <a:defRPr sz="1800" kern="1200">
+                <a:solidFill>
+                  <a:schemeClr val="tx1"/>
+                </a:solidFill>
+                <a:latin typeface="+mn-lt"/>
+                <a:ea typeface="+mn-ea"/>
+                <a:cs typeface="+mn-cs"/>
+              </a:defRPr>
+            </a:lvl6pPr>
+            <a:lvl7pPr marL="2971800" indent="-228600" algn="l" defTabSz="914400" rtl="0" eaLnBrk="1" latinLnBrk="0" hangingPunct="1">
+              <a:lnSpc>
+                <a:spcPct val="90000"/>
+              </a:lnSpc>
+              <a:spcBef>
+                <a:spcPts val="500"/>
+              </a:spcBef>
+              <a:buFont typeface="Arial" panose="020B0604020202020204" pitchFamily="34" charset="0"/>
+              <a:buChar char="•"/>
+              <a:defRPr sz="1800" kern="1200">
+                <a:solidFill>
+                  <a:schemeClr val="tx1"/>
+                </a:solidFill>
+                <a:latin typeface="+mn-lt"/>
+                <a:ea typeface="+mn-ea"/>
+                <a:cs typeface="+mn-cs"/>
+              </a:defRPr>
+            </a:lvl7pPr>
+            <a:lvl8pPr marL="3429000" indent="-228600" algn="l" defTabSz="914400" rtl="0" eaLnBrk="1" latinLnBrk="0" hangingPunct="1">
+              <a:lnSpc>
+                <a:spcPct val="90000"/>
+              </a:lnSpc>
+              <a:spcBef>
+                <a:spcPts val="500"/>
+              </a:spcBef>
+              <a:buFont typeface="Arial" panose="020B0604020202020204" pitchFamily="34" charset="0"/>
+              <a:buChar char="•"/>
+              <a:defRPr sz="1800" kern="1200">
+                <a:solidFill>
+                  <a:schemeClr val="tx1"/>
+                </a:solidFill>
+                <a:latin typeface="+mn-lt"/>
+                <a:ea typeface="+mn-ea"/>
+                <a:cs typeface="+mn-cs"/>
+              </a:defRPr>
+            </a:lvl8pPr>
+            <a:lvl9pPr marL="3886200" indent="-228600" algn="l" defTabSz="914400" rtl="0" eaLnBrk="1" latinLnBrk="0" hangingPunct="1">
+              <a:lnSpc>
+                <a:spcPct val="90000"/>
+              </a:lnSpc>
+              <a:spcBef>
+                <a:spcPts val="500"/>
+              </a:spcBef>
+              <a:buFont typeface="Arial" panose="020B0604020202020204" pitchFamily="34" charset="0"/>
+              <a:buChar char="•"/>
+              <a:defRPr sz="1800" kern="1200">
+                <a:solidFill>
+                  <a:schemeClr val="tx1"/>
+                </a:solidFill>
+                <a:latin typeface="+mn-lt"/>
+                <a:ea typeface="+mn-ea"/>
+                <a:cs typeface="+mn-cs"/>
+              </a:defRPr>
+            </a:lvl9pPr>
+          </a:lstStyle>
+          <a:p>
+            <a:pPr marL="0" marR="0" lvl="0" indent="0" algn="l" defTabSz="914400" rtl="0" eaLnBrk="1" fontAlgn="auto" latinLnBrk="0" hangingPunct="1">
+              <a:lnSpc>
+                <a:spcPct val="90000"/>
+              </a:lnSpc>
+              <a:spcBef>
+                <a:spcPts val="1000"/>
+              </a:spcBef>
+              <a:spcAft>
+                <a:spcPts val="0"/>
+              </a:spcAft>
+              <a:buClrTx/>
+              <a:buSzTx/>
+              <a:buFont typeface="Arial" panose="020B0604020202020204" pitchFamily="34" charset="0"/>
+              <a:buNone/>
+              <a:tabLst/>
+              <a:defRPr/>
+            </a:pPr>
+            <a:r>
+              <a:rPr kumimoji="0" lang="en-US" sz="1800" b="0" i="0" u="none" strike="noStrike" kern="1200" cap="none" spc="0" normalizeH="0" baseline="0" noProof="0" dirty="0">
+                <a:ln>
+                  <a:noFill/>
+                </a:ln>
+                <a:solidFill>
+                  <a:prstClr val="black"/>
+                </a:solidFill>
+                <a:effectLst/>
+                <a:uLnTx/>
+                <a:uFillTx/>
+                <a:latin typeface="Aptos" panose="02110004020202020204"/>
+                <a:ea typeface="+mn-ea"/>
+                <a:cs typeface="+mn-cs"/>
+              </a:rPr>
+              <a:t>With C speedups:</a:t>
+            </a:r>
+          </a:p>
+          <a:p>
+            <a:pPr marL="228600" marR="0" lvl="0" indent="-228600" algn="l" defTabSz="914400" rtl="0" eaLnBrk="1" fontAlgn="auto" latinLnBrk="0" hangingPunct="1">
+              <a:lnSpc>
+                <a:spcPct val="90000"/>
+              </a:lnSpc>
+              <a:spcBef>
+                <a:spcPts val="1000"/>
+              </a:spcBef>
+              <a:spcAft>
+                <a:spcPts val="0"/>
+              </a:spcAft>
+              <a:buClrTx/>
+              <a:buSzTx/>
+              <a:buFont typeface="Arial" panose="020B0604020202020204" pitchFamily="34" charset="0"/>
+              <a:buChar char="•"/>
+              <a:tabLst/>
+              <a:defRPr/>
+            </a:pPr>
+            <a:endParaRPr kumimoji="0" lang="en-US" sz="1800" b="0" i="0" u="none" strike="noStrike" kern="1200" cap="none" spc="0" normalizeH="0" baseline="0" noProof="0" dirty="0">
+              <a:ln>
+                <a:noFill/>
+              </a:ln>
+              <a:solidFill>
+                <a:prstClr val="black"/>
+              </a:solidFill>
+              <a:effectLst/>
+              <a:uLnTx/>
+              <a:uFillTx/>
+              <a:latin typeface="Aptos" panose="02110004020202020204"/>
+              <a:ea typeface="+mn-ea"/>
+              <a:cs typeface="+mn-cs"/>
+            </a:endParaRPr>
+          </a:p>
+          <a:p>
+            <a:pPr marL="228600" marR="0" lvl="0" indent="-228600" algn="l" defTabSz="914400" rtl="0" eaLnBrk="1" fontAlgn="auto" latinLnBrk="0" hangingPunct="1">
+              <a:lnSpc>
+                <a:spcPct val="90000"/>
+              </a:lnSpc>
+              <a:spcBef>
+                <a:spcPts val="1000"/>
+              </a:spcBef>
+              <a:spcAft>
+                <a:spcPts val="0"/>
+              </a:spcAft>
+              <a:buClrTx/>
+              <a:buSzTx/>
+              <a:buFont typeface="Arial" panose="020B0604020202020204" pitchFamily="34" charset="0"/>
+              <a:buChar char="•"/>
+              <a:tabLst/>
+              <a:defRPr/>
+            </a:pPr>
+            <a:endParaRPr kumimoji="0" lang="en-US" sz="1800" b="0" i="0" u="none" strike="noStrike" kern="1200" cap="none" spc="0" normalizeH="0" baseline="0" noProof="0" dirty="0">
+              <a:ln>
+                <a:noFill/>
+              </a:ln>
+              <a:solidFill>
+                <a:prstClr val="black"/>
+              </a:solidFill>
+              <a:effectLst/>
+              <a:uLnTx/>
+              <a:uFillTx/>
+              <a:latin typeface="Aptos" panose="02110004020202020204"/>
+              <a:ea typeface="+mn-ea"/>
+              <a:cs typeface="+mn-cs"/>
+            </a:endParaRPr>
+          </a:p>
+        </p:txBody>
+      </p:sp>
+    </p:spTree>
+  </p:cSld>
+  <p:clrMapOvr>
+    <a:masterClrMapping/>
+  </p:clrMapOvr>
+</p:sld>
+</file>
+
+<file path=ppt/slides/slide26.xml><?xml version="1.0" encoding="utf-8"?>
+<p:sld xmlns:a="http://schemas.openxmlformats.org/drawingml/2006/main" xmlns:r="http://schemas.openxmlformats.org/officeDocument/2006/relationships" xmlns:p="http://schemas.openxmlformats.org/presentationml/2006/main">
+  <p:cSld>
+    <p:spTree>
+      <p:nvGrpSpPr>
+        <p:cNvPr id="1" name="">
+          <a:extLst>
+            <a:ext uri="{FF2B5EF4-FFF2-40B4-BE49-F238E27FC236}">
+              <a16:creationId xmlns:a16="http://schemas.microsoft.com/office/drawing/2014/main" id="{03C17674-D9CB-4FBA-8186-0311F001A0AB}"/>
+            </a:ext>
+          </a:extLst>
+        </p:cNvPr>
+        <p:cNvGrpSpPr/>
+        <p:nvPr/>
+      </p:nvGrpSpPr>
+      <p:grpSpPr>
+        <a:xfrm>
+          <a:off x="0" y="0"/>
+          <a:ext cx="0" cy="0"/>
+          <a:chOff x="0" y="0"/>
+          <a:chExt cx="0" cy="0"/>
+        </a:xfrm>
+      </p:grpSpPr>
+      <p:sp>
+        <p:nvSpPr>
+          <p:cNvPr id="2" name="Title 1">
+            <a:extLst>
+              <a:ext uri="{FF2B5EF4-FFF2-40B4-BE49-F238E27FC236}">
+                <a16:creationId xmlns:a16="http://schemas.microsoft.com/office/drawing/2014/main" id="{9A4C2867-7EAE-27A6-790F-906D4CEF6926}"/>
+              </a:ext>
+            </a:extLst>
+          </p:cNvPr>
+          <p:cNvSpPr>
+            <a:spLocks noGrp="1"/>
+          </p:cNvSpPr>
+          <p:nvPr>
+            <p:ph type="title"/>
+          </p:nvPr>
+        </p:nvSpPr>
+        <p:spPr/>
+        <p:txBody>
+          <a:bodyPr/>
+          <a:lstStyle/>
+          <a:p>
+            <a:r>
+              <a:rPr dirty="0"/>
+              <a:t>Initial Analysis</a:t>
+            </a:r>
+          </a:p>
+        </p:txBody>
+      </p:sp>
+      <p:sp>
+        <p:nvSpPr>
+          <p:cNvPr id="3" name="Content Placeholder 2">
+            <a:extLst>
+              <a:ext uri="{FF2B5EF4-FFF2-40B4-BE49-F238E27FC236}">
+                <a16:creationId xmlns:a16="http://schemas.microsoft.com/office/drawing/2014/main" id="{61AEDBA1-B30E-BDF2-3464-D4069116DABE}"/>
+              </a:ext>
+            </a:extLst>
+          </p:cNvPr>
+          <p:cNvSpPr>
+            <a:spLocks noGrp="1"/>
+          </p:cNvSpPr>
+          <p:nvPr>
+            <p:ph idx="1"/>
+          </p:nvPr>
+        </p:nvSpPr>
+        <p:spPr>
+          <a:xfrm>
+            <a:off x="838200" y="1825625"/>
+            <a:ext cx="10515600" cy="4667250"/>
+          </a:xfrm>
+        </p:spPr>
+        <p:txBody>
+          <a:bodyPr>
+            <a:normAutofit/>
+          </a:bodyPr>
+          <a:lstStyle/>
+          <a:p>
+            <a:r>
+              <a:rPr lang="en-US" dirty="0"/>
+              <a:t>Note the python stack is “deep”</a:t>
+            </a:r>
+          </a:p>
+          <a:p>
+            <a:endParaRPr lang="en-US" dirty="0"/>
+          </a:p>
+          <a:p>
+            <a:endParaRPr lang="en-US" dirty="0"/>
+          </a:p>
+          <a:p>
+            <a:endParaRPr lang="en-US" dirty="0"/>
+          </a:p>
+          <a:p>
+            <a:r>
+              <a:rPr lang="en-US" dirty="0"/>
+              <a:t>pyperformance main loop: </a:t>
+            </a:r>
+          </a:p>
+          <a:p>
+            <a:pPr marL="457200" lvl="1" indent="0">
+              <a:buNone/>
+            </a:pPr>
+            <a:endParaRPr lang="en-US" sz="4000" dirty="0"/>
+          </a:p>
+          <a:p>
+            <a:pPr lvl="1"/>
+            <a:r>
+              <a:rPr lang="en-US" sz="2800" dirty="0"/>
+              <a:t>dumps calls </a:t>
+            </a:r>
+            <a:r>
+              <a:rPr lang="en-US" sz="2800" dirty="0" err="1"/>
+              <a:t>JSONEncoder</a:t>
+            </a:r>
+            <a:r>
+              <a:rPr lang="en-US" sz="2800" dirty="0"/>
+              <a:t>::encode which calls </a:t>
+            </a:r>
+            <a:r>
+              <a:rPr lang="en-US" sz="2800" dirty="0" err="1"/>
+              <a:t>iterencode</a:t>
+            </a:r>
+            <a:endParaRPr lang="en-US" sz="2800" dirty="0"/>
+          </a:p>
+          <a:p>
+            <a:pPr lvl="1"/>
+            <a:r>
+              <a:rPr lang="en-US" sz="2800" dirty="0"/>
+              <a:t>Lots of conditionals and eventually calls C functions to encode</a:t>
+            </a:r>
+          </a:p>
+          <a:p>
+            <a:pPr lvl="1"/>
+            <a:r>
+              <a:rPr lang="en-US" sz="2800" dirty="0"/>
+              <a:t>Program spends long time in python </a:t>
+            </a:r>
+            <a:r>
+              <a:rPr lang="en-US" sz="2800" dirty="0">
+                <a:sym typeface="Wingdings" panose="05000000000000000000" pitchFamily="2" charset="2"/>
+              </a:rPr>
+              <a:t> seek to minimize</a:t>
+            </a:r>
+            <a:endParaRPr lang="en-US" sz="2800" dirty="0"/>
+          </a:p>
+          <a:p>
+            <a:pPr lvl="1"/>
+            <a:endParaRPr lang="en-US" dirty="0"/>
+          </a:p>
+          <a:p>
+            <a:endParaRPr lang="en-US" dirty="0"/>
+          </a:p>
+          <a:p>
+            <a:endParaRPr lang="en-US" dirty="0"/>
+          </a:p>
+        </p:txBody>
+      </p:sp>
+      <p:pic>
+        <p:nvPicPr>
+          <p:cNvPr id="4" name="Picture 3" descr="A colorful background with different colored lines&#10;&#10;AI-generated content may be incorrect.">
+            <a:extLst>
+              <a:ext uri="{FF2B5EF4-FFF2-40B4-BE49-F238E27FC236}">
+                <a16:creationId xmlns:a16="http://schemas.microsoft.com/office/drawing/2014/main" id="{AE515DD2-DD2A-90B4-5356-6D017B486808}"/>
+              </a:ext>
+            </a:extLst>
+          </p:cNvPr>
+          <p:cNvPicPr>
+            <a:picLocks noChangeAspect="1"/>
+          </p:cNvPicPr>
+          <p:nvPr/>
+        </p:nvPicPr>
+        <p:blipFill>
+          <a:blip r:embed="rId2"/>
+          <a:stretch>
+            <a:fillRect/>
+          </a:stretch>
+        </p:blipFill>
+        <p:spPr>
+          <a:xfrm>
+            <a:off x="1095375" y="2293033"/>
+            <a:ext cx="10001250" cy="1659051"/>
+          </a:xfrm>
+          <a:prstGeom prst="rect">
+            <a:avLst/>
+          </a:prstGeom>
+        </p:spPr>
+      </p:pic>
+      <p:pic>
+        <p:nvPicPr>
+          <p:cNvPr id="7" name="Picture 6">
+            <a:extLst>
+              <a:ext uri="{FF2B5EF4-FFF2-40B4-BE49-F238E27FC236}">
+                <a16:creationId xmlns:a16="http://schemas.microsoft.com/office/drawing/2014/main" id="{3A8A0089-52A2-F002-5184-F24BB74CCD73}"/>
+              </a:ext>
+            </a:extLst>
+          </p:cNvPr>
+          <p:cNvPicPr>
+            <a:picLocks noChangeAspect="1"/>
+          </p:cNvPicPr>
+          <p:nvPr/>
+        </p:nvPicPr>
+        <p:blipFill>
+          <a:blip r:embed="rId3"/>
+          <a:stretch>
+            <a:fillRect/>
+          </a:stretch>
+        </p:blipFill>
+        <p:spPr>
+          <a:xfrm>
+            <a:off x="5308601" y="3983834"/>
+            <a:ext cx="2455320" cy="988216"/>
+          </a:xfrm>
+          <a:prstGeom prst="rect">
+            <a:avLst/>
+          </a:prstGeom>
+        </p:spPr>
+      </p:pic>
+    </p:spTree>
+    <p:extLst>
+      <p:ext uri="{BB962C8B-B14F-4D97-AF65-F5344CB8AC3E}">
+        <p14:creationId xmlns:p14="http://schemas.microsoft.com/office/powerpoint/2010/main" val="2298337149"/>
+      </p:ext>
+    </p:extLst>
+  </p:cSld>
+  <p:clrMapOvr>
+    <a:masterClrMapping/>
+  </p:clrMapOvr>
+</p:sld>
+</file>
+
+<file path=ppt/slides/slide27.xml><?xml version="1.0" encoding="utf-8"?>
+<p:sld xmlns:a="http://schemas.openxmlformats.org/drawingml/2006/main" xmlns:r="http://schemas.openxmlformats.org/officeDocument/2006/relationships" xmlns:p="http://schemas.openxmlformats.org/presentationml/2006/main">
+  <p:cSld>
+    <p:spTree>
+      <p:nvGrpSpPr>
+        <p:cNvPr id="1" name=""/>
+        <p:cNvGrpSpPr/>
+        <p:nvPr/>
+      </p:nvGrpSpPr>
+      <p:grpSpPr>
+        <a:xfrm>
+          <a:off x="0" y="0"/>
+          <a:ext cx="0" cy="0"/>
+          <a:chOff x="0" y="0"/>
+          <a:chExt cx="0" cy="0"/>
+        </a:xfrm>
+      </p:grpSpPr>
+      <p:sp>
+        <p:nvSpPr>
+          <p:cNvPr id="2" name="Title 1"/>
+          <p:cNvSpPr>
+            <a:spLocks noGrp="1"/>
+          </p:cNvSpPr>
+          <p:nvPr>
+            <p:ph type="title"/>
+          </p:nvPr>
+        </p:nvSpPr>
+        <p:spPr/>
+        <p:txBody>
+          <a:bodyPr/>
+          <a:lstStyle/>
+          <a:p>
+            <a:r>
+              <a:rPr dirty="0"/>
+              <a:t>Optimization </a:t>
+            </a:r>
+            <a:r>
+              <a:rPr lang="en-US" dirty="0"/>
+              <a:t>– </a:t>
+            </a:r>
+            <a:r>
+              <a:rPr dirty="0"/>
+              <a:t>Substitute</a:t>
+            </a:r>
+            <a:r>
+              <a:rPr lang="en-US" dirty="0"/>
+              <a:t> </a:t>
+            </a:r>
+            <a:r>
+              <a:rPr dirty="0"/>
+              <a:t>orjson</a:t>
+            </a:r>
+          </a:p>
+        </p:txBody>
+      </p:sp>
+      <p:sp>
+        <p:nvSpPr>
+          <p:cNvPr id="3" name="Content Placeholder 2"/>
+          <p:cNvSpPr>
+            <a:spLocks noGrp="1"/>
+          </p:cNvSpPr>
+          <p:nvPr>
+            <p:ph idx="1"/>
+          </p:nvPr>
+        </p:nvSpPr>
+        <p:spPr/>
+        <p:txBody>
+          <a:bodyPr>
+            <a:normAutofit/>
+          </a:bodyPr>
+          <a:lstStyle/>
+          <a:p>
+            <a:r>
+              <a:rPr lang="en-US" dirty="0"/>
+              <a:t>High-performance JSON library</a:t>
+            </a:r>
+          </a:p>
+          <a:p>
+            <a:r>
+              <a:rPr lang="en-US" dirty="0"/>
+              <a:t>Native Rust implementation</a:t>
+            </a:r>
+          </a:p>
+          <a:p>
+            <a:pPr lvl="1"/>
+            <a:r>
+              <a:rPr lang="en-US" dirty="0"/>
+              <a:t>Avoids slow Python conditionals and interpreter overhead</a:t>
+            </a:r>
+          </a:p>
+          <a:p>
+            <a:pPr lvl="1"/>
+            <a:r>
+              <a:rPr lang="en-US" dirty="0"/>
+              <a:t>Utilizes SIMD to process multiple characters in parallel</a:t>
+            </a:r>
+          </a:p>
+          <a:p>
+            <a:r>
+              <a:rPr lang="en-US" b="1" dirty="0"/>
+              <a:t>Result</a:t>
+            </a:r>
+            <a:r>
+              <a:rPr lang="en-US" dirty="0"/>
+              <a:t>: </a:t>
+            </a:r>
+            <a:r>
+              <a:rPr lang="en-US" dirty="0" err="1"/>
+              <a:t>stdlib</a:t>
+            </a:r>
+            <a:r>
+              <a:rPr lang="en-US" dirty="0"/>
+              <a:t> </a:t>
+            </a:r>
+            <a:r>
+              <a:rPr lang="en-US" dirty="0" err="1"/>
+              <a:t>json</a:t>
+            </a:r>
+            <a:r>
+              <a:rPr lang="en-US" dirty="0"/>
+              <a:t> = 62.2 </a:t>
+            </a:r>
+            <a:r>
+              <a:rPr lang="en-US" dirty="0" err="1"/>
+              <a:t>ms</a:t>
+            </a:r>
+            <a:r>
+              <a:rPr lang="en-US" dirty="0"/>
+              <a:t> ± 0.5 </a:t>
+            </a:r>
+            <a:r>
+              <a:rPr lang="en-US" dirty="0" err="1"/>
+              <a:t>ms</a:t>
+            </a:r>
+            <a:r>
+              <a:rPr lang="en-US" dirty="0"/>
+              <a:t>; orjson = 11.9 </a:t>
+            </a:r>
+            <a:r>
+              <a:rPr lang="en-US" dirty="0" err="1"/>
+              <a:t>ms</a:t>
+            </a:r>
+            <a:r>
+              <a:rPr lang="en-US" dirty="0"/>
+              <a:t> ± 0.1 </a:t>
+            </a:r>
+            <a:r>
+              <a:rPr lang="en-US" dirty="0" err="1"/>
+              <a:t>ms</a:t>
+            </a:r>
+            <a:r>
+              <a:rPr lang="en-US" dirty="0"/>
+              <a:t> </a:t>
+            </a:r>
+          </a:p>
+          <a:p>
+            <a:pPr marL="0" indent="0">
+              <a:buNone/>
+            </a:pPr>
+            <a:endParaRPr lang="en-US" dirty="0"/>
+          </a:p>
+        </p:txBody>
+      </p:sp>
+      <p:pic>
+        <p:nvPicPr>
+          <p:cNvPr id="1026" name="Picture 2" descr="Python — orjson. A fast JSON library ...">
+            <a:extLst>
+              <a:ext uri="{FF2B5EF4-FFF2-40B4-BE49-F238E27FC236}">
+                <a16:creationId xmlns:a16="http://schemas.microsoft.com/office/drawing/2014/main" id="{18A772EA-C073-70D1-9C47-62F6E2890AB4}"/>
+              </a:ext>
+            </a:extLst>
+          </p:cNvPr>
+          <p:cNvPicPr>
+            <a:picLocks noChangeAspect="1" noChangeArrowheads="1"/>
+          </p:cNvPicPr>
+          <p:nvPr/>
+        </p:nvPicPr>
+        <p:blipFill>
+          <a:blip r:embed="rId2">
+            <a:extLst>
+              <a:ext uri="{28A0092B-C50C-407E-A947-70E740481C1C}">
+                <a14:useLocalDpi xmlns:a14="http://schemas.microsoft.com/office/drawing/2010/main" val="0"/>
+              </a:ext>
+            </a:extLst>
+          </a:blip>
+          <a:srcRect/>
+          <a:stretch>
+            <a:fillRect/>
+          </a:stretch>
+        </p:blipFill>
+        <p:spPr bwMode="auto">
+          <a:xfrm>
+            <a:off x="2538413" y="4430681"/>
+            <a:ext cx="3557587" cy="2062194"/>
+          </a:xfrm>
+          <a:prstGeom prst="rect">
+            <a:avLst/>
+          </a:prstGeom>
+          <a:noFill/>
+          <a:extLst>
+            <a:ext uri="{909E8E84-426E-40DD-AFC4-6F175D3DCCD1}">
+              <a14:hiddenFill xmlns:a14="http://schemas.microsoft.com/office/drawing/2010/main">
+                <a:solidFill>
+                  <a:srgbClr val="FFFFFF"/>
+                </a:solidFill>
+              </a14:hiddenFill>
+            </a:ext>
+          </a:extLst>
+        </p:spPr>
+      </p:pic>
+      <p:pic>
+        <p:nvPicPr>
+          <p:cNvPr id="4" name="Picture 2" descr="Rust (programming language) - Wikipedia">
+            <a:extLst>
+              <a:ext uri="{FF2B5EF4-FFF2-40B4-BE49-F238E27FC236}">
+                <a16:creationId xmlns:a16="http://schemas.microsoft.com/office/drawing/2014/main" id="{5147032E-B5C6-008D-EE44-0C2EB203B8A3}"/>
+              </a:ext>
+            </a:extLst>
+          </p:cNvPr>
+          <p:cNvPicPr>
+            <a:picLocks noChangeAspect="1" noChangeArrowheads="1"/>
+          </p:cNvPicPr>
+          <p:nvPr/>
+        </p:nvPicPr>
+        <p:blipFill>
+          <a:blip r:embed="rId3">
+            <a:extLst>
+              <a:ext uri="{28A0092B-C50C-407E-A947-70E740481C1C}">
+                <a14:useLocalDpi xmlns:a14="http://schemas.microsoft.com/office/drawing/2010/main" val="0"/>
+              </a:ext>
+            </a:extLst>
+          </a:blip>
+          <a:srcRect/>
+          <a:stretch>
+            <a:fillRect/>
+          </a:stretch>
+        </p:blipFill>
+        <p:spPr bwMode="auto">
+          <a:xfrm>
+            <a:off x="7510463" y="4390216"/>
+            <a:ext cx="2102660" cy="2102660"/>
+          </a:xfrm>
+          <a:prstGeom prst="rect">
+            <a:avLst/>
+          </a:prstGeom>
+          <a:noFill/>
+          <a:extLst>
+            <a:ext uri="{909E8E84-426E-40DD-AFC4-6F175D3DCCD1}">
+              <a14:hiddenFill xmlns:a14="http://schemas.microsoft.com/office/drawing/2010/main">
+                <a:solidFill>
+                  <a:srgbClr val="FFFFFF"/>
+                </a:solidFill>
+              </a14:hiddenFill>
+            </a:ext>
+          </a:extLst>
+        </p:spPr>
+      </p:pic>
+    </p:spTree>
+  </p:cSld>
+  <p:clrMapOvr>
+    <a:masterClrMapping/>
+  </p:clrMapOvr>
+</p:sld>
+</file>
+
+<file path=ppt/slides/slide28.xml><?xml version="1.0" encoding="utf-8"?>
+<p:sld xmlns:a="http://schemas.openxmlformats.org/drawingml/2006/main" xmlns:r="http://schemas.openxmlformats.org/officeDocument/2006/relationships" xmlns:p="http://schemas.openxmlformats.org/presentationml/2006/main">
+  <p:cSld>
+    <p:spTree>
+      <p:nvGrpSpPr>
+        <p:cNvPr id="1" name=""/>
+        <p:cNvGrpSpPr/>
+        <p:nvPr/>
+      </p:nvGrpSpPr>
+      <p:grpSpPr>
+        <a:xfrm>
+          <a:off x="0" y="0"/>
+          <a:ext cx="0" cy="0"/>
+          <a:chOff x="0" y="0"/>
+          <a:chExt cx="0" cy="0"/>
+        </a:xfrm>
+      </p:grpSpPr>
+      <p:sp>
+        <p:nvSpPr>
+          <p:cNvPr id="2" name="Title 1"/>
+          <p:cNvSpPr>
+            <a:spLocks noGrp="1"/>
+          </p:cNvSpPr>
+          <p:nvPr>
+            <p:ph type="title"/>
+          </p:nvPr>
+        </p:nvSpPr>
+        <p:spPr/>
+        <p:txBody>
+          <a:bodyPr/>
+          <a:lstStyle/>
+          <a:p>
+            <a:r>
+              <a:rPr dirty="0"/>
+              <a:t>Integration </a:t>
+            </a:r>
+            <a:r>
+              <a:rPr lang="en-US" dirty="0"/>
+              <a:t>- </a:t>
+            </a:r>
+            <a:r>
+              <a:rPr dirty="0"/>
+              <a:t>routing calls to orjson</a:t>
+            </a:r>
+          </a:p>
+        </p:txBody>
+      </p:sp>
+      <p:sp>
+        <p:nvSpPr>
+          <p:cNvPr id="3" name="Content Placeholder 2"/>
+          <p:cNvSpPr>
+            <a:spLocks noGrp="1"/>
+          </p:cNvSpPr>
+          <p:nvPr>
+            <p:ph idx="1"/>
+          </p:nvPr>
+        </p:nvSpPr>
+        <p:spPr/>
+        <p:txBody>
+          <a:bodyPr/>
+          <a:lstStyle/>
+          <a:p>
+            <a:r>
+              <a:rPr lang="en-US" dirty="0"/>
+              <a:t>“Monkey‑patch” json.dumps → </a:t>
+            </a:r>
+            <a:r>
+              <a:rPr lang="en-US" dirty="0" err="1"/>
+              <a:t>orjson.dumps</a:t>
+            </a:r>
+            <a:endParaRPr lang="en-US" dirty="0"/>
+          </a:p>
+          <a:p>
+            <a:pPr lvl="1"/>
+            <a:r>
+              <a:rPr lang="en-US" dirty="0"/>
+              <a:t>Create sitecustomize.py and put in PYTHONPATH folder (env variable)</a:t>
+            </a:r>
+          </a:p>
+          <a:p>
+            <a:pPr lvl="1"/>
+            <a:r>
+              <a:rPr lang="en-US" dirty="0"/>
+              <a:t>Run benchmark with flag for pyperformance processes to see patch</a:t>
+            </a:r>
+          </a:p>
+          <a:p>
+            <a:pPr marL="0" indent="0">
+              <a:buNone/>
+            </a:pPr>
+            <a:br>
+              <a:rPr dirty="0"/>
+            </a:br>
+            <a:endParaRPr dirty="0"/>
+          </a:p>
+        </p:txBody>
+      </p:sp>
+      <p:pic>
+        <p:nvPicPr>
+          <p:cNvPr id="2050" name="Picture 2" descr="86+ Thousand Cartoon Funny Monkey Royalty-Free Images, Stock Photos &amp;  Pictures | Shutterstock">
+            <a:extLst>
+              <a:ext uri="{FF2B5EF4-FFF2-40B4-BE49-F238E27FC236}">
+                <a16:creationId xmlns:a16="http://schemas.microsoft.com/office/drawing/2014/main" id="{430786F5-9AC8-3137-04E5-8F4C095432E9}"/>
+              </a:ext>
+            </a:extLst>
+          </p:cNvPr>
+          <p:cNvPicPr>
+            <a:picLocks noChangeAspect="1" noChangeArrowheads="1"/>
+          </p:cNvPicPr>
+          <p:nvPr/>
+        </p:nvPicPr>
+        <p:blipFill>
+          <a:blip r:embed="rId2">
+            <a:extLst>
+              <a:ext uri="{28A0092B-C50C-407E-A947-70E740481C1C}">
+                <a14:useLocalDpi xmlns:a14="http://schemas.microsoft.com/office/drawing/2010/main" val="0"/>
+              </a:ext>
+            </a:extLst>
+          </a:blip>
+          <a:srcRect/>
+          <a:stretch>
+            <a:fillRect/>
+          </a:stretch>
+        </p:blipFill>
+        <p:spPr bwMode="auto">
+          <a:xfrm>
+            <a:off x="8331201" y="3244850"/>
+            <a:ext cx="3189306" cy="3067050"/>
+          </a:xfrm>
+          <a:prstGeom prst="rect">
+            <a:avLst/>
+          </a:prstGeom>
+          <a:noFill/>
+          <a:extLst>
+            <a:ext uri="{909E8E84-426E-40DD-AFC4-6F175D3DCCD1}">
+              <a14:hiddenFill xmlns:a14="http://schemas.microsoft.com/office/drawing/2010/main">
+                <a:solidFill>
+                  <a:srgbClr val="FFFFFF"/>
+                </a:solidFill>
+              </a14:hiddenFill>
+            </a:ext>
+          </a:extLst>
+        </p:spPr>
+      </p:pic>
+      <p:sp>
+        <p:nvSpPr>
+          <p:cNvPr id="4" name="TextBox 3">
+            <a:extLst>
+              <a:ext uri="{FF2B5EF4-FFF2-40B4-BE49-F238E27FC236}">
+                <a16:creationId xmlns:a16="http://schemas.microsoft.com/office/drawing/2014/main" id="{E3651B0F-703A-474F-AC88-E0E4AB7D3459}"/>
+              </a:ext>
+            </a:extLst>
+          </p:cNvPr>
+          <p:cNvSpPr txBox="1"/>
+          <p:nvPr/>
+        </p:nvSpPr>
+        <p:spPr>
+          <a:xfrm>
+            <a:off x="915204" y="3572689"/>
+            <a:ext cx="6495246" cy="2631490"/>
+          </a:xfrm>
+          <a:prstGeom prst="rect">
+            <a:avLst/>
+          </a:prstGeom>
+          <a:solidFill>
+            <a:schemeClr val="tx1"/>
+          </a:solidFill>
+        </p:spPr>
+        <p:txBody>
+          <a:bodyPr wrap="square" rtlCol="0">
+            <a:spAutoFit/>
+          </a:bodyPr>
+          <a:lstStyle/>
+          <a:p>
+            <a:pPr marL="0" marR="0" lvl="0" indent="0" algn="l" defTabSz="914400" rtl="0" eaLnBrk="1" fontAlgn="auto" latinLnBrk="0" hangingPunct="1">
+              <a:lnSpc>
+                <a:spcPct val="100000"/>
+              </a:lnSpc>
+              <a:spcBef>
+                <a:spcPts val="0"/>
+              </a:spcBef>
+              <a:spcAft>
+                <a:spcPts val="0"/>
+              </a:spcAft>
+              <a:buClrTx/>
+              <a:buSzTx/>
+              <a:buFontTx/>
+              <a:buNone/>
+              <a:tabLst/>
+              <a:defRPr/>
+            </a:pPr>
+            <a:r>
+              <a:rPr kumimoji="0" lang="en-US" sz="1100" b="0" i="0" u="none" strike="noStrike" kern="1200" cap="none" spc="0" normalizeH="0" baseline="0" noProof="0" dirty="0">
+                <a:ln>
+                  <a:noFill/>
+                </a:ln>
+                <a:solidFill>
+                  <a:prstClr val="white"/>
+                </a:solidFill>
+                <a:effectLst/>
+                <a:uLnTx/>
+                <a:uFillTx/>
+                <a:latin typeface="Consolas"/>
+                <a:ea typeface="+mn-ea"/>
+                <a:cs typeface="+mn-cs"/>
+              </a:rPr>
+              <a:t># Monkey‑patch json.dumps to use </a:t>
+            </a:r>
+            <a:r>
+              <a:rPr kumimoji="0" lang="en-US" sz="1100" b="0" i="0" u="none" strike="noStrike" kern="1200" cap="none" spc="0" normalizeH="0" baseline="0" noProof="0" dirty="0" err="1">
+                <a:ln>
+                  <a:noFill/>
+                </a:ln>
+                <a:solidFill>
+                  <a:prstClr val="white"/>
+                </a:solidFill>
+                <a:effectLst/>
+                <a:uLnTx/>
+                <a:uFillTx/>
+                <a:latin typeface="Consolas"/>
+                <a:ea typeface="+mn-ea"/>
+                <a:cs typeface="+mn-cs"/>
+              </a:rPr>
+              <a:t>orjson.dumps</a:t>
+            </a:r>
+            <a:br>
+              <a:rPr kumimoji="0" lang="en-US" sz="1100" b="0" i="0" u="none" strike="noStrike" kern="1200" cap="none" spc="0" normalizeH="0" baseline="0" noProof="0" dirty="0">
+                <a:ln>
+                  <a:noFill/>
+                </a:ln>
+                <a:solidFill>
+                  <a:prstClr val="white"/>
+                </a:solidFill>
+                <a:effectLst/>
+                <a:uLnTx/>
+                <a:uFillTx/>
+                <a:latin typeface="Aptos" panose="02110004020202020204"/>
+                <a:ea typeface="+mn-ea"/>
+                <a:cs typeface="+mn-cs"/>
+              </a:rPr>
+            </a:br>
+            <a:r>
+              <a:rPr kumimoji="0" lang="en-US" sz="1100" b="0" i="0" u="none" strike="noStrike" kern="1200" cap="none" spc="0" normalizeH="0" baseline="0" noProof="0" dirty="0">
+                <a:ln>
+                  <a:noFill/>
+                </a:ln>
+                <a:solidFill>
+                  <a:prstClr val="white"/>
+                </a:solidFill>
+                <a:effectLst/>
+                <a:uLnTx/>
+                <a:uFillTx/>
+                <a:latin typeface="Consolas"/>
+                <a:ea typeface="+mn-ea"/>
+                <a:cs typeface="+mn-cs"/>
+              </a:rPr>
+              <a:t>PATCHDIR=$(</a:t>
+            </a:r>
+            <a:r>
+              <a:rPr kumimoji="0" lang="en-US" sz="1100" b="0" i="0" u="none" strike="noStrike" kern="1200" cap="none" spc="0" normalizeH="0" baseline="0" noProof="0" dirty="0" err="1">
+                <a:ln>
+                  <a:noFill/>
+                </a:ln>
+                <a:solidFill>
+                  <a:prstClr val="white"/>
+                </a:solidFill>
+                <a:effectLst/>
+                <a:uLnTx/>
+                <a:uFillTx/>
+                <a:latin typeface="Consolas"/>
+                <a:ea typeface="+mn-ea"/>
+                <a:cs typeface="+mn-cs"/>
+              </a:rPr>
+              <a:t>mktemp</a:t>
+            </a:r>
+            <a:r>
+              <a:rPr kumimoji="0" lang="en-US" sz="1100" b="0" i="0" u="none" strike="noStrike" kern="1200" cap="none" spc="0" normalizeH="0" baseline="0" noProof="0" dirty="0">
+                <a:ln>
+                  <a:noFill/>
+                </a:ln>
+                <a:solidFill>
+                  <a:prstClr val="white"/>
+                </a:solidFill>
+                <a:effectLst/>
+                <a:uLnTx/>
+                <a:uFillTx/>
+                <a:latin typeface="Consolas"/>
+                <a:ea typeface="+mn-ea"/>
+                <a:cs typeface="+mn-cs"/>
+              </a:rPr>
+              <a:t> -d)</a:t>
+            </a:r>
+            <a:br>
+              <a:rPr kumimoji="0" lang="en-US" sz="1100" b="0" i="0" u="none" strike="noStrike" kern="1200" cap="none" spc="0" normalizeH="0" baseline="0" noProof="0" dirty="0">
+                <a:ln>
+                  <a:noFill/>
+                </a:ln>
+                <a:solidFill>
+                  <a:prstClr val="white"/>
+                </a:solidFill>
+                <a:effectLst/>
+                <a:uLnTx/>
+                <a:uFillTx/>
+                <a:latin typeface="Aptos" panose="02110004020202020204"/>
+                <a:ea typeface="+mn-ea"/>
+                <a:cs typeface="+mn-cs"/>
+              </a:rPr>
+            </a:br>
+            <a:r>
+              <a:rPr kumimoji="0" lang="en-US" sz="1100" b="0" i="0" u="none" strike="noStrike" kern="1200" cap="none" spc="0" normalizeH="0" baseline="0" noProof="0" dirty="0">
+                <a:ln>
+                  <a:noFill/>
+                </a:ln>
+                <a:solidFill>
+                  <a:prstClr val="white"/>
+                </a:solidFill>
+                <a:effectLst/>
+                <a:uLnTx/>
+                <a:uFillTx/>
+                <a:latin typeface="Consolas"/>
+                <a:ea typeface="+mn-ea"/>
+                <a:cs typeface="+mn-cs"/>
+              </a:rPr>
+              <a:t>cat &gt; "$PATCHDIR/sitecustomize.py" &lt;&lt;'PY'</a:t>
+            </a:r>
+            <a:br>
+              <a:rPr kumimoji="0" lang="en-US" sz="1100" b="0" i="0" u="none" strike="noStrike" kern="1200" cap="none" spc="0" normalizeH="0" baseline="0" noProof="0" dirty="0">
+                <a:ln>
+                  <a:noFill/>
+                </a:ln>
+                <a:solidFill>
+                  <a:prstClr val="white"/>
+                </a:solidFill>
+                <a:effectLst/>
+                <a:uLnTx/>
+                <a:uFillTx/>
+                <a:latin typeface="Aptos" panose="02110004020202020204"/>
+                <a:ea typeface="+mn-ea"/>
+                <a:cs typeface="+mn-cs"/>
+              </a:rPr>
+            </a:br>
+            <a:r>
+              <a:rPr kumimoji="0" lang="en-US" sz="1100" b="0" i="0" u="none" strike="noStrike" kern="1200" cap="none" spc="0" normalizeH="0" baseline="0" noProof="0" dirty="0">
+                <a:ln>
+                  <a:noFill/>
+                </a:ln>
+                <a:solidFill>
+                  <a:prstClr val="white"/>
+                </a:solidFill>
+                <a:effectLst/>
+                <a:uLnTx/>
+                <a:uFillTx/>
+                <a:latin typeface="Consolas"/>
+                <a:ea typeface="+mn-ea"/>
+                <a:cs typeface="+mn-cs"/>
+              </a:rPr>
+              <a:t>import </a:t>
+            </a:r>
+            <a:r>
+              <a:rPr kumimoji="0" lang="en-US" sz="1100" b="0" i="0" u="none" strike="noStrike" kern="1200" cap="none" spc="0" normalizeH="0" baseline="0" noProof="0" dirty="0" err="1">
+                <a:ln>
+                  <a:noFill/>
+                </a:ln>
+                <a:solidFill>
+                  <a:prstClr val="white"/>
+                </a:solidFill>
+                <a:effectLst/>
+                <a:uLnTx/>
+                <a:uFillTx/>
+                <a:latin typeface="Consolas"/>
+                <a:ea typeface="+mn-ea"/>
+                <a:cs typeface="+mn-cs"/>
+              </a:rPr>
+              <a:t>json</a:t>
+            </a:r>
+            <a:br>
+              <a:rPr kumimoji="0" lang="en-US" sz="1100" b="0" i="0" u="none" strike="noStrike" kern="1200" cap="none" spc="0" normalizeH="0" baseline="0" noProof="0" dirty="0">
+                <a:ln>
+                  <a:noFill/>
+                </a:ln>
+                <a:solidFill>
+                  <a:prstClr val="white"/>
+                </a:solidFill>
+                <a:effectLst/>
+                <a:uLnTx/>
+                <a:uFillTx/>
+                <a:latin typeface="Aptos" panose="02110004020202020204"/>
+                <a:ea typeface="+mn-ea"/>
+                <a:cs typeface="+mn-cs"/>
+              </a:rPr>
+            </a:br>
+            <a:r>
+              <a:rPr kumimoji="0" lang="en-US" sz="1100" b="0" i="0" u="none" strike="noStrike" kern="1200" cap="none" spc="0" normalizeH="0" baseline="0" noProof="0" dirty="0">
+                <a:ln>
+                  <a:noFill/>
+                </a:ln>
+                <a:solidFill>
+                  <a:prstClr val="white"/>
+                </a:solidFill>
+                <a:effectLst/>
+                <a:uLnTx/>
+                <a:uFillTx/>
+                <a:latin typeface="Consolas"/>
+                <a:ea typeface="+mn-ea"/>
+                <a:cs typeface="+mn-cs"/>
+              </a:rPr>
+              <a:t>try:</a:t>
+            </a:r>
+            <a:br>
+              <a:rPr kumimoji="0" lang="en-US" sz="1100" b="0" i="0" u="none" strike="noStrike" kern="1200" cap="none" spc="0" normalizeH="0" baseline="0" noProof="0" dirty="0">
+                <a:ln>
+                  <a:noFill/>
+                </a:ln>
+                <a:solidFill>
+                  <a:prstClr val="white"/>
+                </a:solidFill>
+                <a:effectLst/>
+                <a:uLnTx/>
+                <a:uFillTx/>
+                <a:latin typeface="Aptos" panose="02110004020202020204"/>
+                <a:ea typeface="+mn-ea"/>
+                <a:cs typeface="+mn-cs"/>
+              </a:rPr>
+            </a:br>
+            <a:r>
+              <a:rPr kumimoji="0" lang="en-US" sz="1100" b="0" i="0" u="none" strike="noStrike" kern="1200" cap="none" spc="0" normalizeH="0" baseline="0" noProof="0" dirty="0">
+                <a:ln>
+                  <a:noFill/>
+                </a:ln>
+                <a:solidFill>
+                  <a:prstClr val="white"/>
+                </a:solidFill>
+                <a:effectLst/>
+                <a:uLnTx/>
+                <a:uFillTx/>
+                <a:latin typeface="Consolas"/>
+                <a:ea typeface="+mn-ea"/>
+                <a:cs typeface="+mn-cs"/>
+              </a:rPr>
+              <a:t>    import orjson</a:t>
+            </a:r>
+            <a:br>
+              <a:rPr kumimoji="0" lang="en-US" sz="1100" b="0" i="0" u="none" strike="noStrike" kern="1200" cap="none" spc="0" normalizeH="0" baseline="0" noProof="0" dirty="0">
+                <a:ln>
+                  <a:noFill/>
+                </a:ln>
+                <a:solidFill>
+                  <a:prstClr val="white"/>
+                </a:solidFill>
+                <a:effectLst/>
+                <a:uLnTx/>
+                <a:uFillTx/>
+                <a:latin typeface="Aptos" panose="02110004020202020204"/>
+                <a:ea typeface="+mn-ea"/>
+                <a:cs typeface="+mn-cs"/>
+              </a:rPr>
+            </a:br>
+            <a:r>
+              <a:rPr kumimoji="0" lang="en-US" sz="1100" b="0" i="0" u="none" strike="noStrike" kern="1200" cap="none" spc="0" normalizeH="0" baseline="0" noProof="0" dirty="0">
+                <a:ln>
+                  <a:noFill/>
+                </a:ln>
+                <a:solidFill>
+                  <a:prstClr val="white"/>
+                </a:solidFill>
+                <a:effectLst/>
+                <a:uLnTx/>
+                <a:uFillTx/>
+                <a:latin typeface="Consolas"/>
+                <a:ea typeface="+mn-ea"/>
+                <a:cs typeface="+mn-cs"/>
+              </a:rPr>
+              <a:t>    json.dumps = lambda obj, *a, **kw: </a:t>
+            </a:r>
+            <a:r>
+              <a:rPr kumimoji="0" lang="en-US" sz="1100" b="0" i="0" u="none" strike="noStrike" kern="1200" cap="none" spc="0" normalizeH="0" baseline="0" noProof="0" dirty="0" err="1">
+                <a:ln>
+                  <a:noFill/>
+                </a:ln>
+                <a:solidFill>
+                  <a:prstClr val="white"/>
+                </a:solidFill>
+                <a:effectLst/>
+                <a:uLnTx/>
+                <a:uFillTx/>
+                <a:latin typeface="Consolas"/>
+                <a:ea typeface="+mn-ea"/>
+                <a:cs typeface="+mn-cs"/>
+              </a:rPr>
+              <a:t>orjson.dumps</a:t>
+            </a:r>
+            <a:r>
+              <a:rPr kumimoji="0" lang="en-US" sz="1100" b="0" i="0" u="none" strike="noStrike" kern="1200" cap="none" spc="0" normalizeH="0" baseline="0" noProof="0" dirty="0">
+                <a:ln>
+                  <a:noFill/>
+                </a:ln>
+                <a:solidFill>
+                  <a:prstClr val="white"/>
+                </a:solidFill>
+                <a:effectLst/>
+                <a:uLnTx/>
+                <a:uFillTx/>
+                <a:latin typeface="Consolas"/>
+                <a:ea typeface="+mn-ea"/>
+                <a:cs typeface="+mn-cs"/>
+              </a:rPr>
+              <a:t>(obj).decode("utf-8")</a:t>
+            </a:r>
+            <a:br>
+              <a:rPr kumimoji="0" lang="en-US" sz="1100" b="0" i="0" u="none" strike="noStrike" kern="1200" cap="none" spc="0" normalizeH="0" baseline="0" noProof="0" dirty="0">
+                <a:ln>
+                  <a:noFill/>
+                </a:ln>
+                <a:solidFill>
+                  <a:prstClr val="white"/>
+                </a:solidFill>
+                <a:effectLst/>
+                <a:uLnTx/>
+                <a:uFillTx/>
+                <a:latin typeface="Aptos" panose="02110004020202020204"/>
+                <a:ea typeface="+mn-ea"/>
+                <a:cs typeface="+mn-cs"/>
+              </a:rPr>
+            </a:br>
+            <a:r>
+              <a:rPr kumimoji="0" lang="en-US" sz="1100" b="0" i="0" u="none" strike="noStrike" kern="1200" cap="none" spc="0" normalizeH="0" baseline="0" noProof="0" dirty="0">
+                <a:ln>
+                  <a:noFill/>
+                </a:ln>
+                <a:solidFill>
+                  <a:prstClr val="white"/>
+                </a:solidFill>
+                <a:effectLst/>
+                <a:uLnTx/>
+                <a:uFillTx/>
+                <a:latin typeface="Consolas"/>
+                <a:ea typeface="+mn-ea"/>
+                <a:cs typeface="+mn-cs"/>
+              </a:rPr>
+              <a:t>except Exception as e:</a:t>
+            </a:r>
+            <a:br>
+              <a:rPr kumimoji="0" lang="en-US" sz="1100" b="0" i="0" u="none" strike="noStrike" kern="1200" cap="none" spc="0" normalizeH="0" baseline="0" noProof="0" dirty="0">
+                <a:ln>
+                  <a:noFill/>
+                </a:ln>
+                <a:solidFill>
+                  <a:prstClr val="white"/>
+                </a:solidFill>
+                <a:effectLst/>
+                <a:uLnTx/>
+                <a:uFillTx/>
+                <a:latin typeface="Aptos" panose="02110004020202020204"/>
+                <a:ea typeface="+mn-ea"/>
+                <a:cs typeface="+mn-cs"/>
+              </a:rPr>
+            </a:br>
+            <a:r>
+              <a:rPr kumimoji="0" lang="en-US" sz="1100" b="0" i="0" u="none" strike="noStrike" kern="1200" cap="none" spc="0" normalizeH="0" baseline="0" noProof="0" dirty="0">
+                <a:ln>
+                  <a:noFill/>
+                </a:ln>
+                <a:solidFill>
+                  <a:prstClr val="white"/>
+                </a:solidFill>
+                <a:effectLst/>
+                <a:uLnTx/>
+                <a:uFillTx/>
+                <a:latin typeface="Consolas"/>
+                <a:ea typeface="+mn-ea"/>
+                <a:cs typeface="+mn-cs"/>
+              </a:rPr>
+              <a:t>    import sys</a:t>
+            </a:r>
+            <a:br>
+              <a:rPr kumimoji="0" lang="en-US" sz="1100" b="0" i="0" u="none" strike="noStrike" kern="1200" cap="none" spc="0" normalizeH="0" baseline="0" noProof="0" dirty="0">
+                <a:ln>
+                  <a:noFill/>
+                </a:ln>
+                <a:solidFill>
+                  <a:prstClr val="white"/>
+                </a:solidFill>
+                <a:effectLst/>
+                <a:uLnTx/>
+                <a:uFillTx/>
+                <a:latin typeface="Aptos" panose="02110004020202020204"/>
+                <a:ea typeface="+mn-ea"/>
+                <a:cs typeface="+mn-cs"/>
+              </a:rPr>
+            </a:br>
+            <a:r>
+              <a:rPr kumimoji="0" lang="en-US" sz="1100" b="0" i="0" u="none" strike="noStrike" kern="1200" cap="none" spc="0" normalizeH="0" baseline="0" noProof="0" dirty="0">
+                <a:ln>
+                  <a:noFill/>
+                </a:ln>
+                <a:solidFill>
+                  <a:prstClr val="white"/>
+                </a:solidFill>
+                <a:effectLst/>
+                <a:uLnTx/>
+                <a:uFillTx/>
+                <a:latin typeface="Consolas"/>
+                <a:ea typeface="+mn-ea"/>
+                <a:cs typeface="+mn-cs"/>
+              </a:rPr>
+              <a:t>    print("[</a:t>
+            </a:r>
+            <a:r>
+              <a:rPr kumimoji="0" lang="en-US" sz="1100" b="0" i="0" u="none" strike="noStrike" kern="1200" cap="none" spc="0" normalizeH="0" baseline="0" noProof="0" dirty="0" err="1">
+                <a:ln>
+                  <a:noFill/>
+                </a:ln>
+                <a:solidFill>
+                  <a:prstClr val="white"/>
+                </a:solidFill>
+                <a:effectLst/>
+                <a:uLnTx/>
+                <a:uFillTx/>
+                <a:latin typeface="Consolas"/>
+                <a:ea typeface="+mn-ea"/>
+                <a:cs typeface="+mn-cs"/>
+              </a:rPr>
+              <a:t>sitecustomize</a:t>
+            </a:r>
+            <a:r>
+              <a:rPr kumimoji="0" lang="en-US" sz="1100" b="0" i="0" u="none" strike="noStrike" kern="1200" cap="none" spc="0" normalizeH="0" baseline="0" noProof="0" dirty="0">
+                <a:ln>
+                  <a:noFill/>
+                </a:ln>
+                <a:solidFill>
+                  <a:prstClr val="white"/>
+                </a:solidFill>
+                <a:effectLst/>
+                <a:uLnTx/>
+                <a:uFillTx/>
+                <a:latin typeface="Consolas"/>
+                <a:ea typeface="+mn-ea"/>
+                <a:cs typeface="+mn-cs"/>
+              </a:rPr>
+              <a:t>] orjson patch failed:", e, file=</a:t>
+            </a:r>
+            <a:r>
+              <a:rPr kumimoji="0" lang="en-US" sz="1100" b="0" i="0" u="none" strike="noStrike" kern="1200" cap="none" spc="0" normalizeH="0" baseline="0" noProof="0" dirty="0" err="1">
+                <a:ln>
+                  <a:noFill/>
+                </a:ln>
+                <a:solidFill>
+                  <a:prstClr val="white"/>
+                </a:solidFill>
+                <a:effectLst/>
+                <a:uLnTx/>
+                <a:uFillTx/>
+                <a:latin typeface="Consolas"/>
+                <a:ea typeface="+mn-ea"/>
+                <a:cs typeface="+mn-cs"/>
+              </a:rPr>
+              <a:t>sys.stderr</a:t>
+            </a:r>
+            <a:r>
+              <a:rPr kumimoji="0" lang="en-US" sz="1100" b="0" i="0" u="none" strike="noStrike" kern="1200" cap="none" spc="0" normalizeH="0" baseline="0" noProof="0" dirty="0">
+                <a:ln>
+                  <a:noFill/>
+                </a:ln>
+                <a:solidFill>
+                  <a:prstClr val="white"/>
+                </a:solidFill>
+                <a:effectLst/>
+                <a:uLnTx/>
+                <a:uFillTx/>
+                <a:latin typeface="Consolas"/>
+                <a:ea typeface="+mn-ea"/>
+                <a:cs typeface="+mn-cs"/>
+              </a:rPr>
+              <a:t>)</a:t>
+            </a:r>
+            <a:br>
+              <a:rPr kumimoji="0" lang="en-US" sz="1100" b="0" i="0" u="none" strike="noStrike" kern="1200" cap="none" spc="0" normalizeH="0" baseline="0" noProof="0" dirty="0">
+                <a:ln>
+                  <a:noFill/>
+                </a:ln>
+                <a:solidFill>
+                  <a:prstClr val="white"/>
+                </a:solidFill>
+                <a:effectLst/>
+                <a:uLnTx/>
+                <a:uFillTx/>
+                <a:latin typeface="Aptos" panose="02110004020202020204"/>
+                <a:ea typeface="+mn-ea"/>
+                <a:cs typeface="+mn-cs"/>
+              </a:rPr>
+            </a:br>
+            <a:r>
+              <a:rPr kumimoji="0" lang="en-US" sz="1100" b="0" i="0" u="none" strike="noStrike" kern="1200" cap="none" spc="0" normalizeH="0" baseline="0" noProof="0" dirty="0">
+                <a:ln>
+                  <a:noFill/>
+                </a:ln>
+                <a:solidFill>
+                  <a:prstClr val="white"/>
+                </a:solidFill>
+                <a:effectLst/>
+                <a:uLnTx/>
+                <a:uFillTx/>
+                <a:latin typeface="Consolas"/>
+                <a:ea typeface="+mn-ea"/>
+                <a:cs typeface="+mn-cs"/>
+              </a:rPr>
+              <a:t>PY</a:t>
+            </a:r>
+            <a:br>
+              <a:rPr kumimoji="0" lang="en-US" sz="1100" b="0" i="0" u="none" strike="noStrike" kern="1200" cap="none" spc="0" normalizeH="0" baseline="0" noProof="0" dirty="0">
+                <a:ln>
+                  <a:noFill/>
+                </a:ln>
+                <a:solidFill>
+                  <a:prstClr val="white"/>
+                </a:solidFill>
+                <a:effectLst/>
+                <a:uLnTx/>
+                <a:uFillTx/>
+                <a:latin typeface="Aptos" panose="02110004020202020204"/>
+                <a:ea typeface="+mn-ea"/>
+                <a:cs typeface="+mn-cs"/>
+              </a:rPr>
+            </a:br>
+            <a:r>
+              <a:rPr kumimoji="0" lang="en-US" sz="1100" b="0" i="0" u="none" strike="noStrike" kern="1200" cap="none" spc="0" normalizeH="0" baseline="0" noProof="0" dirty="0">
+                <a:ln>
+                  <a:noFill/>
+                </a:ln>
+                <a:solidFill>
+                  <a:prstClr val="white"/>
+                </a:solidFill>
+                <a:effectLst/>
+                <a:uLnTx/>
+                <a:uFillTx/>
+                <a:latin typeface="Consolas"/>
+                <a:ea typeface="+mn-ea"/>
+                <a:cs typeface="+mn-cs"/>
+              </a:rPr>
+              <a:t>export PYTHONPATH="$PATCHDIR"</a:t>
+            </a:r>
+          </a:p>
+          <a:p>
+            <a:pPr marL="0" marR="0" lvl="0" indent="0" algn="l" defTabSz="914400" rtl="0" eaLnBrk="1" fontAlgn="auto" latinLnBrk="0" hangingPunct="1">
+              <a:lnSpc>
+                <a:spcPct val="100000"/>
+              </a:lnSpc>
+              <a:spcBef>
+                <a:spcPts val="0"/>
+              </a:spcBef>
+              <a:spcAft>
+                <a:spcPts val="0"/>
+              </a:spcAft>
+              <a:buClrTx/>
+              <a:buSzTx/>
+              <a:buFontTx/>
+              <a:buNone/>
+              <a:tabLst/>
+              <a:defRPr/>
+            </a:pPr>
+            <a:endParaRPr kumimoji="0" lang="en-US" sz="1100" b="0" i="0" u="none" strike="noStrike" kern="1200" cap="none" spc="0" normalizeH="0" baseline="0" noProof="0" dirty="0">
+              <a:ln>
+                <a:noFill/>
+              </a:ln>
+              <a:solidFill>
+                <a:prstClr val="white"/>
+              </a:solidFill>
+              <a:effectLst/>
+              <a:uLnTx/>
+              <a:uFillTx/>
+              <a:latin typeface="Consolas"/>
+              <a:ea typeface="+mn-ea"/>
+              <a:cs typeface="+mn-cs"/>
+            </a:endParaRPr>
+          </a:p>
+          <a:p>
+            <a:pPr marL="0" marR="0" lvl="0" indent="0" algn="l" defTabSz="914400" rtl="0" eaLnBrk="1" fontAlgn="auto" latinLnBrk="0" hangingPunct="1">
+              <a:lnSpc>
+                <a:spcPct val="100000"/>
+              </a:lnSpc>
+              <a:spcBef>
+                <a:spcPts val="0"/>
+              </a:spcBef>
+              <a:spcAft>
+                <a:spcPts val="0"/>
+              </a:spcAft>
+              <a:buClrTx/>
+              <a:buSzTx/>
+              <a:buFontTx/>
+              <a:buNone/>
+              <a:tabLst/>
+              <a:defRPr/>
+            </a:pPr>
+            <a:r>
+              <a:rPr kumimoji="0" lang="en-US" sz="1100" b="0" i="0" u="none" strike="noStrike" kern="1200" cap="none" spc="0" normalizeH="0" baseline="0" noProof="0" dirty="0">
+                <a:ln>
+                  <a:noFill/>
+                </a:ln>
+                <a:solidFill>
+                  <a:prstClr val="white"/>
+                </a:solidFill>
+                <a:effectLst/>
+                <a:uLnTx/>
+                <a:uFillTx/>
+                <a:latin typeface="Consolas"/>
+                <a:ea typeface="+mn-ea"/>
+                <a:cs typeface="+mn-cs"/>
+              </a:rPr>
+              <a:t># Run benchmark with flag</a:t>
+            </a:r>
+            <a:br>
+              <a:rPr kumimoji="0" lang="en-US" sz="1100" b="0" i="0" u="none" strike="noStrike" kern="1200" cap="none" spc="0" normalizeH="0" baseline="0" noProof="0" dirty="0">
+                <a:ln>
+                  <a:noFill/>
+                </a:ln>
+                <a:solidFill>
+                  <a:prstClr val="white"/>
+                </a:solidFill>
+                <a:effectLst/>
+                <a:uLnTx/>
+                <a:uFillTx/>
+                <a:latin typeface="Aptos" panose="02110004020202020204"/>
+                <a:ea typeface="+mn-ea"/>
+                <a:cs typeface="+mn-cs"/>
+              </a:rPr>
+            </a:br>
+            <a:r>
+              <a:rPr kumimoji="0" lang="en-US" sz="1100" b="0" i="0" u="none" strike="noStrike" kern="1200" cap="none" spc="0" normalizeH="0" baseline="0" noProof="0" dirty="0">
+                <a:ln>
+                  <a:noFill/>
+                </a:ln>
+                <a:solidFill>
+                  <a:prstClr val="white"/>
+                </a:solidFill>
+                <a:effectLst/>
+                <a:uLnTx/>
+                <a:uFillTx/>
+                <a:latin typeface="Consolas"/>
+                <a:ea typeface="+mn-ea"/>
+                <a:cs typeface="+mn-cs"/>
+              </a:rPr>
+              <a:t>python3-dbg -m pyperformance run --bench json_dumps --inherit-environ=PYTHONPATH</a:t>
+            </a:r>
+            <a:endParaRPr kumimoji="0" lang="en-US" sz="1800" b="0" i="0" u="none" strike="noStrike" kern="1200" cap="none" spc="0" normalizeH="0" baseline="0" noProof="0" dirty="0">
+              <a:ln>
+                <a:noFill/>
+              </a:ln>
+              <a:solidFill>
+                <a:prstClr val="white"/>
+              </a:solidFill>
+              <a:effectLst/>
+              <a:uLnTx/>
+              <a:uFillTx/>
+              <a:latin typeface="Aptos" panose="02110004020202020204"/>
+              <a:ea typeface="+mn-ea"/>
+              <a:cs typeface="+mn-cs"/>
+            </a:endParaRPr>
+          </a:p>
+        </p:txBody>
+      </p:sp>
+      <p:pic>
+        <p:nvPicPr>
+          <p:cNvPr id="2052" name="Picture 4" descr="🐒 Monkey Patching in Python: A Powerful Technique (With ...">
+            <a:extLst>
+              <a:ext uri="{FF2B5EF4-FFF2-40B4-BE49-F238E27FC236}">
+                <a16:creationId xmlns:a16="http://schemas.microsoft.com/office/drawing/2014/main" id="{7878B065-A227-0D48-66F7-AF8E6C276A5B}"/>
+              </a:ext>
+            </a:extLst>
+          </p:cNvPr>
+          <p:cNvPicPr>
+            <a:picLocks noChangeAspect="1" noChangeArrowheads="1"/>
+          </p:cNvPicPr>
+          <p:nvPr/>
+        </p:nvPicPr>
+        <p:blipFill>
+          <a:blip r:embed="rId3">
+            <a:extLst>
+              <a:ext uri="{28A0092B-C50C-407E-A947-70E740481C1C}">
+                <a14:useLocalDpi xmlns:a14="http://schemas.microsoft.com/office/drawing/2010/main" val="0"/>
+              </a:ext>
+            </a:extLst>
+          </a:blip>
+          <a:srcRect/>
+          <a:stretch>
+            <a:fillRect/>
+          </a:stretch>
+        </p:blipFill>
+        <p:spPr bwMode="auto">
+          <a:xfrm>
+            <a:off x="9867900" y="162719"/>
+            <a:ext cx="2104231" cy="2104231"/>
+          </a:xfrm>
+          <a:prstGeom prst="rect">
+            <a:avLst/>
+          </a:prstGeom>
+          <a:noFill/>
+          <a:extLst>
+            <a:ext uri="{909E8E84-426E-40DD-AFC4-6F175D3DCCD1}">
+              <a14:hiddenFill xmlns:a14="http://schemas.microsoft.com/office/drawing/2010/main">
+                <a:solidFill>
+                  <a:srgbClr val="FFFFFF"/>
+                </a:solidFill>
+              </a14:hiddenFill>
+            </a:ext>
+          </a:extLst>
+        </p:spPr>
+      </p:pic>
+    </p:spTree>
+  </p:cSld>
+  <p:clrMapOvr>
+    <a:masterClrMapping/>
+  </p:clrMapOvr>
+</p:sld>
+</file>
+
+<file path=ppt/slides/slide29.xml><?xml version="1.0" encoding="utf-8"?>
+<p:sld xmlns:a="http://schemas.openxmlformats.org/drawingml/2006/main" xmlns:r="http://schemas.openxmlformats.org/officeDocument/2006/relationships" xmlns:p="http://schemas.openxmlformats.org/presentationml/2006/main">
+  <p:cSld>
+    <p:spTree>
+      <p:nvGrpSpPr>
+        <p:cNvPr id="1" name=""/>
+        <p:cNvGrpSpPr/>
+        <p:nvPr/>
+      </p:nvGrpSpPr>
+      <p:grpSpPr>
+        <a:xfrm>
+          <a:off x="0" y="0"/>
+          <a:ext cx="0" cy="0"/>
+          <a:chOff x="0" y="0"/>
+          <a:chExt cx="0" cy="0"/>
+        </a:xfrm>
+      </p:grpSpPr>
+      <p:sp>
+        <p:nvSpPr>
+          <p:cNvPr id="2" name="Title 1"/>
+          <p:cNvSpPr>
+            <a:spLocks noGrp="1"/>
+          </p:cNvSpPr>
+          <p:nvPr>
+            <p:ph type="title"/>
+          </p:nvPr>
+        </p:nvSpPr>
+        <p:spPr/>
+        <p:txBody>
+          <a:bodyPr/>
+          <a:lstStyle/>
+          <a:p>
+            <a:r>
+              <a:t>Optimized Analysis — orjson</a:t>
+            </a:r>
+          </a:p>
+        </p:txBody>
+      </p:sp>
+      <p:sp>
+        <p:nvSpPr>
+          <p:cNvPr id="3" name="Content Placeholder 2"/>
+          <p:cNvSpPr>
+            <a:spLocks noGrp="1"/>
+          </p:cNvSpPr>
+          <p:nvPr>
+            <p:ph idx="1"/>
+          </p:nvPr>
+        </p:nvSpPr>
+        <p:spPr/>
+        <p:txBody>
+          <a:bodyPr/>
+          <a:lstStyle/>
+          <a:p>
+            <a:r>
+              <a:rPr lang="en-US" dirty="0"/>
+              <a:t>Flame graph on same microbenchmark:</a:t>
+            </a:r>
+          </a:p>
+          <a:p>
+            <a:pPr marL="0" indent="0">
+              <a:buNone/>
+            </a:pPr>
+            <a:endParaRPr lang="en-US" dirty="0"/>
+          </a:p>
+          <a:p>
+            <a:pPr marL="0" indent="0">
+              <a:buNone/>
+            </a:pPr>
+            <a:endParaRPr lang="en-US" dirty="0"/>
+          </a:p>
+          <a:p>
+            <a:pPr marL="0" indent="0">
+              <a:buNone/>
+            </a:pPr>
+            <a:endParaRPr lang="en-US" dirty="0"/>
+          </a:p>
+          <a:p>
+            <a:r>
+              <a:rPr lang="en-US" dirty="0"/>
+              <a:t>Shallow </a:t>
+            </a:r>
+            <a:r>
+              <a:rPr dirty="0"/>
+              <a:t>native stack</a:t>
+            </a:r>
+          </a:p>
+          <a:p>
+            <a:r>
+              <a:rPr dirty="0"/>
+              <a:t>Interpreter frames largely gone</a:t>
+            </a:r>
+          </a:p>
+        </p:txBody>
+      </p:sp>
+      <p:pic>
+        <p:nvPicPr>
+          <p:cNvPr id="4" name="Picture 3" descr="A close-up of a colorful background&#10;&#10;AI-generated content may be incorrect.">
+            <a:extLst>
+              <a:ext uri="{FF2B5EF4-FFF2-40B4-BE49-F238E27FC236}">
+                <a16:creationId xmlns:a16="http://schemas.microsoft.com/office/drawing/2014/main" id="{FDD58417-A657-416A-4E08-6814D344D2E9}"/>
+              </a:ext>
+            </a:extLst>
+          </p:cNvPr>
+          <p:cNvPicPr>
+            <a:picLocks noChangeAspect="1"/>
+          </p:cNvPicPr>
+          <p:nvPr/>
+        </p:nvPicPr>
+        <p:blipFill>
+          <a:blip r:embed="rId2"/>
+          <a:stretch>
+            <a:fillRect/>
+          </a:stretch>
+        </p:blipFill>
+        <p:spPr>
+          <a:xfrm>
+            <a:off x="530224" y="2285048"/>
+            <a:ext cx="11131552" cy="1594802"/>
+          </a:xfrm>
+          <a:prstGeom prst="rect">
+            <a:avLst/>
+          </a:prstGeom>
+        </p:spPr>
+      </p:pic>
+    </p:spTree>
+  </p:cSld>
+  <p:clrMapOvr>
+    <a:masterClrMapping/>
+  </p:clrMapOvr>
+</p:sld>
+</file>
+
 <file path=ppt/slides/slide3.xml><?xml version="1.0" encoding="utf-8"?>
 <p:sld xmlns:a="http://schemas.openxmlformats.org/drawingml/2006/main" xmlns:r="http://schemas.openxmlformats.org/officeDocument/2006/relationships" xmlns:p="http://schemas.openxmlformats.org/presentationml/2006/main">
   <p:cSld>
@@ -5620,6 +8486,2245 @@
         <p14:creationId xmlns:p14="http://schemas.microsoft.com/office/powerpoint/2010/main" val="642786949"/>
       </p:ext>
     </p:extLst>
+  </p:cSld>
+  <p:clrMapOvr>
+    <a:masterClrMapping/>
+  </p:clrMapOvr>
+</p:sld>
+</file>
+
+<file path=ppt/slides/slide30.xml><?xml version="1.0" encoding="utf-8"?>
+<p:sld xmlns:a="http://schemas.openxmlformats.org/drawingml/2006/main" xmlns:r="http://schemas.openxmlformats.org/officeDocument/2006/relationships" xmlns:p="http://schemas.openxmlformats.org/presentationml/2006/main">
+  <p:cSld>
+    <p:spTree>
+      <p:nvGrpSpPr>
+        <p:cNvPr id="1" name=""/>
+        <p:cNvGrpSpPr/>
+        <p:nvPr/>
+      </p:nvGrpSpPr>
+      <p:grpSpPr>
+        <a:xfrm>
+          <a:off x="0" y="0"/>
+          <a:ext cx="0" cy="0"/>
+          <a:chOff x="0" y="0"/>
+          <a:chExt cx="0" cy="0"/>
+        </a:xfrm>
+      </p:grpSpPr>
+      <p:sp>
+        <p:nvSpPr>
+          <p:cNvPr id="2" name="Title 1"/>
+          <p:cNvSpPr>
+            <a:spLocks noGrp="1"/>
+          </p:cNvSpPr>
+          <p:nvPr>
+            <p:ph type="title"/>
+          </p:nvPr>
+        </p:nvSpPr>
+        <p:spPr/>
+        <p:txBody>
+          <a:bodyPr/>
+          <a:lstStyle/>
+          <a:p>
+            <a:r>
+              <a:rPr dirty="0"/>
+              <a:t>Runtime </a:t>
+            </a:r>
+            <a:r>
+              <a:rPr lang="en-US" dirty="0"/>
+              <a:t>– </a:t>
+            </a:r>
+            <a:r>
+              <a:rPr dirty="0"/>
+              <a:t>pyperformance</a:t>
+            </a:r>
+            <a:r>
+              <a:rPr lang="en-US" dirty="0"/>
+              <a:t> </a:t>
+            </a:r>
+            <a:endParaRPr dirty="0"/>
+          </a:p>
+        </p:txBody>
+      </p:sp>
+      <p:graphicFrame>
+        <p:nvGraphicFramePr>
+          <p:cNvPr id="4" name="Table 3"/>
+          <p:cNvGraphicFramePr>
+            <a:graphicFrameLocks noGrp="1"/>
+          </p:cNvGraphicFramePr>
+          <p:nvPr/>
+        </p:nvGraphicFramePr>
+        <p:xfrm>
+          <a:off x="2063750" y="1891030"/>
+          <a:ext cx="7498079" cy="3291840"/>
+        </p:xfrm>
+        <a:graphic>
+          <a:graphicData uri="http://schemas.openxmlformats.org/drawingml/2006/table">
+            <a:tbl>
+              <a:tblPr firstRow="1" bandRow="1">
+                <a:tableStyleId>{5C22544A-7EE6-4342-B048-85BDC9FD1C3A}</a:tableStyleId>
+              </a:tblPr>
+              <a:tblGrid>
+                <a:gridCol w="2499359">
+                  <a:extLst>
+                    <a:ext uri="{9D8B030D-6E8A-4147-A177-3AD203B41FA5}">
+                      <a16:colId xmlns:a16="http://schemas.microsoft.com/office/drawing/2014/main" val="20000"/>
+                    </a:ext>
+                  </a:extLst>
+                </a:gridCol>
+                <a:gridCol w="2499359">
+                  <a:extLst>
+                    <a:ext uri="{9D8B030D-6E8A-4147-A177-3AD203B41FA5}">
+                      <a16:colId xmlns:a16="http://schemas.microsoft.com/office/drawing/2014/main" val="20001"/>
+                    </a:ext>
+                  </a:extLst>
+                </a:gridCol>
+                <a:gridCol w="2499361">
+                  <a:extLst>
+                    <a:ext uri="{9D8B030D-6E8A-4147-A177-3AD203B41FA5}">
+                      <a16:colId xmlns:a16="http://schemas.microsoft.com/office/drawing/2014/main" val="20002"/>
+                    </a:ext>
+                  </a:extLst>
+                </a:gridCol>
+              </a:tblGrid>
+              <a:tr h="1097280">
+                <a:tc>
+                  <a:txBody>
+                    <a:bodyPr/>
+                    <a:lstStyle/>
+                    <a:p>
+                      <a:r>
+                        <a:t>Variant</a:t>
+                      </a:r>
+                    </a:p>
+                  </a:txBody>
+                  <a:tcPr/>
+                </a:tc>
+                <a:tc>
+                  <a:txBody>
+                    <a:bodyPr/>
+                    <a:lstStyle/>
+                    <a:p>
+                      <a:r>
+                        <a:t>Mean ± stdev (ms)</a:t>
+                      </a:r>
+                    </a:p>
+                  </a:txBody>
+                  <a:tcPr/>
+                </a:tc>
+                <a:tc>
+                  <a:txBody>
+                    <a:bodyPr/>
+                    <a:lstStyle/>
+                    <a:p>
+                      <a:r>
+                        <a:rPr dirty="0"/>
+                        <a:t>Δ vs. baseline</a:t>
+                      </a:r>
+                    </a:p>
+                  </a:txBody>
+                  <a:tcPr/>
+                </a:tc>
+                <a:extLst>
+                  <a:ext uri="{0D108BD9-81ED-4DB2-BD59-A6C34878D82A}">
+                    <a16:rowId xmlns:a16="http://schemas.microsoft.com/office/drawing/2014/main" val="10000"/>
+                  </a:ext>
+                </a:extLst>
+              </a:tr>
+              <a:tr h="1097280">
+                <a:tc>
+                  <a:txBody>
+                    <a:bodyPr/>
+                    <a:lstStyle/>
+                    <a:p>
+                      <a:r>
+                        <a:t>stdlib json.dumps</a:t>
+                      </a:r>
+                    </a:p>
+                  </a:txBody>
+                  <a:tcPr/>
+                </a:tc>
+                <a:tc>
+                  <a:txBody>
+                    <a:bodyPr/>
+                    <a:lstStyle/>
+                    <a:p>
+                      <a:r>
+                        <a:t>62.2 ± 0.5</a:t>
+                      </a:r>
+                    </a:p>
+                  </a:txBody>
+                  <a:tcPr/>
+                </a:tc>
+                <a:tc>
+                  <a:txBody>
+                    <a:bodyPr/>
+                    <a:lstStyle/>
+                    <a:p>
+                      <a:r>
+                        <a:t>—</a:t>
+                      </a:r>
+                    </a:p>
+                  </a:txBody>
+                  <a:tcPr/>
+                </a:tc>
+                <a:extLst>
+                  <a:ext uri="{0D108BD9-81ED-4DB2-BD59-A6C34878D82A}">
+                    <a16:rowId xmlns:a16="http://schemas.microsoft.com/office/drawing/2014/main" val="10001"/>
+                  </a:ext>
+                </a:extLst>
+              </a:tr>
+              <a:tr h="1097280">
+                <a:tc>
+                  <a:txBody>
+                    <a:bodyPr/>
+                    <a:lstStyle/>
+                    <a:p>
+                      <a:r>
+                        <a:t>orjson (patched)</a:t>
+                      </a:r>
+                    </a:p>
+                  </a:txBody>
+                  <a:tcPr/>
+                </a:tc>
+                <a:tc>
+                  <a:txBody>
+                    <a:bodyPr/>
+                    <a:lstStyle/>
+                    <a:p>
+                      <a:r>
+                        <a:t>11.9 ± 0.1</a:t>
+                      </a:r>
+                    </a:p>
+                  </a:txBody>
+                  <a:tcPr/>
+                </a:tc>
+                <a:tc>
+                  <a:txBody>
+                    <a:bodyPr/>
+                    <a:lstStyle/>
+                    <a:p>
+                      <a:r>
+                        <a:rPr dirty="0"/>
+                        <a:t>−80.9% (~5.24×)</a:t>
+                      </a:r>
+                    </a:p>
+                  </a:txBody>
+                  <a:tcPr/>
+                </a:tc>
+                <a:extLst>
+                  <a:ext uri="{0D108BD9-81ED-4DB2-BD59-A6C34878D82A}">
+                    <a16:rowId xmlns:a16="http://schemas.microsoft.com/office/drawing/2014/main" val="10002"/>
+                  </a:ext>
+                </a:extLst>
+              </a:tr>
+            </a:tbl>
+          </a:graphicData>
+        </a:graphic>
+      </p:graphicFrame>
+    </p:spTree>
+  </p:cSld>
+  <p:clrMapOvr>
+    <a:masterClrMapping/>
+  </p:clrMapOvr>
+</p:sld>
+</file>
+
+<file path=ppt/slides/slide31.xml><?xml version="1.0" encoding="utf-8"?>
+<p:sld xmlns:a="http://schemas.openxmlformats.org/drawingml/2006/main" xmlns:r="http://schemas.openxmlformats.org/officeDocument/2006/relationships" xmlns:p="http://schemas.openxmlformats.org/presentationml/2006/main">
+  <p:cSld>
+    <p:spTree>
+      <p:nvGrpSpPr>
+        <p:cNvPr id="1" name=""/>
+        <p:cNvGrpSpPr/>
+        <p:nvPr/>
+      </p:nvGrpSpPr>
+      <p:grpSpPr>
+        <a:xfrm>
+          <a:off x="0" y="0"/>
+          <a:ext cx="0" cy="0"/>
+          <a:chOff x="0" y="0"/>
+          <a:chExt cx="0" cy="0"/>
+        </a:xfrm>
+      </p:grpSpPr>
+      <p:sp>
+        <p:nvSpPr>
+          <p:cNvPr id="2" name="Title 1"/>
+          <p:cNvSpPr>
+            <a:spLocks noGrp="1"/>
+          </p:cNvSpPr>
+          <p:nvPr>
+            <p:ph type="title"/>
+          </p:nvPr>
+        </p:nvSpPr>
+        <p:spPr/>
+        <p:txBody>
+          <a:bodyPr/>
+          <a:lstStyle/>
+          <a:p>
+            <a:r>
+              <a:rPr dirty="0"/>
+              <a:t>H</a:t>
+            </a:r>
+            <a:r>
+              <a:rPr lang="en-US" dirty="0"/>
+              <a:t>W</a:t>
+            </a:r>
+            <a:r>
+              <a:rPr dirty="0"/>
+              <a:t> </a:t>
+            </a:r>
+            <a:r>
+              <a:rPr lang="en-US" dirty="0"/>
+              <a:t>c</a:t>
+            </a:r>
+            <a:r>
+              <a:rPr dirty="0"/>
+              <a:t>ounters </a:t>
+            </a:r>
+            <a:r>
+              <a:rPr lang="en-US" dirty="0"/>
+              <a:t>–</a:t>
+            </a:r>
+            <a:r>
+              <a:rPr dirty="0"/>
+              <a:t> perf</a:t>
+            </a:r>
+            <a:r>
+              <a:rPr lang="en-US" dirty="0"/>
+              <a:t> </a:t>
+            </a:r>
+            <a:r>
+              <a:rPr dirty="0"/>
+              <a:t>stat</a:t>
+            </a:r>
+          </a:p>
+        </p:txBody>
+      </p:sp>
+      <p:sp>
+        <p:nvSpPr>
+          <p:cNvPr id="3" name="Content Placeholder 2"/>
+          <p:cNvSpPr>
+            <a:spLocks noGrp="1"/>
+          </p:cNvSpPr>
+          <p:nvPr>
+            <p:ph idx="1"/>
+          </p:nvPr>
+        </p:nvSpPr>
+        <p:spPr>
+          <a:xfrm>
+            <a:off x="838200" y="1825624"/>
+            <a:ext cx="10515600" cy="4752975"/>
+          </a:xfrm>
+        </p:spPr>
+        <p:txBody>
+          <a:bodyPr>
+            <a:normAutofit/>
+          </a:bodyPr>
+          <a:lstStyle/>
+          <a:p>
+            <a:endParaRPr lang="en-US" dirty="0"/>
+          </a:p>
+          <a:p>
+            <a:endParaRPr lang="en-US" dirty="0"/>
+          </a:p>
+          <a:p>
+            <a:endParaRPr lang="en-US" dirty="0"/>
+          </a:p>
+          <a:p>
+            <a:endParaRPr lang="en-US" dirty="0"/>
+          </a:p>
+          <a:p>
+            <a:endParaRPr lang="en-US" dirty="0"/>
+          </a:p>
+          <a:p>
+            <a:endParaRPr lang="en-US" dirty="0"/>
+          </a:p>
+          <a:p>
+            <a:endParaRPr lang="en-US" dirty="0"/>
+          </a:p>
+          <a:p>
+            <a:endParaRPr lang="en-US" dirty="0"/>
+          </a:p>
+          <a:p>
+            <a:r>
+              <a:rPr lang="en-US" dirty="0"/>
+              <a:t>Note: stats from full pyperformance program</a:t>
+            </a:r>
+            <a:endParaRPr dirty="0"/>
+          </a:p>
+        </p:txBody>
+      </p:sp>
+      <p:graphicFrame>
+        <p:nvGraphicFramePr>
+          <p:cNvPr id="4" name="Table 3"/>
+          <p:cNvGraphicFramePr>
+            <a:graphicFrameLocks noGrp="1"/>
+          </p:cNvGraphicFramePr>
+          <p:nvPr/>
+        </p:nvGraphicFramePr>
+        <p:xfrm>
+          <a:off x="1261110" y="1459230"/>
+          <a:ext cx="9070340" cy="4351338"/>
+        </p:xfrm>
+        <a:graphic>
+          <a:graphicData uri="http://schemas.openxmlformats.org/drawingml/2006/table">
+            <a:tbl>
+              <a:tblPr firstRow="1" bandRow="1">
+                <a:tableStyleId>{5C22544A-7EE6-4342-B048-85BDC9FD1C3A}</a:tableStyleId>
+              </a:tblPr>
+              <a:tblGrid>
+                <a:gridCol w="2267584">
+                  <a:extLst>
+                    <a:ext uri="{9D8B030D-6E8A-4147-A177-3AD203B41FA5}">
+                      <a16:colId xmlns:a16="http://schemas.microsoft.com/office/drawing/2014/main" val="20000"/>
+                    </a:ext>
+                  </a:extLst>
+                </a:gridCol>
+                <a:gridCol w="2267584">
+                  <a:extLst>
+                    <a:ext uri="{9D8B030D-6E8A-4147-A177-3AD203B41FA5}">
+                      <a16:colId xmlns:a16="http://schemas.microsoft.com/office/drawing/2014/main" val="20001"/>
+                    </a:ext>
+                  </a:extLst>
+                </a:gridCol>
+                <a:gridCol w="2267584">
+                  <a:extLst>
+                    <a:ext uri="{9D8B030D-6E8A-4147-A177-3AD203B41FA5}">
+                      <a16:colId xmlns:a16="http://schemas.microsoft.com/office/drawing/2014/main" val="20002"/>
+                    </a:ext>
+                  </a:extLst>
+                </a:gridCol>
+                <a:gridCol w="2267588">
+                  <a:extLst>
+                    <a:ext uri="{9D8B030D-6E8A-4147-A177-3AD203B41FA5}">
+                      <a16:colId xmlns:a16="http://schemas.microsoft.com/office/drawing/2014/main" val="20003"/>
+                    </a:ext>
+                  </a:extLst>
+                </a:gridCol>
+              </a:tblGrid>
+              <a:tr h="591124">
+                <a:tc>
+                  <a:txBody>
+                    <a:bodyPr/>
+                    <a:lstStyle/>
+                    <a:p>
+                      <a:r>
+                        <a:t>Metric</a:t>
+                      </a:r>
+                    </a:p>
+                  </a:txBody>
+                  <a:tcPr/>
+                </a:tc>
+                <a:tc>
+                  <a:txBody>
+                    <a:bodyPr/>
+                    <a:lstStyle/>
+                    <a:p>
+                      <a:r>
+                        <a:t>stdlib</a:t>
+                      </a:r>
+                    </a:p>
+                  </a:txBody>
+                  <a:tcPr/>
+                </a:tc>
+                <a:tc>
+                  <a:txBody>
+                    <a:bodyPr/>
+                    <a:lstStyle/>
+                    <a:p>
+                      <a:r>
+                        <a:rPr dirty="0"/>
+                        <a:t>orjson</a:t>
+                      </a:r>
+                    </a:p>
+                  </a:txBody>
+                  <a:tcPr/>
+                </a:tc>
+                <a:tc>
+                  <a:txBody>
+                    <a:bodyPr/>
+                    <a:lstStyle/>
+                    <a:p>
+                      <a:r>
+                        <a:rPr dirty="0"/>
+                        <a:t>Change</a:t>
+                      </a:r>
+                    </a:p>
+                  </a:txBody>
+                  <a:tcPr/>
+                </a:tc>
+                <a:extLst>
+                  <a:ext uri="{0D108BD9-81ED-4DB2-BD59-A6C34878D82A}">
+                    <a16:rowId xmlns:a16="http://schemas.microsoft.com/office/drawing/2014/main" val="10000"/>
+                  </a:ext>
+                </a:extLst>
+              </a:tr>
+              <a:tr h="591124">
+                <a:tc>
+                  <a:txBody>
+                    <a:bodyPr/>
+                    <a:lstStyle/>
+                    <a:p>
+                      <a:r>
+                        <a:t>instructions</a:t>
+                      </a:r>
+                    </a:p>
+                  </a:txBody>
+                  <a:tcPr/>
+                </a:tc>
+                <a:tc>
+                  <a:txBody>
+                    <a:bodyPr/>
+                    <a:lstStyle/>
+                    <a:p>
+                      <a:r>
+                        <a:t>167,287,865,175</a:t>
+                      </a:r>
+                    </a:p>
+                  </a:txBody>
+                  <a:tcPr/>
+                </a:tc>
+                <a:tc>
+                  <a:txBody>
+                    <a:bodyPr/>
+                    <a:lstStyle/>
+                    <a:p>
+                      <a:r>
+                        <a:t>96,822,927,687</a:t>
+                      </a:r>
+                    </a:p>
+                  </a:txBody>
+                  <a:tcPr/>
+                </a:tc>
+                <a:tc>
+                  <a:txBody>
+                    <a:bodyPr/>
+                    <a:lstStyle/>
+                    <a:p>
+                      <a:r>
+                        <a:t>−42.1%</a:t>
+                      </a:r>
+                    </a:p>
+                  </a:txBody>
+                  <a:tcPr>
+                    <a:solidFill>
+                      <a:schemeClr val="accent6">
+                        <a:lumMod val="40000"/>
+                        <a:lumOff val="60000"/>
+                      </a:schemeClr>
+                    </a:solidFill>
+                  </a:tcPr>
+                </a:tc>
+                <a:extLst>
+                  <a:ext uri="{0D108BD9-81ED-4DB2-BD59-A6C34878D82A}">
+                    <a16:rowId xmlns:a16="http://schemas.microsoft.com/office/drawing/2014/main" val="10001"/>
+                  </a:ext>
+                </a:extLst>
+              </a:tr>
+              <a:tr h="591124">
+                <a:tc>
+                  <a:txBody>
+                    <a:bodyPr/>
+                    <a:lstStyle/>
+                    <a:p>
+                      <a:r>
+                        <a:t>branches</a:t>
+                      </a:r>
+                    </a:p>
+                  </a:txBody>
+                  <a:tcPr/>
+                </a:tc>
+                <a:tc>
+                  <a:txBody>
+                    <a:bodyPr/>
+                    <a:lstStyle/>
+                    <a:p>
+                      <a:r>
+                        <a:t>35,540,658,013</a:t>
+                      </a:r>
+                    </a:p>
+                  </a:txBody>
+                  <a:tcPr/>
+                </a:tc>
+                <a:tc>
+                  <a:txBody>
+                    <a:bodyPr/>
+                    <a:lstStyle/>
+                    <a:p>
+                      <a:r>
+                        <a:t>20,984,549,290</a:t>
+                      </a:r>
+                    </a:p>
+                  </a:txBody>
+                  <a:tcPr/>
+                </a:tc>
+                <a:tc>
+                  <a:txBody>
+                    <a:bodyPr/>
+                    <a:lstStyle/>
+                    <a:p>
+                      <a:r>
+                        <a:rPr dirty="0"/>
+                        <a:t>−41.0%</a:t>
+                      </a:r>
+                    </a:p>
+                  </a:txBody>
+                  <a:tcPr>
+                    <a:solidFill>
+                      <a:schemeClr val="accent6">
+                        <a:lumMod val="40000"/>
+                        <a:lumOff val="60000"/>
+                      </a:schemeClr>
+                    </a:solidFill>
+                  </a:tcPr>
+                </a:tc>
+                <a:extLst>
+                  <a:ext uri="{0D108BD9-81ED-4DB2-BD59-A6C34878D82A}">
+                    <a16:rowId xmlns:a16="http://schemas.microsoft.com/office/drawing/2014/main" val="10002"/>
+                  </a:ext>
+                </a:extLst>
+              </a:tr>
+              <a:tr h="591124">
+                <a:tc>
+                  <a:txBody>
+                    <a:bodyPr/>
+                    <a:lstStyle/>
+                    <a:p>
+                      <a:r>
+                        <a:t>branch misses</a:t>
+                      </a:r>
+                    </a:p>
+                  </a:txBody>
+                  <a:tcPr/>
+                </a:tc>
+                <a:tc>
+                  <a:txBody>
+                    <a:bodyPr/>
+                    <a:lstStyle/>
+                    <a:p>
+                      <a:r>
+                        <a:t>335,263,393</a:t>
+                      </a:r>
+                    </a:p>
+                  </a:txBody>
+                  <a:tcPr/>
+                </a:tc>
+                <a:tc>
+                  <a:txBody>
+                    <a:bodyPr/>
+                    <a:lstStyle/>
+                    <a:p>
+                      <a:r>
+                        <a:t>156,514,197</a:t>
+                      </a:r>
+                    </a:p>
+                  </a:txBody>
+                  <a:tcPr/>
+                </a:tc>
+                <a:tc>
+                  <a:txBody>
+                    <a:bodyPr/>
+                    <a:lstStyle/>
+                    <a:p>
+                      <a:r>
+                        <a:t>−53.3%</a:t>
+                      </a:r>
+                    </a:p>
+                  </a:txBody>
+                  <a:tcPr>
+                    <a:solidFill>
+                      <a:schemeClr val="accent6">
+                        <a:lumMod val="40000"/>
+                        <a:lumOff val="60000"/>
+                      </a:schemeClr>
+                    </a:solidFill>
+                  </a:tcPr>
+                </a:tc>
+                <a:extLst>
+                  <a:ext uri="{0D108BD9-81ED-4DB2-BD59-A6C34878D82A}">
+                    <a16:rowId xmlns:a16="http://schemas.microsoft.com/office/drawing/2014/main" val="10003"/>
+                  </a:ext>
+                </a:extLst>
+              </a:tr>
+              <a:tr h="804587">
+                <a:tc>
+                  <a:txBody>
+                    <a:bodyPr/>
+                    <a:lstStyle/>
+                    <a:p>
+                      <a:r>
+                        <a:rPr dirty="0"/>
+                        <a:t>cache misses</a:t>
+                      </a:r>
+                      <a:endParaRPr lang="en-US" dirty="0"/>
+                    </a:p>
+                    <a:p>
+                      <a:r>
+                        <a:rPr lang="en-US" sz="1800" kern="1200" dirty="0">
+                          <a:solidFill>
+                            <a:schemeClr val="dk1"/>
+                          </a:solidFill>
+                          <a:effectLst/>
+                          <a:latin typeface="+mn-lt"/>
+                          <a:ea typeface="+mn-ea"/>
+                          <a:cs typeface="+mn-cs"/>
+                        </a:rPr>
+                        <a:t>(% of total accesses)</a:t>
+                      </a:r>
+                      <a:endParaRPr dirty="0"/>
+                    </a:p>
+                  </a:txBody>
+                  <a:tcPr/>
+                </a:tc>
+                <a:tc>
+                  <a:txBody>
+                    <a:bodyPr/>
+                    <a:lstStyle/>
+                    <a:p>
+                      <a:r>
+                        <a:t>17,259,734 (2.64%)</a:t>
+                      </a:r>
+                    </a:p>
+                  </a:txBody>
+                  <a:tcPr/>
+                </a:tc>
+                <a:tc>
+                  <a:txBody>
+                    <a:bodyPr/>
+                    <a:lstStyle/>
+                    <a:p>
+                      <a:r>
+                        <a:t>6,968,728 (2.15%)</a:t>
+                      </a:r>
+                    </a:p>
+                  </a:txBody>
+                  <a:tcPr/>
+                </a:tc>
+                <a:tc>
+                  <a:txBody>
+                    <a:bodyPr/>
+                    <a:lstStyle/>
+                    <a:p>
+                      <a:r>
+                        <a:t>−59.6%</a:t>
+                      </a:r>
+                    </a:p>
+                  </a:txBody>
+                  <a:tcPr>
+                    <a:solidFill>
+                      <a:schemeClr val="accent6">
+                        <a:lumMod val="40000"/>
+                        <a:lumOff val="60000"/>
+                      </a:schemeClr>
+                    </a:solidFill>
+                  </a:tcPr>
+                </a:tc>
+                <a:extLst>
+                  <a:ext uri="{0D108BD9-81ED-4DB2-BD59-A6C34878D82A}">
+                    <a16:rowId xmlns:a16="http://schemas.microsoft.com/office/drawing/2014/main" val="10004"/>
+                  </a:ext>
+                </a:extLst>
+              </a:tr>
+              <a:tr h="591124">
+                <a:tc>
+                  <a:txBody>
+                    <a:bodyPr/>
+                    <a:lstStyle/>
+                    <a:p>
+                      <a:r>
+                        <a:rPr dirty="0"/>
+                        <a:t>IPC</a:t>
+                      </a:r>
+                    </a:p>
+                  </a:txBody>
+                  <a:tcPr/>
+                </a:tc>
+                <a:tc>
+                  <a:txBody>
+                    <a:bodyPr/>
+                    <a:lstStyle/>
+                    <a:p>
+                      <a:r>
+                        <a:t>1.83</a:t>
+                      </a:r>
+                    </a:p>
+                  </a:txBody>
+                  <a:tcPr/>
+                </a:tc>
+                <a:tc>
+                  <a:txBody>
+                    <a:bodyPr/>
+                    <a:lstStyle/>
+                    <a:p>
+                      <a:r>
+                        <a:t>1.93</a:t>
+                      </a:r>
+                    </a:p>
+                  </a:txBody>
+                  <a:tcPr/>
+                </a:tc>
+                <a:tc>
+                  <a:txBody>
+                    <a:bodyPr/>
+                    <a:lstStyle/>
+                    <a:p>
+                      <a:r>
+                        <a:t>+5.5%</a:t>
+                      </a:r>
+                    </a:p>
+                  </a:txBody>
+                  <a:tcPr>
+                    <a:solidFill>
+                      <a:schemeClr val="accent6">
+                        <a:lumMod val="40000"/>
+                        <a:lumOff val="60000"/>
+                      </a:schemeClr>
+                    </a:solidFill>
+                  </a:tcPr>
+                </a:tc>
+                <a:extLst>
+                  <a:ext uri="{0D108BD9-81ED-4DB2-BD59-A6C34878D82A}">
+                    <a16:rowId xmlns:a16="http://schemas.microsoft.com/office/drawing/2014/main" val="10005"/>
+                  </a:ext>
+                </a:extLst>
+              </a:tr>
+              <a:tr h="591131">
+                <a:tc>
+                  <a:txBody>
+                    <a:bodyPr/>
+                    <a:lstStyle/>
+                    <a:p>
+                      <a:r>
+                        <a:rPr dirty="0"/>
+                        <a:t>Elapsed (s)</a:t>
+                      </a:r>
+                    </a:p>
+                  </a:txBody>
+                  <a:tcPr/>
+                </a:tc>
+                <a:tc>
+                  <a:txBody>
+                    <a:bodyPr/>
+                    <a:lstStyle/>
+                    <a:p>
+                      <a:r>
+                        <a:t>39.91</a:t>
+                      </a:r>
+                    </a:p>
+                  </a:txBody>
+                  <a:tcPr/>
+                </a:tc>
+                <a:tc>
+                  <a:txBody>
+                    <a:bodyPr/>
+                    <a:lstStyle/>
+                    <a:p>
+                      <a:r>
+                        <a:t>20.30</a:t>
+                      </a:r>
+                    </a:p>
+                  </a:txBody>
+                  <a:tcPr/>
+                </a:tc>
+                <a:tc>
+                  <a:txBody>
+                    <a:bodyPr/>
+                    <a:lstStyle/>
+                    <a:p>
+                      <a:r>
+                        <a:rPr dirty="0"/>
+                        <a:t>−49.1%</a:t>
+                      </a:r>
+                    </a:p>
+                  </a:txBody>
+                  <a:tcPr>
+                    <a:solidFill>
+                      <a:schemeClr val="accent6">
+                        <a:lumMod val="40000"/>
+                        <a:lumOff val="60000"/>
+                      </a:schemeClr>
+                    </a:solidFill>
+                  </a:tcPr>
+                </a:tc>
+                <a:extLst>
+                  <a:ext uri="{0D108BD9-81ED-4DB2-BD59-A6C34878D82A}">
+                    <a16:rowId xmlns:a16="http://schemas.microsoft.com/office/drawing/2014/main" val="10006"/>
+                  </a:ext>
+                </a:extLst>
+              </a:tr>
+            </a:tbl>
+          </a:graphicData>
+        </a:graphic>
+      </p:graphicFrame>
+    </p:spTree>
+  </p:cSld>
+  <p:clrMapOvr>
+    <a:masterClrMapping/>
+  </p:clrMapOvr>
+</p:sld>
+</file>
+
+<file path=ppt/slides/slide32.xml><?xml version="1.0" encoding="utf-8"?>
+<p:sld xmlns:a="http://schemas.openxmlformats.org/drawingml/2006/main" xmlns:r="http://schemas.openxmlformats.org/officeDocument/2006/relationships" xmlns:p="http://schemas.openxmlformats.org/presentationml/2006/main">
+  <p:cSld>
+    <p:spTree>
+      <p:nvGrpSpPr>
+        <p:cNvPr id="1" name=""/>
+        <p:cNvGrpSpPr/>
+        <p:nvPr/>
+      </p:nvGrpSpPr>
+      <p:grpSpPr>
+        <a:xfrm>
+          <a:off x="0" y="0"/>
+          <a:ext cx="0" cy="0"/>
+          <a:chOff x="0" y="0"/>
+          <a:chExt cx="0" cy="0"/>
+        </a:xfrm>
+      </p:grpSpPr>
+      <p:sp>
+        <p:nvSpPr>
+          <p:cNvPr id="2" name="Title 1"/>
+          <p:cNvSpPr>
+            <a:spLocks noGrp="1"/>
+          </p:cNvSpPr>
+          <p:nvPr>
+            <p:ph type="title"/>
+          </p:nvPr>
+        </p:nvSpPr>
+        <p:spPr/>
+        <p:txBody>
+          <a:bodyPr/>
+          <a:lstStyle/>
+          <a:p>
+            <a:r>
+              <a:rPr dirty="0"/>
+              <a:t>Hardware Acceleration </a:t>
+            </a:r>
+            <a:r>
+              <a:rPr lang="en-US" dirty="0"/>
+              <a:t>Proposal</a:t>
+            </a:r>
+            <a:endParaRPr dirty="0"/>
+          </a:p>
+        </p:txBody>
+      </p:sp>
+      <p:sp>
+        <p:nvSpPr>
+          <p:cNvPr id="3" name="Content Placeholder 2"/>
+          <p:cNvSpPr>
+            <a:spLocks noGrp="1"/>
+          </p:cNvSpPr>
+          <p:nvPr>
+            <p:ph idx="1"/>
+          </p:nvPr>
+        </p:nvSpPr>
+        <p:spPr>
+          <a:xfrm>
+            <a:off x="838200" y="1825625"/>
+            <a:ext cx="10515600" cy="4830356"/>
+          </a:xfrm>
+        </p:spPr>
+        <p:txBody>
+          <a:bodyPr>
+            <a:normAutofit/>
+          </a:bodyPr>
+          <a:lstStyle/>
+          <a:p>
+            <a:r>
+              <a:rPr lang="en-US" dirty="0"/>
+              <a:t>JSON Encode Accelerator (JEA)</a:t>
+            </a:r>
+          </a:p>
+          <a:p>
+            <a:r>
+              <a:rPr lang="en-US" dirty="0"/>
+              <a:t>Motivation:</a:t>
+            </a:r>
+          </a:p>
+          <a:p>
+            <a:pPr lvl="1"/>
+            <a:r>
+              <a:rPr lang="en-US" dirty="0"/>
+              <a:t>Heavy encoding (UTF-8), </a:t>
+            </a:r>
+            <a:r>
+              <a:rPr lang="en-US" dirty="0" err="1"/>
+              <a:t>number→text</a:t>
+            </a:r>
+            <a:r>
+              <a:rPr lang="en-US" dirty="0"/>
+              <a:t> formatting, special char handling</a:t>
+            </a:r>
+          </a:p>
+          <a:p>
+            <a:pPr lvl="1"/>
+            <a:r>
+              <a:rPr lang="en-US" dirty="0"/>
+              <a:t>Aim: o</a:t>
+            </a:r>
+            <a:r>
+              <a:rPr dirty="0"/>
+              <a:t>ffload to </a:t>
+            </a:r>
+            <a:r>
+              <a:rPr lang="en-US" dirty="0"/>
+              <a:t>HW</a:t>
+            </a:r>
+            <a:endParaRPr dirty="0"/>
+          </a:p>
+          <a:p>
+            <a:r>
+              <a:rPr lang="en-US" dirty="0"/>
+              <a:t>Implementation:</a:t>
+            </a:r>
+          </a:p>
+          <a:p>
+            <a:pPr lvl="1"/>
+            <a:r>
+              <a:rPr dirty="0"/>
+              <a:t>S</a:t>
+            </a:r>
+            <a:r>
+              <a:rPr lang="en-US" dirty="0"/>
+              <a:t>W iterates over Python object with simple </a:t>
+            </a:r>
+            <a:r>
+              <a:rPr lang="en-US" dirty="0" err="1"/>
+              <a:t>prepare_tokens</a:t>
+            </a:r>
+            <a:r>
+              <a:rPr lang="en-US" dirty="0"/>
+              <a:t>()</a:t>
+            </a:r>
+          </a:p>
+          <a:p>
+            <a:pPr lvl="2"/>
+            <a:r>
+              <a:rPr lang="en-US" sz="2400" dirty="0"/>
+              <a:t>Stores ‘token’ stream + string lookup table in memory</a:t>
+            </a:r>
+          </a:p>
+          <a:p>
+            <a:pPr lvl="2"/>
+            <a:r>
+              <a:rPr lang="en-US" sz="2400" dirty="0"/>
+              <a:t>Tokens are coded components of the object</a:t>
+            </a:r>
+          </a:p>
+          <a:p>
+            <a:pPr lvl="2"/>
+            <a:r>
+              <a:rPr lang="en-US" sz="2400" dirty="0"/>
+              <a:t>Table translates IDs individual strings</a:t>
+            </a:r>
+          </a:p>
+          <a:p>
+            <a:pPr lvl="1"/>
+            <a:r>
+              <a:rPr lang="en-US" dirty="0"/>
+              <a:t>HW accesses stream + table to encode JSON string and writes into buffer</a:t>
+            </a:r>
+          </a:p>
+          <a:p>
+            <a:pPr lvl="2"/>
+            <a:r>
+              <a:rPr lang="en-US" sz="2400" dirty="0"/>
+              <a:t>Treats tokens as its ISA!</a:t>
+            </a:r>
+            <a:endParaRPr sz="2400" dirty="0"/>
+          </a:p>
+        </p:txBody>
+      </p:sp>
+    </p:spTree>
+  </p:cSld>
+  <p:clrMapOvr>
+    <a:masterClrMapping/>
+  </p:clrMapOvr>
+</p:sld>
+</file>
+
+<file path=ppt/slides/slide33.xml><?xml version="1.0" encoding="utf-8"?>
+<p:sld xmlns:a="http://schemas.openxmlformats.org/drawingml/2006/main" xmlns:r="http://schemas.openxmlformats.org/officeDocument/2006/relationships" xmlns:p="http://schemas.openxmlformats.org/presentationml/2006/main">
+  <p:cSld>
+    <p:spTree>
+      <p:nvGrpSpPr>
+        <p:cNvPr id="1" name="">
+          <a:extLst>
+            <a:ext uri="{FF2B5EF4-FFF2-40B4-BE49-F238E27FC236}">
+              <a16:creationId xmlns:a16="http://schemas.microsoft.com/office/drawing/2014/main" id="{8CDB6836-9F1A-A8FB-CF99-63B7DC10DDF0}"/>
+            </a:ext>
+          </a:extLst>
+        </p:cNvPr>
+        <p:cNvGrpSpPr/>
+        <p:nvPr/>
+      </p:nvGrpSpPr>
+      <p:grpSpPr>
+        <a:xfrm>
+          <a:off x="0" y="0"/>
+          <a:ext cx="0" cy="0"/>
+          <a:chOff x="0" y="0"/>
+          <a:chExt cx="0" cy="0"/>
+        </a:xfrm>
+      </p:grpSpPr>
+      <p:sp>
+        <p:nvSpPr>
+          <p:cNvPr id="2" name="Title 1">
+            <a:extLst>
+              <a:ext uri="{FF2B5EF4-FFF2-40B4-BE49-F238E27FC236}">
+                <a16:creationId xmlns:a16="http://schemas.microsoft.com/office/drawing/2014/main" id="{8AD38A8E-5C2A-6608-2B38-78D132FF8EAC}"/>
+              </a:ext>
+            </a:extLst>
+          </p:cNvPr>
+          <p:cNvSpPr>
+            <a:spLocks noGrp="1"/>
+          </p:cNvSpPr>
+          <p:nvPr>
+            <p:ph type="title"/>
+          </p:nvPr>
+        </p:nvSpPr>
+        <p:spPr/>
+        <p:txBody>
+          <a:bodyPr/>
+          <a:lstStyle/>
+          <a:p>
+            <a:r>
+              <a:rPr lang="en-US" dirty="0"/>
+              <a:t>Token Generation</a:t>
+            </a:r>
+            <a:endParaRPr dirty="0"/>
+          </a:p>
+        </p:txBody>
+      </p:sp>
+      <p:sp>
+        <p:nvSpPr>
+          <p:cNvPr id="3" name="Content Placeholder 2">
+            <a:extLst>
+              <a:ext uri="{FF2B5EF4-FFF2-40B4-BE49-F238E27FC236}">
+                <a16:creationId xmlns:a16="http://schemas.microsoft.com/office/drawing/2014/main" id="{9E8DC911-2B2F-F7FC-0BFD-775B302083B8}"/>
+              </a:ext>
+            </a:extLst>
+          </p:cNvPr>
+          <p:cNvSpPr>
+            <a:spLocks noGrp="1"/>
+          </p:cNvSpPr>
+          <p:nvPr>
+            <p:ph idx="1"/>
+          </p:nvPr>
+        </p:nvSpPr>
+        <p:spPr/>
+        <p:txBody>
+          <a:bodyPr>
+            <a:normAutofit fontScale="62500" lnSpcReduction="20000"/>
+          </a:bodyPr>
+          <a:lstStyle/>
+          <a:p>
+            <a:pPr marL="0" indent="0">
+              <a:buNone/>
+            </a:pPr>
+            <a:r>
+              <a:rPr lang="en-US" u="sng" dirty="0"/>
+              <a:t>Object: </a:t>
+            </a:r>
+            <a:r>
+              <a:rPr lang="en-US" dirty="0"/>
+              <a:t>{"a": 1, "ab": [2, "x"]}</a:t>
+            </a:r>
+            <a:br>
+              <a:rPr lang="en-US" dirty="0"/>
+            </a:br>
+            <a:endParaRPr lang="en-US" dirty="0"/>
+          </a:p>
+          <a:p>
+            <a:pPr marL="0" indent="0">
+              <a:lnSpc>
+                <a:spcPct val="120000"/>
+              </a:lnSpc>
+              <a:buNone/>
+            </a:pPr>
+            <a:r>
+              <a:rPr lang="en-US" u="sng" dirty="0"/>
+              <a:t>Token Stream:</a:t>
+            </a:r>
+            <a:br>
+              <a:rPr lang="en-US" dirty="0"/>
+            </a:br>
+            <a:r>
+              <a:rPr lang="en-US" dirty="0"/>
+              <a:t>OBJ_BEGIN</a:t>
+            </a:r>
+          </a:p>
+          <a:p>
+            <a:pPr marL="0" indent="0">
+              <a:buNone/>
+            </a:pPr>
+            <a:r>
+              <a:rPr lang="en-US" dirty="0"/>
+              <a:t>  KEY( id=0 )         # "a"</a:t>
+            </a:r>
+          </a:p>
+          <a:p>
+            <a:pPr marL="0" indent="0">
+              <a:buNone/>
+            </a:pPr>
+            <a:r>
+              <a:rPr lang="en-US" dirty="0"/>
+              <a:t>  VAL_INT(1)</a:t>
+            </a:r>
+          </a:p>
+          <a:p>
+            <a:pPr marL="0" indent="0">
+              <a:buNone/>
+            </a:pPr>
+            <a:r>
+              <a:rPr lang="en-US" dirty="0"/>
+              <a:t>  KEY( id=1 )         # "ab"</a:t>
+            </a:r>
+          </a:p>
+          <a:p>
+            <a:pPr marL="0" indent="0">
+              <a:buNone/>
+            </a:pPr>
+            <a:r>
+              <a:rPr lang="en-US" dirty="0"/>
+              <a:t>  ARR_BEGIN</a:t>
+            </a:r>
+          </a:p>
+          <a:p>
+            <a:pPr marL="0" indent="0">
+              <a:buNone/>
+            </a:pPr>
+            <a:r>
+              <a:rPr lang="en-US" dirty="0"/>
+              <a:t>    VAL_INT(2)</a:t>
+            </a:r>
+          </a:p>
+          <a:p>
+            <a:pPr marL="0" indent="0">
+              <a:buNone/>
+            </a:pPr>
+            <a:r>
+              <a:rPr lang="en-US" dirty="0"/>
+              <a:t>    VAL_STRING(id=2)  # "x"</a:t>
+            </a:r>
+          </a:p>
+          <a:p>
+            <a:pPr marL="0" indent="0">
+              <a:buNone/>
+            </a:pPr>
+            <a:r>
+              <a:rPr lang="en-US" dirty="0"/>
+              <a:t>  ARR_END</a:t>
+            </a:r>
+          </a:p>
+          <a:p>
+            <a:pPr marL="0" indent="0">
+              <a:buNone/>
+            </a:pPr>
+            <a:r>
+              <a:rPr lang="en-US" dirty="0"/>
+              <a:t>OBJ_END </a:t>
+            </a:r>
+          </a:p>
+          <a:p>
+            <a:pPr marL="0" indent="0">
+              <a:buNone/>
+            </a:pPr>
+            <a:endParaRPr lang="en-US" dirty="0"/>
+          </a:p>
+          <a:p>
+            <a:pPr marL="0" indent="0">
+              <a:buNone/>
+            </a:pPr>
+            <a:r>
+              <a:rPr lang="en-US" u="sng" dirty="0"/>
+              <a:t>Table: </a:t>
+            </a:r>
+            <a:r>
+              <a:rPr lang="en-US" dirty="0"/>
+              <a:t>0 – “a”, 1-“ab”, 2-“x”</a:t>
+            </a:r>
+          </a:p>
+          <a:p>
+            <a:pPr marL="0" indent="0">
+              <a:buNone/>
+            </a:pPr>
+            <a:endParaRPr dirty="0"/>
+          </a:p>
+        </p:txBody>
+      </p:sp>
+    </p:spTree>
+    <p:extLst>
+      <p:ext uri="{BB962C8B-B14F-4D97-AF65-F5344CB8AC3E}">
+        <p14:creationId xmlns:p14="http://schemas.microsoft.com/office/powerpoint/2010/main" val="2185196368"/>
+      </p:ext>
+    </p:extLst>
+  </p:cSld>
+  <p:clrMapOvr>
+    <a:masterClrMapping/>
+  </p:clrMapOvr>
+</p:sld>
+</file>
+
+<file path=ppt/slides/slide34.xml><?xml version="1.0" encoding="utf-8"?>
+<p:sld xmlns:a="http://schemas.openxmlformats.org/drawingml/2006/main" xmlns:r="http://schemas.openxmlformats.org/officeDocument/2006/relationships" xmlns:p="http://schemas.openxmlformats.org/presentationml/2006/main">
+  <p:cSld>
+    <p:spTree>
+      <p:nvGrpSpPr>
+        <p:cNvPr id="1" name=""/>
+        <p:cNvGrpSpPr/>
+        <p:nvPr/>
+      </p:nvGrpSpPr>
+      <p:grpSpPr>
+        <a:xfrm>
+          <a:off x="0" y="0"/>
+          <a:ext cx="0" cy="0"/>
+          <a:chOff x="0" y="0"/>
+          <a:chExt cx="0" cy="0"/>
+        </a:xfrm>
+      </p:grpSpPr>
+      <p:sp>
+        <p:nvSpPr>
+          <p:cNvPr id="2" name="Title 1">
+            <a:extLst>
+              <a:ext uri="{FF2B5EF4-FFF2-40B4-BE49-F238E27FC236}">
+                <a16:creationId xmlns:a16="http://schemas.microsoft.com/office/drawing/2014/main" id="{65082793-CCBF-B71B-A4D9-BDE31FCF60B4}"/>
+              </a:ext>
+            </a:extLst>
+          </p:cNvPr>
+          <p:cNvSpPr>
+            <a:spLocks noGrp="1"/>
+          </p:cNvSpPr>
+          <p:nvPr>
+            <p:ph type="title"/>
+          </p:nvPr>
+        </p:nvSpPr>
+        <p:spPr/>
+        <p:txBody>
+          <a:bodyPr/>
+          <a:lstStyle/>
+          <a:p>
+            <a:r>
+              <a:rPr lang="en-US" dirty="0"/>
+              <a:t>HW-SW Interface</a:t>
+            </a:r>
+          </a:p>
+        </p:txBody>
+      </p:sp>
+      <p:sp>
+        <p:nvSpPr>
+          <p:cNvPr id="3" name="Content Placeholder 2">
+            <a:extLst>
+              <a:ext uri="{FF2B5EF4-FFF2-40B4-BE49-F238E27FC236}">
+                <a16:creationId xmlns:a16="http://schemas.microsoft.com/office/drawing/2014/main" id="{01D6D657-8C73-BFB0-1D56-FD58B29FC737}"/>
+              </a:ext>
+            </a:extLst>
+          </p:cNvPr>
+          <p:cNvSpPr>
+            <a:spLocks noGrp="1"/>
+          </p:cNvSpPr>
+          <p:nvPr>
+            <p:ph idx="1"/>
+          </p:nvPr>
+        </p:nvSpPr>
+        <p:spPr/>
+        <p:txBody>
+          <a:bodyPr/>
+          <a:lstStyle/>
+          <a:p>
+            <a:r>
+              <a:rPr lang="en-US" dirty="0"/>
+              <a:t>Inputs: token stream, lookup table, doorbells, options</a:t>
+            </a:r>
+          </a:p>
+          <a:p>
+            <a:r>
+              <a:rPr lang="en-US" dirty="0"/>
+              <a:t>Outputs: contiguous JSON-formatted string, completion element</a:t>
+            </a:r>
+          </a:p>
+          <a:p>
+            <a:pPr marL="0" indent="0">
+              <a:buNone/>
+            </a:pPr>
+            <a:endParaRPr lang="en-US" dirty="0"/>
+          </a:p>
+          <a:p>
+            <a:r>
+              <a:rPr lang="en-US" dirty="0"/>
+              <a:t>Requirement:</a:t>
+            </a:r>
+          </a:p>
+          <a:p>
+            <a:pPr lvl="1"/>
+            <a:r>
+              <a:rPr lang="en-US" dirty="0"/>
+              <a:t>Edit orjson library: </a:t>
+            </a:r>
+            <a:r>
+              <a:rPr lang="en-US" dirty="0" err="1"/>
+              <a:t>prepare_tokens</a:t>
+            </a:r>
+            <a:r>
+              <a:rPr lang="en-US" dirty="0"/>
+              <a:t>(obj) -&gt; (tokens, </a:t>
+            </a:r>
+            <a:r>
+              <a:rPr lang="en-US" dirty="0" err="1"/>
+              <a:t>str_table</a:t>
+            </a:r>
+            <a:r>
+              <a:rPr lang="en-US" dirty="0"/>
+              <a:t>)</a:t>
+            </a:r>
+          </a:p>
+          <a:p>
+            <a:pPr lvl="1"/>
+            <a:r>
+              <a:rPr lang="en-US" dirty="0"/>
+              <a:t>Enable doorbells thru driver</a:t>
+            </a:r>
+          </a:p>
+          <a:p>
+            <a:pPr lvl="1"/>
+            <a:r>
+              <a:rPr lang="en-US" dirty="0"/>
+              <a:t>Enable JEA DMA-read </a:t>
+            </a:r>
+            <a:r>
+              <a:rPr lang="en-US" dirty="0" err="1"/>
+              <a:t>tokens+table</a:t>
+            </a:r>
+            <a:r>
+              <a:rPr lang="en-US" dirty="0"/>
+              <a:t>, write into provided buffer</a:t>
+            </a:r>
+          </a:p>
+          <a:p>
+            <a:pPr lvl="1"/>
+            <a:r>
+              <a:rPr lang="en-US" dirty="0"/>
+              <a:t>Completion + SW </a:t>
+            </a:r>
+            <a:r>
+              <a:rPr lang="en-US" dirty="0" err="1"/>
+              <a:t>poll&amp;read</a:t>
+            </a:r>
+            <a:r>
+              <a:rPr lang="en-US" dirty="0"/>
+              <a:t> </a:t>
+            </a:r>
+            <a:r>
+              <a:rPr lang="en-US" dirty="0">
+                <a:sym typeface="Wingdings" panose="05000000000000000000" pitchFamily="2" charset="2"/>
+              </a:rPr>
+              <a:t> return JSON-formatted string</a:t>
+            </a:r>
+            <a:endParaRPr lang="en-US" dirty="0"/>
+          </a:p>
+        </p:txBody>
+      </p:sp>
+    </p:spTree>
+    <p:extLst>
+      <p:ext uri="{BB962C8B-B14F-4D97-AF65-F5344CB8AC3E}">
+        <p14:creationId xmlns:p14="http://schemas.microsoft.com/office/powerpoint/2010/main" val="764563581"/>
+      </p:ext>
+    </p:extLst>
+  </p:cSld>
+  <p:clrMapOvr>
+    <a:masterClrMapping/>
+  </p:clrMapOvr>
+</p:sld>
+</file>
+
+<file path=ppt/slides/slide35.xml><?xml version="1.0" encoding="utf-8"?>
+<p:sld xmlns:a="http://schemas.openxmlformats.org/drawingml/2006/main" xmlns:r="http://schemas.openxmlformats.org/officeDocument/2006/relationships" xmlns:p="http://schemas.openxmlformats.org/presentationml/2006/main">
+  <p:cSld>
+    <p:spTree>
+      <p:nvGrpSpPr>
+        <p:cNvPr id="1" name=""/>
+        <p:cNvGrpSpPr/>
+        <p:nvPr/>
+      </p:nvGrpSpPr>
+      <p:grpSpPr>
+        <a:xfrm>
+          <a:off x="0" y="0"/>
+          <a:ext cx="0" cy="0"/>
+          <a:chOff x="0" y="0"/>
+          <a:chExt cx="0" cy="0"/>
+        </a:xfrm>
+      </p:grpSpPr>
+      <p:sp>
+        <p:nvSpPr>
+          <p:cNvPr id="2" name="Title 1"/>
+          <p:cNvSpPr>
+            <a:spLocks noGrp="1"/>
+          </p:cNvSpPr>
+          <p:nvPr>
+            <p:ph type="title"/>
+          </p:nvPr>
+        </p:nvSpPr>
+        <p:spPr/>
+        <p:txBody>
+          <a:bodyPr/>
+          <a:lstStyle/>
+          <a:p>
+            <a:r>
+              <a:t>JEA Block Diagram</a:t>
+            </a:r>
+          </a:p>
+        </p:txBody>
+      </p:sp>
+      <p:pic>
+        <p:nvPicPr>
+          <p:cNvPr id="6" name="Picture 5">
+            <a:extLst>
+              <a:ext uri="{FF2B5EF4-FFF2-40B4-BE49-F238E27FC236}">
+                <a16:creationId xmlns:a16="http://schemas.microsoft.com/office/drawing/2014/main" id="{A8C344DC-7303-859C-D54F-F9B3295FB172}"/>
+              </a:ext>
+            </a:extLst>
+          </p:cNvPr>
+          <p:cNvPicPr>
+            <a:picLocks noChangeAspect="1"/>
+          </p:cNvPicPr>
+          <p:nvPr/>
+        </p:nvPicPr>
+        <p:blipFill>
+          <a:blip r:embed="rId2"/>
+          <a:stretch>
+            <a:fillRect/>
+          </a:stretch>
+        </p:blipFill>
+        <p:spPr>
+          <a:xfrm>
+            <a:off x="1412358" y="1598774"/>
+            <a:ext cx="9367284" cy="4803985"/>
+          </a:xfrm>
+          <a:prstGeom prst="rect">
+            <a:avLst/>
+          </a:prstGeom>
+        </p:spPr>
+      </p:pic>
+    </p:spTree>
+  </p:cSld>
+  <p:clrMapOvr>
+    <a:masterClrMapping/>
+  </p:clrMapOvr>
+</p:sld>
+</file>
+
+<file path=ppt/slides/slide36.xml><?xml version="1.0" encoding="utf-8"?>
+<p:sld xmlns:a="http://schemas.openxmlformats.org/drawingml/2006/main" xmlns:r="http://schemas.openxmlformats.org/officeDocument/2006/relationships" xmlns:p="http://schemas.openxmlformats.org/presentationml/2006/main">
+  <p:cSld>
+    <p:spTree>
+      <p:nvGrpSpPr>
+        <p:cNvPr id="1" name=""/>
+        <p:cNvGrpSpPr/>
+        <p:nvPr/>
+      </p:nvGrpSpPr>
+      <p:grpSpPr>
+        <a:xfrm>
+          <a:off x="0" y="0"/>
+          <a:ext cx="0" cy="0"/>
+          <a:chOff x="0" y="0"/>
+          <a:chExt cx="0" cy="0"/>
+        </a:xfrm>
+      </p:grpSpPr>
+      <p:sp>
+        <p:nvSpPr>
+          <p:cNvPr id="2" name="Title 1"/>
+          <p:cNvSpPr>
+            <a:spLocks noGrp="1"/>
+          </p:cNvSpPr>
+          <p:nvPr>
+            <p:ph type="title"/>
+          </p:nvPr>
+        </p:nvSpPr>
+        <p:spPr/>
+        <p:txBody>
+          <a:bodyPr/>
+          <a:lstStyle/>
+          <a:p>
+            <a:r>
+              <a:rPr lang="en-US" dirty="0"/>
+              <a:t>JEA </a:t>
+            </a:r>
+            <a:r>
+              <a:rPr dirty="0"/>
+              <a:t>Performanc</a:t>
+            </a:r>
+            <a:r>
+              <a:rPr lang="en-US" dirty="0"/>
+              <a:t>e Analysis</a:t>
+            </a:r>
+            <a:endParaRPr dirty="0"/>
+          </a:p>
+        </p:txBody>
+      </p:sp>
+      <mc:AlternateContent xmlns:mc="http://schemas.openxmlformats.org/markup-compatibility/2006" xmlns:a14="http://schemas.microsoft.com/office/drawing/2010/main">
+        <mc:Choice Requires="a14">
+          <p:sp>
+            <p:nvSpPr>
+              <p:cNvPr id="3" name="Content Placeholder 2"/>
+              <p:cNvSpPr>
+                <a:spLocks noGrp="1"/>
+              </p:cNvSpPr>
+              <p:nvPr>
+                <p:ph idx="1"/>
+              </p:nvPr>
+            </p:nvSpPr>
+            <p:spPr>
+              <a:xfrm>
+                <a:off x="838200" y="1825624"/>
+                <a:ext cx="10515600" cy="4556125"/>
+              </a:xfrm>
+            </p:spPr>
+            <p:txBody>
+              <a:bodyPr>
+                <a:noAutofit/>
+              </a:bodyPr>
+              <a:lstStyle/>
+              <a:p>
+                <a:r>
+                  <a:rPr lang="en-US" dirty="0"/>
+                  <a:t>Amdahl’s law:</a:t>
+                </a:r>
+              </a:p>
+              <a:p>
+                <a:endParaRPr lang="en-US" dirty="0"/>
+              </a:p>
+              <a:p>
+                <a:pPr lvl="1"/>
+                <a:r>
+                  <a:rPr lang="en-US" dirty="0"/>
+                  <a:t>Estimated time spent in JSON formatting: 70% (from flame graphs)</a:t>
+                </a:r>
+              </a:p>
+              <a:p>
+                <a:pPr lvl="1"/>
+                <a:r>
+                  <a:rPr lang="en-US" dirty="0"/>
+                  <a:t>Neglect added latencies (DMA, doorbells, completion </a:t>
+                </a:r>
+                <a:r>
+                  <a:rPr lang="en-US" dirty="0" err="1"/>
+                  <a:t>post+polling</a:t>
+                </a:r>
+                <a:r>
+                  <a:rPr lang="en-US" dirty="0"/>
+                  <a:t>)</a:t>
+                </a:r>
+              </a:p>
+              <a:p>
+                <a:pPr lvl="1"/>
+                <a:r>
+                  <a:rPr lang="en-US" dirty="0"/>
+                  <a:t>Speedup determined by concurrent characters processed</a:t>
+                </a:r>
+              </a:p>
+              <a:p>
+                <a:pPr lvl="2"/>
+                <a:r>
+                  <a:rPr lang="en-US" sz="2400" dirty="0"/>
+                  <a:t>Assume 4x orjson SIMD limitation</a:t>
+                </a:r>
+              </a:p>
+              <a:p>
+                <a:pPr marL="457200" lvl="1" indent="0">
+                  <a:buNone/>
+                </a:pPr>
+                <a:endParaRPr lang="en-US" sz="1100" dirty="0"/>
+              </a:p>
+              <a:p>
+                <a:pPr marL="457200" lvl="1" indent="0">
+                  <a:buNone/>
+                </a:pPr>
+                <a14:m>
+                  <m:oMathPara xmlns:m="http://schemas.openxmlformats.org/officeDocument/2006/math">
+                    <m:oMathParaPr>
+                      <m:jc m:val="centerGroup"/>
+                    </m:oMathParaPr>
+                    <m:oMath xmlns:m="http://schemas.openxmlformats.org/officeDocument/2006/math">
+                      <m:sSub>
+                        <m:sSubPr>
+                          <m:ctrlPr>
+                            <a:rPr lang="ar-AE" sz="2800" b="1" i="1">
+                              <a:latin typeface="Cambria Math" panose="02040503050406030204" pitchFamily="18" charset="0"/>
+                            </a:rPr>
+                          </m:ctrlPr>
+                        </m:sSubPr>
+                        <m:e>
+                          <m:r>
+                            <a:rPr lang="ar-AE" sz="2800" b="1" i="1">
+                              <a:latin typeface="Cambria Math" panose="02040503050406030204" pitchFamily="18" charset="0"/>
+                            </a:rPr>
+                            <m:t>𝑺</m:t>
+                          </m:r>
+                        </m:e>
+                        <m:sub>
+                          <m:r>
+                            <a:rPr lang="ar-AE" sz="2800" b="1" i="1">
+                              <a:latin typeface="Cambria Math" panose="02040503050406030204" pitchFamily="18" charset="0"/>
+                            </a:rPr>
+                            <m:t>𝒐𝒗𝒆𝒓𝒂𝒍𝒍</m:t>
+                          </m:r>
+                        </m:sub>
+                      </m:sSub>
+                      <m:r>
+                        <a:rPr lang="ar-AE" sz="2800" b="1" i="1">
+                          <a:latin typeface="Cambria Math" panose="02040503050406030204" pitchFamily="18" charset="0"/>
+                        </a:rPr>
+                        <m:t>=</m:t>
+                      </m:r>
+                      <m:f>
+                        <m:fPr>
+                          <m:ctrlPr>
+                            <a:rPr lang="ar-AE" sz="2800" b="1" i="1">
+                              <a:latin typeface="Cambria Math" panose="02040503050406030204" pitchFamily="18" charset="0"/>
+                            </a:rPr>
+                          </m:ctrlPr>
+                        </m:fPr>
+                        <m:num>
+                          <m:r>
+                            <a:rPr lang="ar-AE" sz="2800" b="1" i="1">
+                              <a:latin typeface="Cambria Math" panose="02040503050406030204" pitchFamily="18" charset="0"/>
+                            </a:rPr>
+                            <m:t>𝟏</m:t>
+                          </m:r>
+                        </m:num>
+                        <m:den>
+                          <m:d>
+                            <m:dPr>
+                              <m:ctrlPr>
+                                <a:rPr lang="ar-AE" sz="2800" b="1" i="1">
+                                  <a:latin typeface="Cambria Math" panose="02040503050406030204" pitchFamily="18" charset="0"/>
+                                </a:rPr>
+                              </m:ctrlPr>
+                            </m:dPr>
+                            <m:e>
+                              <m:d>
+                                <m:dPr>
+                                  <m:ctrlPr>
+                                    <a:rPr lang="ar-AE" sz="2800" b="1" i="1">
+                                      <a:latin typeface="Cambria Math" panose="02040503050406030204" pitchFamily="18" charset="0"/>
+                                    </a:rPr>
+                                  </m:ctrlPr>
+                                </m:dPr>
+                                <m:e>
+                                  <m:r>
+                                    <a:rPr lang="ar-AE" sz="2800" b="1" i="1">
+                                      <a:latin typeface="Cambria Math" panose="02040503050406030204" pitchFamily="18" charset="0"/>
+                                    </a:rPr>
+                                    <m:t>𝟏</m:t>
+                                  </m:r>
+                                  <m:r>
+                                    <a:rPr lang="ar-AE" sz="2800" b="1" i="1">
+                                      <a:latin typeface="Cambria Math" panose="02040503050406030204" pitchFamily="18" charset="0"/>
+                                    </a:rPr>
+                                    <m:t>−</m:t>
+                                  </m:r>
+                                  <m:r>
+                                    <a:rPr lang="ar-AE" sz="2800" b="1" i="1">
+                                      <a:latin typeface="Cambria Math" panose="02040503050406030204" pitchFamily="18" charset="0"/>
+                                    </a:rPr>
+                                    <m:t>𝟎</m:t>
+                                  </m:r>
+                                  <m:r>
+                                    <a:rPr lang="ar-AE" sz="2800" b="1" i="1">
+                                      <a:latin typeface="Cambria Math" panose="02040503050406030204" pitchFamily="18" charset="0"/>
+                                    </a:rPr>
+                                    <m:t>.</m:t>
+                                  </m:r>
+                                  <m:r>
+                                    <a:rPr lang="ar-AE" sz="2800" b="1" i="1">
+                                      <a:latin typeface="Cambria Math" panose="02040503050406030204" pitchFamily="18" charset="0"/>
+                                    </a:rPr>
+                                    <m:t>𝟕</m:t>
+                                  </m:r>
+                                </m:e>
+                              </m:d>
+                              <m:r>
+                                <a:rPr lang="ar-AE" sz="2800" b="1" i="1">
+                                  <a:latin typeface="Cambria Math" panose="02040503050406030204" pitchFamily="18" charset="0"/>
+                                </a:rPr>
+                                <m:t>+</m:t>
+                              </m:r>
+                              <m:d>
+                                <m:dPr>
+                                  <m:ctrlPr>
+                                    <a:rPr lang="ar-AE" sz="2800" b="1" i="1">
+                                      <a:latin typeface="Cambria Math" panose="02040503050406030204" pitchFamily="18" charset="0"/>
+                                    </a:rPr>
+                                  </m:ctrlPr>
+                                </m:dPr>
+                                <m:e>
+                                  <m:f>
+                                    <m:fPr>
+                                      <m:ctrlPr>
+                                        <a:rPr lang="ar-AE" sz="2800" b="1" i="1">
+                                          <a:latin typeface="Cambria Math" panose="02040503050406030204" pitchFamily="18" charset="0"/>
+                                        </a:rPr>
+                                      </m:ctrlPr>
+                                    </m:fPr>
+                                    <m:num>
+                                      <m:r>
+                                        <a:rPr lang="ar-AE" sz="2800" b="1" i="1">
+                                          <a:latin typeface="Cambria Math" panose="02040503050406030204" pitchFamily="18" charset="0"/>
+                                        </a:rPr>
+                                        <m:t>𝟎</m:t>
+                                      </m:r>
+                                      <m:r>
+                                        <a:rPr lang="ar-AE" sz="2800" b="1" i="1">
+                                          <a:latin typeface="Cambria Math" panose="02040503050406030204" pitchFamily="18" charset="0"/>
+                                        </a:rPr>
+                                        <m:t>.</m:t>
+                                      </m:r>
+                                      <m:r>
+                                        <a:rPr lang="ar-AE" sz="2800" b="1" i="1">
+                                          <a:latin typeface="Cambria Math" panose="02040503050406030204" pitchFamily="18" charset="0"/>
+                                        </a:rPr>
+                                        <m:t>𝟕</m:t>
+                                      </m:r>
+                                    </m:num>
+                                    <m:den>
+                                      <m:r>
+                                        <a:rPr lang="ar-AE" sz="2800" b="1" i="1">
+                                          <a:latin typeface="Cambria Math" panose="02040503050406030204" pitchFamily="18" charset="0"/>
+                                        </a:rPr>
+                                        <m:t>𝟒</m:t>
+                                      </m:r>
+                                    </m:den>
+                                  </m:f>
+                                </m:e>
+                              </m:d>
+                            </m:e>
+                          </m:d>
+                        </m:den>
+                      </m:f>
+                      <m:r>
+                        <a:rPr lang="ar-AE" sz="2800" b="1" i="1">
+                          <a:latin typeface="Cambria Math" panose="02040503050406030204" pitchFamily="18" charset="0"/>
+                        </a:rPr>
+                        <m:t>=</m:t>
+                      </m:r>
+                      <m:r>
+                        <a:rPr lang="ar-AE" sz="2800" b="1" i="1" smtClean="0">
+                          <a:latin typeface="Cambria Math" panose="02040503050406030204" pitchFamily="18" charset="0"/>
+                        </a:rPr>
+                        <m:t>𝟐</m:t>
+                      </m:r>
+                      <m:r>
+                        <a:rPr lang="en-US" sz="2800" b="1" i="1" smtClean="0">
+                          <a:latin typeface="Cambria Math" panose="02040503050406030204" pitchFamily="18" charset="0"/>
+                        </a:rPr>
+                        <m:t>.</m:t>
+                      </m:r>
+                      <m:r>
+                        <a:rPr lang="en-US" sz="2800" b="1" i="1" smtClean="0">
+                          <a:latin typeface="Cambria Math" panose="02040503050406030204" pitchFamily="18" charset="0"/>
+                        </a:rPr>
+                        <m:t>𝟏</m:t>
+                      </m:r>
+                    </m:oMath>
+                  </m:oMathPara>
+                </a14:m>
+                <a:endParaRPr lang="en-US" sz="2800" b="1" dirty="0"/>
+              </a:p>
+              <a:p>
+                <a:pPr lvl="1"/>
+                <a:r>
+                  <a:rPr lang="en-US" dirty="0"/>
+                  <a:t>That is, ~2x acceleration over orjson </a:t>
+                </a:r>
+                <a:r>
+                  <a:rPr lang="en-US" dirty="0">
+                    <a:sym typeface="Wingdings" panose="05000000000000000000" pitchFamily="2" charset="2"/>
+                  </a:rPr>
+                  <a:t></a:t>
+                </a:r>
+                <a:r>
+                  <a:rPr lang="en-US" dirty="0"/>
+                  <a:t> ~10x over </a:t>
+                </a:r>
+                <a:r>
+                  <a:rPr lang="en-US" dirty="0" err="1"/>
+                  <a:t>stdlib</a:t>
+                </a:r>
+                <a:r>
+                  <a:rPr lang="en-US" dirty="0"/>
+                  <a:t> </a:t>
+                </a:r>
+                <a:r>
+                  <a:rPr lang="en-US" dirty="0" err="1"/>
+                  <a:t>json</a:t>
+                </a:r>
+                <a:r>
+                  <a:rPr lang="en-US" dirty="0"/>
+                  <a:t>!</a:t>
+                </a:r>
+              </a:p>
+              <a:p>
+                <a:pPr lvl="1"/>
+                <a:endParaRPr lang="ar-AE" sz="2800" dirty="0"/>
+              </a:p>
+            </p:txBody>
+          </p:sp>
+        </mc:Choice>
+        <mc:Fallback xmlns="">
+          <p:sp>
+            <p:nvSpPr>
+              <p:cNvPr id="3" name="Content Placeholder 2"/>
+              <p:cNvSpPr>
+                <a:spLocks noGrp="1" noRot="1" noChangeAspect="1" noMove="1" noResize="1" noEditPoints="1" noAdjustHandles="1" noChangeArrowheads="1" noChangeShapeType="1" noTextEdit="1"/>
+              </p:cNvSpPr>
+              <p:nvPr>
+                <p:ph idx="1"/>
+              </p:nvPr>
+            </p:nvSpPr>
+            <p:spPr>
+              <a:xfrm>
+                <a:off x="838200" y="1825624"/>
+                <a:ext cx="10515600" cy="4556125"/>
+              </a:xfrm>
+              <a:blipFill>
+                <a:blip r:embed="rId2"/>
+                <a:stretch>
+                  <a:fillRect l="-1043" t="-2273" b="-668"/>
+                </a:stretch>
+              </a:blipFill>
+            </p:spPr>
+            <p:txBody>
+              <a:bodyPr/>
+              <a:lstStyle/>
+              <a:p>
+                <a:r>
+                  <a:rPr lang="en-US">
+                    <a:noFill/>
+                  </a:rPr>
+                  <a:t> </a:t>
+                </a:r>
+              </a:p>
+            </p:txBody>
+          </p:sp>
+        </mc:Fallback>
+      </mc:AlternateContent>
+      <p:pic>
+        <p:nvPicPr>
+          <p:cNvPr id="4" name="Picture 3">
+            <a:extLst>
+              <a:ext uri="{FF2B5EF4-FFF2-40B4-BE49-F238E27FC236}">
+                <a16:creationId xmlns:a16="http://schemas.microsoft.com/office/drawing/2014/main" id="{48B8A956-54CE-47A1-884B-B6C726559A84}"/>
+              </a:ext>
+            </a:extLst>
+          </p:cNvPr>
+          <p:cNvPicPr>
+            <a:picLocks noChangeAspect="1"/>
+          </p:cNvPicPr>
+          <p:nvPr/>
+        </p:nvPicPr>
+        <p:blipFill>
+          <a:blip r:embed="rId3"/>
+          <a:stretch>
+            <a:fillRect/>
+          </a:stretch>
+        </p:blipFill>
+        <p:spPr>
+          <a:xfrm>
+            <a:off x="3499802" y="1665288"/>
+            <a:ext cx="5004652" cy="938212"/>
+          </a:xfrm>
+          <a:prstGeom prst="rect">
+            <a:avLst/>
+          </a:prstGeom>
+        </p:spPr>
+      </p:pic>
+    </p:spTree>
+  </p:cSld>
+  <p:clrMapOvr>
+    <a:masterClrMapping/>
+  </p:clrMapOvr>
+</p:sld>
+</file>
+
+<file path=ppt/slides/slide37.xml><?xml version="1.0" encoding="utf-8"?>
+<p:sld xmlns:a="http://schemas.openxmlformats.org/drawingml/2006/main" xmlns:r="http://schemas.openxmlformats.org/officeDocument/2006/relationships" xmlns:p="http://schemas.openxmlformats.org/presentationml/2006/main">
+  <p:cSld>
+    <p:spTree>
+      <p:nvGrpSpPr>
+        <p:cNvPr id="1" name="">
+          <a:extLst>
+            <a:ext uri="{FF2B5EF4-FFF2-40B4-BE49-F238E27FC236}">
+              <a16:creationId xmlns:a16="http://schemas.microsoft.com/office/drawing/2014/main" id="{DC7AD82A-A81D-8AA2-F239-FFD89A029EE9}"/>
+            </a:ext>
+          </a:extLst>
+        </p:cNvPr>
+        <p:cNvGrpSpPr/>
+        <p:nvPr/>
+      </p:nvGrpSpPr>
+      <p:grpSpPr>
+        <a:xfrm>
+          <a:off x="0" y="0"/>
+          <a:ext cx="0" cy="0"/>
+          <a:chOff x="0" y="0"/>
+          <a:chExt cx="0" cy="0"/>
+        </a:xfrm>
+      </p:grpSpPr>
+      <p:sp>
+        <p:nvSpPr>
+          <p:cNvPr id="2" name="Title 1">
+            <a:extLst>
+              <a:ext uri="{FF2B5EF4-FFF2-40B4-BE49-F238E27FC236}">
+                <a16:creationId xmlns:a16="http://schemas.microsoft.com/office/drawing/2014/main" id="{8F300BEA-5CD2-99E1-D58C-9A245BEE9D33}"/>
+              </a:ext>
+            </a:extLst>
+          </p:cNvPr>
+          <p:cNvSpPr>
+            <a:spLocks noGrp="1"/>
+          </p:cNvSpPr>
+          <p:nvPr>
+            <p:ph type="title"/>
+          </p:nvPr>
+        </p:nvSpPr>
+        <p:spPr/>
+        <p:txBody>
+          <a:bodyPr/>
+          <a:lstStyle/>
+          <a:p>
+            <a:r>
+              <a:rPr lang="en-US" dirty="0"/>
+              <a:t>JEA Area/Power Trade-offs</a:t>
+            </a:r>
+            <a:endParaRPr dirty="0"/>
+          </a:p>
+        </p:txBody>
+      </p:sp>
+      <p:sp>
+        <p:nvSpPr>
+          <p:cNvPr id="3" name="Content Placeholder 2">
+            <a:extLst>
+              <a:ext uri="{FF2B5EF4-FFF2-40B4-BE49-F238E27FC236}">
+                <a16:creationId xmlns:a16="http://schemas.microsoft.com/office/drawing/2014/main" id="{C3F46CF5-6B1F-2647-5744-B11A244DE3BB}"/>
+              </a:ext>
+            </a:extLst>
+          </p:cNvPr>
+          <p:cNvSpPr>
+            <a:spLocks noGrp="1"/>
+          </p:cNvSpPr>
+          <p:nvPr>
+            <p:ph idx="1"/>
+          </p:nvPr>
+        </p:nvSpPr>
+        <p:spPr/>
+        <p:txBody>
+          <a:bodyPr>
+            <a:normAutofit/>
+          </a:bodyPr>
+          <a:lstStyle/>
+          <a:p>
+            <a:r>
+              <a:rPr lang="en-US" dirty="0"/>
+              <a:t>Area:</a:t>
+            </a:r>
+          </a:p>
+          <a:p>
+            <a:pPr lvl="1"/>
+            <a:r>
+              <a:rPr lang="en-US" dirty="0"/>
+              <a:t>Character formatting logic (small)</a:t>
+            </a:r>
+          </a:p>
+          <a:p>
+            <a:pPr lvl="1"/>
+            <a:r>
+              <a:rPr lang="en-US" dirty="0"/>
+              <a:t>DMA unit, caches (scale with performance gains)</a:t>
+            </a:r>
+          </a:p>
+          <a:p>
+            <a:pPr lvl="2"/>
+            <a:r>
+              <a:rPr lang="en-US" sz="2400" dirty="0"/>
+              <a:t>More parallelism </a:t>
+            </a:r>
+            <a:r>
+              <a:rPr lang="en-US" sz="2400" dirty="0">
+                <a:sym typeface="Wingdings" panose="05000000000000000000" pitchFamily="2" charset="2"/>
+              </a:rPr>
+              <a:t> better performance, larger inputs and caches</a:t>
+            </a:r>
+            <a:endParaRPr lang="en-US" sz="2400" dirty="0"/>
+          </a:p>
+          <a:p>
+            <a:pPr lvl="1"/>
+            <a:r>
+              <a:rPr lang="en-US" dirty="0"/>
+              <a:t>Niche unit (though can be adapted for other vectorized operations)</a:t>
+            </a:r>
+          </a:p>
+          <a:p>
+            <a:r>
+              <a:rPr lang="en-US" dirty="0"/>
+              <a:t>Power</a:t>
+            </a:r>
+          </a:p>
+          <a:p>
+            <a:pPr lvl="1"/>
+            <a:r>
+              <a:rPr lang="en-US" dirty="0"/>
+              <a:t>Efficient per-character encoding</a:t>
+            </a:r>
+          </a:p>
+          <a:p>
+            <a:pPr lvl="1"/>
+            <a:r>
+              <a:rPr lang="en-US" dirty="0"/>
+              <a:t>SRAMs for stream, table fetching and reorder buffers</a:t>
+            </a:r>
+            <a:endParaRPr dirty="0"/>
+          </a:p>
+        </p:txBody>
+      </p:sp>
+    </p:spTree>
+    <p:extLst>
+      <p:ext uri="{BB962C8B-B14F-4D97-AF65-F5344CB8AC3E}">
+        <p14:creationId xmlns:p14="http://schemas.microsoft.com/office/powerpoint/2010/main" val="4063990770"/>
+      </p:ext>
+    </p:extLst>
+  </p:cSld>
+  <p:clrMapOvr>
+    <a:masterClrMapping/>
+  </p:clrMapOvr>
+</p:sld>
+</file>
+
+<file path=ppt/slides/slide38.xml><?xml version="1.0" encoding="utf-8"?>
+<p:sld xmlns:a="http://schemas.openxmlformats.org/drawingml/2006/main" xmlns:r="http://schemas.openxmlformats.org/officeDocument/2006/relationships" xmlns:p="http://schemas.openxmlformats.org/presentationml/2006/main">
+  <p:cSld>
+    <p:spTree>
+      <p:nvGrpSpPr>
+        <p:cNvPr id="1" name=""/>
+        <p:cNvGrpSpPr/>
+        <p:nvPr/>
+      </p:nvGrpSpPr>
+      <p:grpSpPr>
+        <a:xfrm>
+          <a:off x="0" y="0"/>
+          <a:ext cx="0" cy="0"/>
+          <a:chOff x="0" y="0"/>
+          <a:chExt cx="0" cy="0"/>
+        </a:xfrm>
+      </p:grpSpPr>
+      <p:sp>
+        <p:nvSpPr>
+          <p:cNvPr id="2" name="Title 1"/>
+          <p:cNvSpPr>
+            <a:spLocks noGrp="1"/>
+          </p:cNvSpPr>
+          <p:nvPr>
+            <p:ph type="title"/>
+          </p:nvPr>
+        </p:nvSpPr>
+        <p:spPr/>
+        <p:txBody>
+          <a:bodyPr/>
+          <a:lstStyle/>
+          <a:p>
+            <a:r>
+              <a:t>Conclusion</a:t>
+            </a:r>
+          </a:p>
+        </p:txBody>
+      </p:sp>
+      <p:sp>
+        <p:nvSpPr>
+          <p:cNvPr id="3" name="Content Placeholder 2"/>
+          <p:cNvSpPr>
+            <a:spLocks noGrp="1"/>
+          </p:cNvSpPr>
+          <p:nvPr>
+            <p:ph idx="1"/>
+          </p:nvPr>
+        </p:nvSpPr>
+        <p:spPr/>
+        <p:txBody>
+          <a:bodyPr>
+            <a:normAutofit/>
+          </a:bodyPr>
+          <a:lstStyle/>
+          <a:p>
+            <a:r>
+              <a:rPr dirty="0"/>
+              <a:t>orjson delivers 5× speedup over </a:t>
+            </a:r>
+            <a:r>
+              <a:rPr dirty="0" err="1"/>
+              <a:t>stdlib</a:t>
+            </a:r>
+            <a:endParaRPr lang="en-US" dirty="0"/>
+          </a:p>
+          <a:p>
+            <a:pPr lvl="1"/>
+            <a:r>
+              <a:rPr lang="en-US" dirty="0"/>
+              <a:t>Eliminates python stack and interpreter overhead</a:t>
+            </a:r>
+          </a:p>
+          <a:p>
+            <a:pPr lvl="1"/>
+            <a:r>
+              <a:rPr lang="en-US" dirty="0"/>
+              <a:t>Utilizes SIMD capabilities for parallel string processing</a:t>
+            </a:r>
+          </a:p>
+          <a:p>
+            <a:pPr lvl="1"/>
+            <a:r>
+              <a:rPr lang="en-US" dirty="0"/>
+              <a:t>P</a:t>
+            </a:r>
+            <a:r>
+              <a:rPr dirty="0"/>
+              <a:t>erf counters confirm efficiency</a:t>
+            </a:r>
+          </a:p>
+          <a:p>
+            <a:r>
+              <a:rPr dirty="0"/>
+              <a:t>JEA provides </a:t>
+            </a:r>
+            <a:r>
+              <a:rPr lang="en-US" dirty="0"/>
+              <a:t>additional 2× speedup by offloading heavy encoding </a:t>
+            </a:r>
+            <a:endParaRPr dirty="0"/>
+          </a:p>
+          <a:p>
+            <a:r>
+              <a:rPr dirty="0"/>
+              <a:t>HW</a:t>
+            </a:r>
+            <a:r>
+              <a:rPr lang="en-US" dirty="0"/>
+              <a:t>-</a:t>
+            </a:r>
+            <a:r>
+              <a:rPr dirty="0"/>
+              <a:t>SW co‑design produces substantial gains</a:t>
+            </a:r>
+            <a:r>
+              <a:rPr lang="en-US" dirty="0"/>
+              <a:t> </a:t>
+            </a:r>
+            <a:r>
+              <a:rPr lang="en-US" dirty="0">
+                <a:sym typeface="Wingdings" panose="05000000000000000000" pitchFamily="2" charset="2"/>
+              </a:rPr>
+              <a:t></a:t>
+            </a:r>
+            <a:endParaRPr dirty="0"/>
+          </a:p>
+        </p:txBody>
+      </p:sp>
+    </p:spTree>
   </p:cSld>
   <p:clrMapOvr>
     <a:masterClrMapping/>
